--- a/Document/FINAL/Презентация_Василиадис.pptx
+++ b/Document/FINAL/Презентация_Василиадис.pptx
@@ -223,7 +223,7 @@
           <a:p>
             <a:fld id="{222A6AE0-AA74-41BD-82EA-8543DF964D38}" type="datetimeFigureOut">
               <a:rPr lang="ru-RU" smtClean="0"/>
-              <a:t>06.06.2018</a:t>
+              <a:t>08.06.2018</a:t>
             </a:fld>
             <a:endParaRPr lang="ru-RU"/>
           </a:p>
@@ -673,7 +673,7 @@
             <a:fld id="{D3F45E69-51FF-4017-B855-FA6AEE2AB1D5}" type="datetimeFigureOut">
               <a:rPr lang="ru-RU" smtClean="0"/>
               <a:pPr/>
-              <a:t>06.06.2018</a:t>
+              <a:t>08.06.2018</a:t>
             </a:fld>
             <a:endParaRPr lang="ru-RU"/>
           </a:p>
@@ -840,7 +840,7 @@
             <a:fld id="{D3F45E69-51FF-4017-B855-FA6AEE2AB1D5}" type="datetimeFigureOut">
               <a:rPr lang="ru-RU" smtClean="0"/>
               <a:pPr/>
-              <a:t>06.06.2018</a:t>
+              <a:t>08.06.2018</a:t>
             </a:fld>
             <a:endParaRPr lang="ru-RU"/>
           </a:p>
@@ -1017,7 +1017,7 @@
             <a:fld id="{D3F45E69-51FF-4017-B855-FA6AEE2AB1D5}" type="datetimeFigureOut">
               <a:rPr lang="ru-RU" smtClean="0"/>
               <a:pPr/>
-              <a:t>06.06.2018</a:t>
+              <a:t>08.06.2018</a:t>
             </a:fld>
             <a:endParaRPr lang="ru-RU"/>
           </a:p>
@@ -1184,7 +1184,7 @@
             <a:fld id="{D3F45E69-51FF-4017-B855-FA6AEE2AB1D5}" type="datetimeFigureOut">
               <a:rPr lang="ru-RU" smtClean="0"/>
               <a:pPr/>
-              <a:t>06.06.2018</a:t>
+              <a:t>08.06.2018</a:t>
             </a:fld>
             <a:endParaRPr lang="ru-RU"/>
           </a:p>
@@ -1427,7 +1427,7 @@
             <a:fld id="{D3F45E69-51FF-4017-B855-FA6AEE2AB1D5}" type="datetimeFigureOut">
               <a:rPr lang="ru-RU" smtClean="0"/>
               <a:pPr/>
-              <a:t>06.06.2018</a:t>
+              <a:t>08.06.2018</a:t>
             </a:fld>
             <a:endParaRPr lang="ru-RU"/>
           </a:p>
@@ -1712,7 +1712,7 @@
             <a:fld id="{D3F45E69-51FF-4017-B855-FA6AEE2AB1D5}" type="datetimeFigureOut">
               <a:rPr lang="ru-RU" smtClean="0"/>
               <a:pPr/>
-              <a:t>06.06.2018</a:t>
+              <a:t>08.06.2018</a:t>
             </a:fld>
             <a:endParaRPr lang="ru-RU"/>
           </a:p>
@@ -2131,7 +2131,7 @@
             <a:fld id="{D3F45E69-51FF-4017-B855-FA6AEE2AB1D5}" type="datetimeFigureOut">
               <a:rPr lang="ru-RU" smtClean="0"/>
               <a:pPr/>
-              <a:t>06.06.2018</a:t>
+              <a:t>08.06.2018</a:t>
             </a:fld>
             <a:endParaRPr lang="ru-RU"/>
           </a:p>
@@ -2246,7 +2246,7 @@
             <a:fld id="{D3F45E69-51FF-4017-B855-FA6AEE2AB1D5}" type="datetimeFigureOut">
               <a:rPr lang="ru-RU" smtClean="0"/>
               <a:pPr/>
-              <a:t>06.06.2018</a:t>
+              <a:t>08.06.2018</a:t>
             </a:fld>
             <a:endParaRPr lang="ru-RU"/>
           </a:p>
@@ -2338,7 +2338,7 @@
             <a:fld id="{D3F45E69-51FF-4017-B855-FA6AEE2AB1D5}" type="datetimeFigureOut">
               <a:rPr lang="ru-RU" smtClean="0"/>
               <a:pPr/>
-              <a:t>06.06.2018</a:t>
+              <a:t>08.06.2018</a:t>
             </a:fld>
             <a:endParaRPr lang="ru-RU"/>
           </a:p>
@@ -2612,7 +2612,7 @@
             <a:fld id="{D3F45E69-51FF-4017-B855-FA6AEE2AB1D5}" type="datetimeFigureOut">
               <a:rPr lang="ru-RU" smtClean="0"/>
               <a:pPr/>
-              <a:t>06.06.2018</a:t>
+              <a:t>08.06.2018</a:t>
             </a:fld>
             <a:endParaRPr lang="ru-RU"/>
           </a:p>
@@ -2862,7 +2862,7 @@
             <a:fld id="{D3F45E69-51FF-4017-B855-FA6AEE2AB1D5}" type="datetimeFigureOut">
               <a:rPr lang="ru-RU" smtClean="0"/>
               <a:pPr/>
-              <a:t>06.06.2018</a:t>
+              <a:t>08.06.2018</a:t>
             </a:fld>
             <a:endParaRPr lang="ru-RU"/>
           </a:p>
@@ -3072,7 +3072,7 @@
             <a:fld id="{D3F45E69-51FF-4017-B855-FA6AEE2AB1D5}" type="datetimeFigureOut">
               <a:rPr lang="ru-RU" smtClean="0"/>
               <a:pPr/>
-              <a:t>06.06.2018</a:t>
+              <a:t>08.06.2018</a:t>
             </a:fld>
             <a:endParaRPr lang="ru-RU"/>
           </a:p>
@@ -4483,7 +4483,7 @@
         <p:spPr bwMode="auto">
           <a:xfrm>
             <a:off x="461324" y="2223296"/>
-            <a:ext cx="8359148" cy="3647152"/>
+            <a:ext cx="8359148" cy="3954929"/>
           </a:xfrm>
           <a:prstGeom prst="rect">
             <a:avLst/>
@@ -4508,11 +4508,7 @@
             </a:r>
             <a:r>
               <a:rPr lang="ru-RU" sz="2000" dirty="0" smtClean="0"/>
-              <a:t>расширение </a:t>
-            </a:r>
-            <a:r>
-              <a:rPr lang="ru-RU" sz="2000" dirty="0" smtClean="0"/>
-              <a:t>функциональности P</a:t>
+              <a:t>расширение функциональности P</a:t>
             </a:r>
             <a:r>
               <a:rPr lang="en-US" sz="2000" dirty="0" smtClean="0"/>
@@ -4520,11 +4516,7 @@
             </a:r>
             <a:r>
               <a:rPr lang="ru-RU" sz="2000" dirty="0" smtClean="0"/>
-              <a:t>-терминала </a:t>
-            </a:r>
-            <a:r>
-              <a:rPr lang="ru-RU" sz="2000" dirty="0" smtClean="0"/>
-              <a:t>под управлением операционной </a:t>
+              <a:t>-терминала под управлением операционной </a:t>
             </a:r>
             <a:r>
               <a:rPr lang="ru-RU" sz="2000" dirty="0"/>
@@ -4612,13 +4604,20 @@
             </a:pPr>
             <a:r>
               <a:rPr lang="ru-RU" sz="2000" dirty="0"/>
-              <a:t>разработка общего алгоритма ПМ </a:t>
+              <a:t>разработка </a:t>
+            </a:r>
+            <a:r>
+              <a:rPr lang="ru-RU" sz="2000" dirty="0" smtClean="0"/>
+              <a:t>алгоритма </a:t>
+            </a:r>
+            <a:r>
+              <a:rPr lang="ru-RU" sz="2000" dirty="0"/>
+              <a:t>ПМ </a:t>
             </a:r>
             <a:r>
               <a:rPr lang="ru-RU" sz="2000" dirty="0" smtClean="0"/>
               <a:t>ФО;</a:t>
             </a:r>
-            <a:endParaRPr lang="ru-RU" sz="2000" dirty="0"/>
           </a:p>
           <a:p>
             <a:pPr marL="266700" indent="-266700">
@@ -4630,11 +4629,11 @@
             </a:pPr>
             <a:r>
               <a:rPr lang="ru-RU" sz="2000" dirty="0"/>
-              <a:t>разработка пользовательского интерфейса ПМ </a:t>
+              <a:t>п</a:t>
             </a:r>
             <a:r>
               <a:rPr lang="ru-RU" sz="2000" dirty="0" smtClean="0"/>
-              <a:t>ФО;</a:t>
+              <a:t>рограммная реализация ПМ ФО;</a:t>
             </a:r>
             <a:endParaRPr lang="ru-RU" sz="2000" dirty="0"/>
           </a:p>
@@ -4648,7 +4647,7 @@
             </a:pPr>
             <a:r>
               <a:rPr lang="ru-RU" sz="2000" dirty="0"/>
-              <a:t>отладка и тестирование ПМ </a:t>
+              <a:t>разработка пользовательского интерфейса ПМ </a:t>
             </a:r>
             <a:r>
               <a:rPr lang="ru-RU" sz="2000" dirty="0" smtClean="0"/>
@@ -4666,6 +4665,24 @@
             </a:pPr>
             <a:r>
               <a:rPr lang="ru-RU" sz="2000" dirty="0"/>
+              <a:t>отладка и тестирование ПМ </a:t>
+            </a:r>
+            <a:r>
+              <a:rPr lang="ru-RU" sz="2000" dirty="0" smtClean="0"/>
+              <a:t>ФО;</a:t>
+            </a:r>
+            <a:endParaRPr lang="ru-RU" sz="2000" dirty="0"/>
+          </a:p>
+          <a:p>
+            <a:pPr marL="266700" indent="-266700">
+              <a:buFont typeface="Times New Roman" pitchFamily="18" charset="0"/>
+              <a:buChar char="•"/>
+              <a:tabLst>
+                <a:tab pos="266700" algn="l"/>
+              </a:tabLst>
+            </a:pPr>
+            <a:r>
+              <a:rPr lang="ru-RU" sz="2000" dirty="0"/>
               <a:t>разработка руководства оператора ПМ </a:t>
             </a:r>
             <a:r>
@@ -4673,48 +4690,6 @@
               <a:t>ФО.</a:t>
             </a:r>
             <a:endParaRPr lang="ru-RU" sz="2000" dirty="0"/>
-          </a:p>
-        </p:txBody>
-      </p:sp>
-      <p:sp>
-        <p:nvSpPr>
-          <p:cNvPr id="3" name="Овал 2"/>
-          <p:cNvSpPr/>
-          <p:nvPr/>
-        </p:nvSpPr>
-        <p:spPr>
-          <a:xfrm>
-            <a:off x="8590284" y="230394"/>
-            <a:ext cx="360040" cy="360040"/>
-          </a:xfrm>
-          <a:prstGeom prst="ellipse">
-            <a:avLst/>
-          </a:prstGeom>
-          <a:ln w="12700"/>
-        </p:spPr>
-        <p:style>
-          <a:lnRef idx="2">
-            <a:schemeClr val="dk1"/>
-          </a:lnRef>
-          <a:fillRef idx="1">
-            <a:schemeClr val="lt1"/>
-          </a:fillRef>
-          <a:effectRef idx="0">
-            <a:schemeClr val="dk1"/>
-          </a:effectRef>
-          <a:fontRef idx="minor">
-            <a:schemeClr val="dk1"/>
-          </a:fontRef>
-        </p:style>
-        <p:txBody>
-          <a:bodyPr rtlCol="0" anchor="ctr"/>
-          <a:lstStyle/>
-          <a:p>
-            <a:pPr algn="ctr"/>
-            <a:r>
-              <a:rPr lang="ru-RU" dirty="0"/>
-              <a:t>1</a:t>
-            </a:r>
           </a:p>
         </p:txBody>
       </p:sp>
@@ -5691,8 +5666,8 @@
         </p:nvSpPr>
         <p:spPr bwMode="auto">
           <a:xfrm>
-            <a:off x="255182" y="1084094"/>
-            <a:ext cx="8333556" cy="3046988"/>
+            <a:off x="255182" y="899428"/>
+            <a:ext cx="8333556" cy="3416320"/>
           </a:xfrm>
           <a:prstGeom prst="rect">
             <a:avLst/>
@@ -5777,13 +5752,20 @@
             </a:pPr>
             <a:r>
               <a:rPr lang="ru-RU" sz="2400" dirty="0"/>
-              <a:t>разработан общий алгоритм ПМ </a:t>
+              <a:t>разработан </a:t>
+            </a:r>
+            <a:r>
+              <a:rPr lang="ru-RU" sz="2400" dirty="0" smtClean="0"/>
+              <a:t>алгоритм </a:t>
+            </a:r>
+            <a:r>
+              <a:rPr lang="ru-RU" sz="2400" dirty="0"/>
+              <a:t>ПМ </a:t>
             </a:r>
             <a:r>
               <a:rPr lang="ru-RU" sz="2400" dirty="0" smtClean="0"/>
               <a:t>ФО;</a:t>
             </a:r>
-            <a:endParaRPr lang="ru-RU" sz="2400" dirty="0"/>
           </a:p>
           <a:p>
             <a:pPr marL="266700" indent="-266700">
@@ -5795,11 +5777,11 @@
             </a:pPr>
             <a:r>
               <a:rPr lang="ru-RU" sz="2400" dirty="0"/>
-              <a:t>разработан пользовательский интерфейс ПМ </a:t>
+              <a:t>программная </a:t>
             </a:r>
             <a:r>
               <a:rPr lang="ru-RU" sz="2400" dirty="0" smtClean="0"/>
-              <a:t>ФО;</a:t>
+              <a:t>реализация ПМ ФО;</a:t>
             </a:r>
             <a:endParaRPr lang="ru-RU" sz="2400" dirty="0"/>
           </a:p>
@@ -5813,7 +5795,7 @@
             </a:pPr>
             <a:r>
               <a:rPr lang="ru-RU" sz="2400" dirty="0"/>
-              <a:t>произведена отладка и тестирование ПМ </a:t>
+              <a:t>разработан пользовательский интерфейс ПМ </a:t>
             </a:r>
             <a:r>
               <a:rPr lang="ru-RU" sz="2400" dirty="0" smtClean="0"/>
@@ -5831,6 +5813,24 @@
             </a:pPr>
             <a:r>
               <a:rPr lang="ru-RU" sz="2400" dirty="0"/>
+              <a:t>произведена отладка и тестирование ПМ </a:t>
+            </a:r>
+            <a:r>
+              <a:rPr lang="ru-RU" sz="2400" dirty="0" smtClean="0"/>
+              <a:t>ФО;</a:t>
+            </a:r>
+            <a:endParaRPr lang="ru-RU" sz="2400" dirty="0"/>
+          </a:p>
+          <a:p>
+            <a:pPr marL="266700" indent="-266700">
+              <a:buFont typeface="Times New Roman" pitchFamily="18" charset="0"/>
+              <a:buChar char="•"/>
+              <a:tabLst>
+                <a:tab pos="266700" algn="l"/>
+              </a:tabLst>
+            </a:pPr>
+            <a:r>
+              <a:rPr lang="ru-RU" sz="2400" dirty="0"/>
               <a:t>разработано руководство оператора ПМ </a:t>
             </a:r>
             <a:r>
@@ -5838,75 +5838,6 @@
               <a:t>ФО.</a:t>
             </a:r>
             <a:endParaRPr lang="ru-RU" sz="2400" dirty="0"/>
-          </a:p>
-        </p:txBody>
-      </p:sp>
-      <p:sp>
-        <p:nvSpPr>
-          <p:cNvPr id="11" name="Овал 10"/>
-          <p:cNvSpPr/>
-          <p:nvPr/>
-        </p:nvSpPr>
-        <p:spPr>
-          <a:xfrm>
-            <a:off x="8590284" y="230394"/>
-            <a:ext cx="360040" cy="360040"/>
-          </a:xfrm>
-          <a:prstGeom prst="ellipse">
-            <a:avLst/>
-          </a:prstGeom>
-          <a:ln w="12700"/>
-        </p:spPr>
-        <p:style>
-          <a:lnRef idx="2">
-            <a:schemeClr val="dk1"/>
-          </a:lnRef>
-          <a:fillRef idx="1">
-            <a:schemeClr val="lt1"/>
-          </a:fillRef>
-          <a:effectRef idx="0">
-            <a:schemeClr val="dk1"/>
-          </a:effectRef>
-          <a:fontRef idx="minor">
-            <a:schemeClr val="dk1"/>
-          </a:fontRef>
-        </p:style>
-        <p:txBody>
-          <a:bodyPr rtlCol="0" anchor="ctr"/>
-          <a:lstStyle/>
-          <a:p>
-            <a:pPr algn="ctr"/>
-            <a:endParaRPr lang="ru-RU" dirty="0"/>
-          </a:p>
-        </p:txBody>
-      </p:sp>
-      <p:sp>
-        <p:nvSpPr>
-          <p:cNvPr id="3" name="TextBox 2"/>
-          <p:cNvSpPr txBox="1"/>
-          <p:nvPr/>
-        </p:nvSpPr>
-        <p:spPr>
-          <a:xfrm>
-            <a:off x="8574762" y="237824"/>
-            <a:ext cx="389850" cy="338554"/>
-          </a:xfrm>
-          <a:prstGeom prst="rect">
-            <a:avLst/>
-          </a:prstGeom>
-          <a:noFill/>
-        </p:spPr>
-        <p:txBody>
-          <a:bodyPr wrap="none" rtlCol="0">
-            <a:spAutoFit/>
-          </a:bodyPr>
-          <a:lstStyle/>
-          <a:p>
-            <a:r>
-              <a:rPr lang="ru-RU" sz="1600" dirty="0" smtClean="0"/>
-              <a:t>10</a:t>
-            </a:r>
-            <a:endParaRPr lang="ru-RU" dirty="0"/>
           </a:p>
         </p:txBody>
       </p:sp>
@@ -6923,7 +6854,7 @@
         </p:blipFill>
         <p:spPr>
           <a:xfrm>
-            <a:off x="395904" y="3309195"/>
+            <a:off x="399665" y="2944666"/>
             <a:ext cx="1563235" cy="1583291"/>
           </a:xfrm>
           <a:prstGeom prst="rect">
@@ -6952,7 +6883,7 @@
         </p:blipFill>
         <p:spPr>
           <a:xfrm>
-            <a:off x="2949649" y="3084362"/>
+            <a:off x="3277871" y="2835544"/>
             <a:ext cx="792088" cy="1373138"/>
           </a:xfrm>
           <a:prstGeom prst="rect">
@@ -6981,7 +6912,7 @@
         </p:blipFill>
         <p:spPr>
           <a:xfrm>
-            <a:off x="1774246" y="4627402"/>
+            <a:off x="2347624" y="4614524"/>
             <a:ext cx="1089753" cy="1833718"/>
           </a:xfrm>
           <a:prstGeom prst="rect">
@@ -7197,44 +7128,173 @@
       </p:sp>
       <p:sp>
         <p:nvSpPr>
-          <p:cNvPr id="16" name="Овал 15"/>
-          <p:cNvSpPr/>
+          <p:cNvPr id="2" name="TextBox 1"/>
+          <p:cNvSpPr txBox="1"/>
           <p:nvPr/>
         </p:nvSpPr>
         <p:spPr>
           <a:xfrm>
-            <a:off x="8590284" y="230394"/>
-            <a:ext cx="360040" cy="360040"/>
+            <a:off x="600222" y="4540124"/>
+            <a:ext cx="1606530" cy="261610"/>
           </a:xfrm>
-          <a:prstGeom prst="ellipse">
+          <a:prstGeom prst="rect">
             <a:avLst/>
           </a:prstGeom>
-          <a:ln w="12700"/>
+          <a:noFill/>
         </p:spPr>
-        <p:style>
-          <a:lnRef idx="2">
-            <a:schemeClr val="dk1"/>
-          </a:lnRef>
-          <a:fillRef idx="1">
-            <a:schemeClr val="lt1"/>
-          </a:fillRef>
-          <a:effectRef idx="0">
-            <a:schemeClr val="dk1"/>
-          </a:effectRef>
-          <a:fontRef idx="minor">
-            <a:schemeClr val="dk1"/>
-          </a:fontRef>
-        </p:style>
         <p:txBody>
-          <a:bodyPr rtlCol="0" anchor="ctr"/>
+          <a:bodyPr wrap="none" rtlCol="0">
+            <a:spAutoFit/>
+          </a:bodyPr>
           <a:lstStyle/>
           <a:p>
-            <a:pPr algn="ctr"/>
-            <a:r>
-              <a:rPr lang="ru-RU" dirty="0" smtClean="0"/>
-              <a:t>2</a:t>
-            </a:r>
-            <a:endParaRPr lang="ru-RU" dirty="0"/>
+            <a:r>
+              <a:rPr lang="ru-RU" sz="1100" dirty="0" smtClean="0"/>
+              <a:t>Рис. 1. </a:t>
+            </a:r>
+            <a:r>
+              <a:rPr lang="en-US" sz="1100" dirty="0" err="1"/>
+              <a:t>Ingenico</a:t>
+            </a:r>
+            <a:r>
+              <a:rPr lang="en-US" sz="1100" dirty="0"/>
+              <a:t> iCT220 </a:t>
+            </a:r>
+            <a:endParaRPr lang="ru-RU" sz="1100" dirty="0"/>
+          </a:p>
+        </p:txBody>
+      </p:sp>
+      <p:sp>
+        <p:nvSpPr>
+          <p:cNvPr id="17" name="TextBox 16"/>
+          <p:cNvSpPr txBox="1"/>
+          <p:nvPr/>
+        </p:nvSpPr>
+        <p:spPr>
+          <a:xfrm>
+            <a:off x="2089235" y="6330315"/>
+            <a:ext cx="1670650" cy="261610"/>
+          </a:xfrm>
+          <a:prstGeom prst="rect">
+            <a:avLst/>
+          </a:prstGeom>
+          <a:noFill/>
+        </p:spPr>
+        <p:txBody>
+          <a:bodyPr wrap="none" rtlCol="0">
+            <a:spAutoFit/>
+          </a:bodyPr>
+          <a:lstStyle/>
+          <a:p>
+            <a:r>
+              <a:rPr lang="ru-RU" sz="1100" dirty="0" smtClean="0"/>
+              <a:t>Рис. 2. </a:t>
+            </a:r>
+            <a:r>
+              <a:rPr lang="en-US" sz="1100" dirty="0" err="1"/>
+              <a:t>Verifone</a:t>
+            </a:r>
+            <a:r>
+              <a:rPr lang="en-US" sz="1100" dirty="0"/>
+              <a:t> VX</a:t>
+            </a:r>
+            <a:r>
+              <a:rPr lang="ru-RU" sz="1100" dirty="0"/>
+              <a:t> 680</a:t>
+            </a:r>
+            <a:r>
+              <a:rPr lang="en-US" sz="1100" dirty="0"/>
+              <a:t> </a:t>
+            </a:r>
+            <a:r>
+              <a:rPr lang="en-US" sz="1100" dirty="0" smtClean="0"/>
+              <a:t> </a:t>
+            </a:r>
+            <a:endParaRPr lang="ru-RU" sz="1100" dirty="0"/>
+          </a:p>
+        </p:txBody>
+      </p:sp>
+      <p:sp>
+        <p:nvSpPr>
+          <p:cNvPr id="18" name="TextBox 17"/>
+          <p:cNvSpPr txBox="1"/>
+          <p:nvPr/>
+        </p:nvSpPr>
+        <p:spPr>
+          <a:xfrm>
+            <a:off x="3040242" y="4286409"/>
+            <a:ext cx="1257075" cy="261610"/>
+          </a:xfrm>
+          <a:prstGeom prst="rect">
+            <a:avLst/>
+          </a:prstGeom>
+          <a:noFill/>
+        </p:spPr>
+        <p:txBody>
+          <a:bodyPr wrap="none" rtlCol="0">
+            <a:spAutoFit/>
+          </a:bodyPr>
+          <a:lstStyle/>
+          <a:p>
+            <a:r>
+              <a:rPr lang="ru-RU" sz="1100" dirty="0" smtClean="0"/>
+              <a:t>Рис. 3. </a:t>
+            </a:r>
+            <a:r>
+              <a:rPr lang="en-US" sz="1100" dirty="0" smtClean="0"/>
+              <a:t>S920 </a:t>
+            </a:r>
+            <a:r>
+              <a:rPr lang="en-US" sz="1100" dirty="0"/>
+              <a:t>PAX </a:t>
+            </a:r>
+            <a:endParaRPr lang="ru-RU" sz="1100" dirty="0"/>
+          </a:p>
+        </p:txBody>
+      </p:sp>
+      <p:sp>
+        <p:nvSpPr>
+          <p:cNvPr id="19" name="TextBox 18"/>
+          <p:cNvSpPr txBox="1"/>
+          <p:nvPr/>
+        </p:nvSpPr>
+        <p:spPr>
+          <a:xfrm>
+            <a:off x="5767443" y="5820267"/>
+            <a:ext cx="1265090" cy="261610"/>
+          </a:xfrm>
+          <a:prstGeom prst="rect">
+            <a:avLst/>
+          </a:prstGeom>
+          <a:noFill/>
+        </p:spPr>
+        <p:txBody>
+          <a:bodyPr wrap="none" rtlCol="0">
+            <a:spAutoFit/>
+          </a:bodyPr>
+          <a:lstStyle/>
+          <a:p>
+            <a:r>
+              <a:rPr lang="ru-RU" sz="1100" dirty="0" smtClean="0"/>
+              <a:t>Рис. 4. </a:t>
+            </a:r>
+            <a:r>
+              <a:rPr lang="en-US" sz="1100" dirty="0" err="1"/>
+              <a:t>Azur</a:t>
+            </a:r>
+            <a:r>
+              <a:rPr lang="en-US" sz="1100" dirty="0"/>
+              <a:t> 01-</a:t>
+            </a:r>
+            <a:r>
+              <a:rPr lang="ru-RU" sz="1100" dirty="0" smtClean="0"/>
+              <a:t>Ф</a:t>
+            </a:r>
+            <a:r>
+              <a:rPr lang="en-US" sz="1100" dirty="0" smtClean="0"/>
+              <a:t> </a:t>
+            </a:r>
+            <a:endParaRPr lang="ru-RU" sz="1100" dirty="0"/>
           </a:p>
         </p:txBody>
       </p:sp>
@@ -7772,7 +7832,7 @@
                         <a:tabLst/>
                       </a:pPr>
                       <a:r>
-                        <a:rPr kumimoji="0" lang="ru-RU" sz="1000" b="0" i="0" u="none" strike="noStrike" cap="none" normalizeH="0" baseline="0" smtClean="0">
+                        <a:rPr kumimoji="0" lang="ru-RU" sz="1000" b="0" i="0" u="none" strike="noStrike" cap="none" normalizeH="0" baseline="0" dirty="0" smtClean="0">
                           <a:ln>
                             <a:noFill/>
                           </a:ln>
@@ -7785,7 +7845,7 @@
                         </a:rPr>
                         <a:t>Утвердил</a:t>
                       </a:r>
-                      <a:endParaRPr kumimoji="0" lang="ru-RU" sz="1000" b="0" i="0" u="none" strike="noStrike" cap="none" normalizeH="0" baseline="0" smtClean="0">
+                      <a:endParaRPr kumimoji="0" lang="ru-RU" sz="1000" b="0" i="0" u="none" strike="noStrike" cap="none" normalizeH="0" baseline="0" dirty="0" smtClean="0">
                         <a:ln>
                           <a:noFill/>
                         </a:ln>
@@ -10391,7 +10451,7 @@
         </p:nvSpPr>
         <p:spPr bwMode="auto">
           <a:xfrm>
-            <a:off x="5292725" y="5671840"/>
+            <a:off x="6084168" y="5642946"/>
             <a:ext cx="2447925" cy="549275"/>
           </a:xfrm>
           <a:prstGeom prst="rect">
@@ -10443,49 +10503,6 @@
               <a:rPr lang="ru-RU" sz="1000" dirty="0"/>
               <a:t>- указанная возможность отсутствует</a:t>
             </a:r>
-          </a:p>
-        </p:txBody>
-      </p:sp>
-      <p:sp>
-        <p:nvSpPr>
-          <p:cNvPr id="14" name="Овал 13"/>
-          <p:cNvSpPr/>
-          <p:nvPr/>
-        </p:nvSpPr>
-        <p:spPr>
-          <a:xfrm>
-            <a:off x="8590284" y="230394"/>
-            <a:ext cx="360040" cy="360040"/>
-          </a:xfrm>
-          <a:prstGeom prst="ellipse">
-            <a:avLst/>
-          </a:prstGeom>
-          <a:ln w="12700"/>
-        </p:spPr>
-        <p:style>
-          <a:lnRef idx="2">
-            <a:schemeClr val="dk1"/>
-          </a:lnRef>
-          <a:fillRef idx="1">
-            <a:schemeClr val="lt1"/>
-          </a:fillRef>
-          <a:effectRef idx="0">
-            <a:schemeClr val="dk1"/>
-          </a:effectRef>
-          <a:fontRef idx="minor">
-            <a:schemeClr val="dk1"/>
-          </a:fontRef>
-        </p:style>
-        <p:txBody>
-          <a:bodyPr rtlCol="0" anchor="ctr"/>
-          <a:lstStyle/>
-          <a:p>
-            <a:pPr algn="ctr"/>
-            <a:r>
-              <a:rPr lang="ru-RU" dirty="0" smtClean="0"/>
-              <a:t>3</a:t>
-            </a:r>
-            <a:endParaRPr lang="ru-RU" dirty="0"/>
           </a:p>
         </p:txBody>
       </p:sp>
@@ -14409,7 +14426,7 @@
         </p:nvSpPr>
         <p:spPr bwMode="auto">
           <a:xfrm>
-            <a:off x="3131840" y="5751542"/>
+            <a:off x="2954051" y="5844377"/>
             <a:ext cx="2447925" cy="549275"/>
           </a:xfrm>
           <a:prstGeom prst="rect">
@@ -14466,44 +14483,77 @@
       </p:sp>
       <p:sp>
         <p:nvSpPr>
-          <p:cNvPr id="15" name="Овал 14"/>
-          <p:cNvSpPr/>
+          <p:cNvPr id="2" name="TextBox 1"/>
+          <p:cNvSpPr txBox="1"/>
           <p:nvPr/>
         </p:nvSpPr>
         <p:spPr>
           <a:xfrm>
-            <a:off x="8590284" y="230394"/>
-            <a:ext cx="360040" cy="360040"/>
+            <a:off x="6200121" y="2679134"/>
+            <a:ext cx="2549096" cy="307777"/>
           </a:xfrm>
-          <a:prstGeom prst="ellipse">
+          <a:prstGeom prst="rect">
             <a:avLst/>
           </a:prstGeom>
-          <a:ln w="12700"/>
+          <a:noFill/>
         </p:spPr>
-        <p:style>
-          <a:lnRef idx="2">
-            <a:schemeClr val="dk1"/>
-          </a:lnRef>
-          <a:fillRef idx="1">
-            <a:schemeClr val="lt1"/>
-          </a:fillRef>
-          <a:effectRef idx="0">
-            <a:schemeClr val="dk1"/>
-          </a:effectRef>
-          <a:fontRef idx="minor">
-            <a:schemeClr val="dk1"/>
-          </a:fontRef>
-        </p:style>
         <p:txBody>
-          <a:bodyPr rtlCol="0" anchor="ctr"/>
+          <a:bodyPr wrap="none" rtlCol="0">
+            <a:spAutoFit/>
+          </a:bodyPr>
           <a:lstStyle/>
           <a:p>
-            <a:pPr algn="ctr"/>
-            <a:r>
-              <a:rPr lang="ru-RU" dirty="0" smtClean="0"/>
-              <a:t>4</a:t>
-            </a:r>
-            <a:endParaRPr lang="ru-RU" dirty="0"/>
+            <a:r>
+              <a:rPr lang="ru-RU" sz="1400" dirty="0" smtClean="0"/>
+              <a:t>Выбраны языки </a:t>
+            </a:r>
+            <a:r>
+              <a:rPr lang="en-US" sz="1400" dirty="0" smtClean="0"/>
+              <a:t>– Java </a:t>
+            </a:r>
+            <a:r>
+              <a:rPr lang="ru-RU" sz="1400" dirty="0" smtClean="0"/>
+              <a:t>и </a:t>
+            </a:r>
+            <a:r>
+              <a:rPr lang="en-US" sz="1400" dirty="0" err="1" smtClean="0"/>
+              <a:t>Kotlin</a:t>
+            </a:r>
+            <a:endParaRPr lang="ru-RU" sz="1400" dirty="0"/>
+          </a:p>
+        </p:txBody>
+      </p:sp>
+      <p:sp>
+        <p:nvSpPr>
+          <p:cNvPr id="16" name="TextBox 15"/>
+          <p:cNvSpPr txBox="1"/>
+          <p:nvPr/>
+        </p:nvSpPr>
+        <p:spPr>
+          <a:xfrm>
+            <a:off x="5401976" y="5849257"/>
+            <a:ext cx="3502690" cy="307777"/>
+          </a:xfrm>
+          <a:prstGeom prst="rect">
+            <a:avLst/>
+          </a:prstGeom>
+          <a:noFill/>
+        </p:spPr>
+        <p:txBody>
+          <a:bodyPr wrap="none" rtlCol="0">
+            <a:spAutoFit/>
+          </a:bodyPr>
+          <a:lstStyle/>
+          <a:p>
+            <a:r>
+              <a:rPr lang="ru-RU" sz="1400" dirty="0" smtClean="0"/>
+              <a:t>Выбрана среда разработки </a:t>
+            </a:r>
+            <a:r>
+              <a:rPr lang="en-US" sz="1400" dirty="0" smtClean="0"/>
+              <a:t>– Android Studio</a:t>
+            </a:r>
+            <a:endParaRPr lang="ru-RU" sz="1400" dirty="0"/>
           </a:p>
         </p:txBody>
       </p:sp>
@@ -15485,8 +15535,8 @@
         </p:nvSpPr>
         <p:spPr>
           <a:xfrm>
-            <a:off x="778194" y="839194"/>
-            <a:ext cx="1080120" cy="360040"/>
+            <a:off x="778194" y="764704"/>
+            <a:ext cx="1074490" cy="434530"/>
           </a:xfrm>
           <a:prstGeom prst="flowChartProcess">
             <a:avLst/>
@@ -15534,8 +15584,8 @@
         </p:nvSpPr>
         <p:spPr>
           <a:xfrm>
-            <a:off x="767769" y="2139672"/>
-            <a:ext cx="1080120" cy="360040"/>
+            <a:off x="767231" y="2142706"/>
+            <a:ext cx="1085453" cy="495669"/>
           </a:xfrm>
           <a:prstGeom prst="flowChartProcess">
             <a:avLst/>
@@ -15583,8 +15633,8 @@
         </p:nvSpPr>
         <p:spPr>
           <a:xfrm>
-            <a:off x="731765" y="2754892"/>
-            <a:ext cx="1152128" cy="360040"/>
+            <a:off x="760376" y="2905477"/>
+            <a:ext cx="1092308" cy="495098"/>
           </a:xfrm>
           <a:prstGeom prst="flowChartProcess">
             <a:avLst/>
@@ -15761,7 +15811,7 @@
         </p:nvSpPr>
         <p:spPr>
           <a:xfrm>
-            <a:off x="4160136" y="5753933"/>
+            <a:off x="4173177" y="5753933"/>
             <a:ext cx="1080120" cy="432048"/>
           </a:xfrm>
           <a:prstGeom prst="flowChartPunchedCard">
@@ -15817,8 +15867,8 @@
         </p:nvSpPr>
         <p:spPr>
           <a:xfrm>
-            <a:off x="5624947" y="5753933"/>
-            <a:ext cx="1080120" cy="432048"/>
+            <a:off x="1462313" y="5753933"/>
+            <a:ext cx="1080120" cy="447546"/>
           </a:xfrm>
           <a:prstGeom prst="flowChartPunchedCard">
             <a:avLst/>
@@ -15866,8 +15916,8 @@
         </p:nvSpPr>
         <p:spPr>
           <a:xfrm>
-            <a:off x="5456676" y="4732192"/>
-            <a:ext cx="1031808" cy="493341"/>
+            <a:off x="5240256" y="4721098"/>
+            <a:ext cx="1271332" cy="540929"/>
           </a:xfrm>
           <a:prstGeom prst="flowChartProcess">
             <a:avLst/>
@@ -15915,8 +15965,8 @@
         </p:nvSpPr>
         <p:spPr>
           <a:xfrm>
-            <a:off x="5461850" y="4032958"/>
-            <a:ext cx="1031808" cy="493341"/>
+            <a:off x="5240256" y="3962835"/>
+            <a:ext cx="1271332" cy="529250"/>
           </a:xfrm>
           <a:prstGeom prst="flowChartProcess">
             <a:avLst/>
@@ -15975,163 +16025,17 @@
       </p:sp>
       <p:cxnSp>
         <p:nvCxnSpPr>
-          <p:cNvPr id="90" name="Прямая со стрелкой 89"/>
-          <p:cNvCxnSpPr>
-            <a:stCxn id="81" idx="2"/>
-          </p:cNvCxnSpPr>
-          <p:nvPr/>
-        </p:nvCxnSpPr>
-        <p:spPr>
-          <a:xfrm>
-            <a:off x="1318254" y="1199234"/>
-            <a:ext cx="0" cy="264026"/>
-          </a:xfrm>
-          <a:prstGeom prst="straightConnector1">
-            <a:avLst/>
-          </a:prstGeom>
-          <a:ln w="3175">
-            <a:tailEnd type="triangle"/>
-          </a:ln>
-        </p:spPr>
-        <p:style>
-          <a:lnRef idx="2">
-            <a:schemeClr val="dk1"/>
-          </a:lnRef>
-          <a:fillRef idx="1">
-            <a:schemeClr val="lt1"/>
-          </a:fillRef>
-          <a:effectRef idx="0">
-            <a:schemeClr val="dk1"/>
-          </a:effectRef>
-          <a:fontRef idx="minor">
-            <a:schemeClr val="dk1"/>
-          </a:fontRef>
-        </p:style>
-      </p:cxnSp>
-      <p:cxnSp>
-        <p:nvCxnSpPr>
-          <p:cNvPr id="91" name="Прямая со стрелкой 90"/>
-          <p:cNvCxnSpPr>
-            <a:stCxn id="99" idx="2"/>
-            <a:endCxn id="82" idx="0"/>
-          </p:cNvCxnSpPr>
-          <p:nvPr/>
-        </p:nvCxnSpPr>
-        <p:spPr>
-          <a:xfrm>
-            <a:off x="1302392" y="1882114"/>
-            <a:ext cx="5437" cy="257558"/>
-          </a:xfrm>
-          <a:prstGeom prst="straightConnector1">
-            <a:avLst/>
-          </a:prstGeom>
-          <a:ln w="3175">
-            <a:tailEnd type="triangle"/>
-          </a:ln>
-        </p:spPr>
-        <p:style>
-          <a:lnRef idx="2">
-            <a:schemeClr val="dk1"/>
-          </a:lnRef>
-          <a:fillRef idx="1">
-            <a:schemeClr val="lt1"/>
-          </a:fillRef>
-          <a:effectRef idx="0">
-            <a:schemeClr val="dk1"/>
-          </a:effectRef>
-          <a:fontRef idx="minor">
-            <a:schemeClr val="dk1"/>
-          </a:fontRef>
-        </p:style>
-      </p:cxnSp>
-      <p:cxnSp>
-        <p:nvCxnSpPr>
-          <p:cNvPr id="92" name="Прямая со стрелкой 91"/>
-          <p:cNvCxnSpPr>
-            <a:stCxn id="82" idx="2"/>
-            <a:endCxn id="83" idx="0"/>
-          </p:cNvCxnSpPr>
-          <p:nvPr/>
-        </p:nvCxnSpPr>
-        <p:spPr>
-          <a:xfrm>
-            <a:off x="1307829" y="2499712"/>
-            <a:ext cx="0" cy="255180"/>
-          </a:xfrm>
-          <a:prstGeom prst="straightConnector1">
-            <a:avLst/>
-          </a:prstGeom>
-          <a:ln w="3175">
-            <a:headEnd type="triangle"/>
-            <a:tailEnd type="triangle"/>
-          </a:ln>
-        </p:spPr>
-        <p:style>
-          <a:lnRef idx="2">
-            <a:schemeClr val="dk1"/>
-          </a:lnRef>
-          <a:fillRef idx="1">
-            <a:schemeClr val="lt1"/>
-          </a:fillRef>
-          <a:effectRef idx="0">
-            <a:schemeClr val="dk1"/>
-          </a:effectRef>
-          <a:fontRef idx="minor">
-            <a:schemeClr val="dk1"/>
-          </a:fontRef>
-        </p:style>
-      </p:cxnSp>
-      <p:cxnSp>
-        <p:nvCxnSpPr>
           <p:cNvPr id="93" name="Соединительная линия уступом 92"/>
           <p:cNvCxnSpPr>
             <a:stCxn id="87" idx="0"/>
-            <a:endCxn id="88" idx="2"/>
-          </p:cNvCxnSpPr>
-          <p:nvPr/>
-        </p:nvCxnSpPr>
-        <p:spPr>
-          <a:xfrm rot="16200000" flipV="1">
-            <a:off x="5804594" y="5393519"/>
-            <a:ext cx="528400" cy="192427"/>
-          </a:xfrm>
-          <a:prstGeom prst="bentConnector3">
-            <a:avLst>
-              <a:gd name="adj1" fmla="val 50000"/>
-            </a:avLst>
-          </a:prstGeom>
-          <a:ln w="3175">
-            <a:tailEnd type="triangle"/>
-          </a:ln>
-        </p:spPr>
-        <p:style>
-          <a:lnRef idx="2">
-            <a:schemeClr val="dk1"/>
-          </a:lnRef>
-          <a:fillRef idx="1">
-            <a:schemeClr val="lt1"/>
-          </a:fillRef>
-          <a:effectRef idx="0">
-            <a:schemeClr val="dk1"/>
-          </a:effectRef>
-          <a:fontRef idx="minor">
-            <a:schemeClr val="dk1"/>
-          </a:fontRef>
-        </p:style>
-      </p:cxnSp>
-      <p:cxnSp>
-        <p:nvCxnSpPr>
-          <p:cNvPr id="94" name="Соединительная линия уступом 93"/>
-          <p:cNvCxnSpPr>
-            <a:stCxn id="85" idx="0"/>
             <a:endCxn id="88" idx="1"/>
           </p:cNvCxnSpPr>
           <p:nvPr/>
         </p:nvCxnSpPr>
         <p:spPr>
           <a:xfrm rot="5400000" flipH="1" flipV="1">
-            <a:off x="4013902" y="4313602"/>
-            <a:ext cx="777513" cy="2108036"/>
+            <a:off x="3240129" y="3753807"/>
+            <a:ext cx="762370" cy="3237883"/>
           </a:xfrm>
           <a:prstGeom prst="bentConnector2">
             <a:avLst/>
@@ -16163,7 +16067,7 @@
         </p:nvSpPr>
         <p:spPr>
           <a:xfrm>
-            <a:off x="2091464" y="3360575"/>
+            <a:off x="1875945" y="3781932"/>
             <a:ext cx="1059585" cy="541580"/>
           </a:xfrm>
           <a:prstGeom prst="flowChartProcess">
@@ -16212,8 +16116,8 @@
         </p:nvSpPr>
         <p:spPr>
           <a:xfrm>
-            <a:off x="5444353" y="3155473"/>
-            <a:ext cx="1067235" cy="541928"/>
+            <a:off x="5240257" y="3104780"/>
+            <a:ext cx="1271332" cy="632313"/>
           </a:xfrm>
           <a:prstGeom prst="flowChartInternalStorage">
             <a:avLst/>
@@ -16261,7 +16165,7 @@
         </p:nvSpPr>
         <p:spPr>
           <a:xfrm>
-            <a:off x="7043046" y="550134"/>
+            <a:off x="7060124" y="559724"/>
             <a:ext cx="288032" cy="266594"/>
           </a:xfrm>
           <a:prstGeom prst="flowChartConnector">
@@ -16308,8 +16212,8 @@
         </p:nvSpPr>
         <p:spPr>
           <a:xfrm>
-            <a:off x="6657860" y="1071662"/>
-            <a:ext cx="1067235" cy="541928"/>
+            <a:off x="6523912" y="963984"/>
+            <a:ext cx="1360456" cy="660668"/>
           </a:xfrm>
           <a:prstGeom prst="flowChartInternalStorage">
             <a:avLst/>
@@ -16340,7 +16244,7 @@
                 <a:latin typeface="Times New Roman" panose="02020603050405020304" pitchFamily="18" charset="0"/>
                 <a:cs typeface="Times New Roman" panose="02020603050405020304" pitchFamily="18" charset="0"/>
               </a:rPr>
-              <a:t>ТТК ответ о транзакции</a:t>
+              <a:t>ТТК ответ</a:t>
             </a:r>
             <a:endParaRPr lang="ru-RU" sz="1050" dirty="0">
               <a:latin typeface="Times New Roman" panose="02020603050405020304" pitchFamily="18" charset="0"/>
@@ -16413,8 +16317,8 @@
         </p:nvSpPr>
         <p:spPr>
           <a:xfrm>
-            <a:off x="5456676" y="2375509"/>
-            <a:ext cx="1067235" cy="541928"/>
+            <a:off x="5240256" y="2296536"/>
+            <a:ext cx="1283655" cy="655157"/>
           </a:xfrm>
           <a:prstGeom prst="flowChartInternalStorage">
             <a:avLst/>
@@ -16462,7 +16366,7 @@
         </p:nvSpPr>
         <p:spPr>
           <a:xfrm>
-            <a:off x="6760201" y="1856865"/>
+            <a:off x="6776167" y="1873279"/>
             <a:ext cx="853723" cy="389251"/>
           </a:xfrm>
           <a:prstGeom prst="flowChartOnlineStorage">
@@ -16505,8 +16409,8 @@
         </p:nvSpPr>
         <p:spPr>
           <a:xfrm>
-            <a:off x="3537330" y="3814227"/>
-            <a:ext cx="1059585" cy="501413"/>
+            <a:off x="3537330" y="3789803"/>
+            <a:ext cx="1059585" cy="525838"/>
           </a:xfrm>
           <a:prstGeom prst="flowChartProcess">
             <a:avLst/>
@@ -16589,42 +16493,6 @@
           </a:p>
         </p:txBody>
       </p:sp>
-      <p:cxnSp>
-        <p:nvCxnSpPr>
-          <p:cNvPr id="107" name="Соединительная линия уступом 106"/>
-          <p:cNvCxnSpPr>
-            <a:stCxn id="100" idx="1"/>
-            <a:endCxn id="84" idx="0"/>
-          </p:cNvCxnSpPr>
-          <p:nvPr/>
-        </p:nvCxnSpPr>
-        <p:spPr>
-          <a:xfrm rot="10800000" flipV="1">
-            <a:off x="4067124" y="2646472"/>
-            <a:ext cx="1389553" cy="280255"/>
-          </a:xfrm>
-          <a:prstGeom prst="bentConnector2">
-            <a:avLst/>
-          </a:prstGeom>
-          <a:ln w="3175">
-            <a:tailEnd type="triangle"/>
-          </a:ln>
-        </p:spPr>
-        <p:style>
-          <a:lnRef idx="2">
-            <a:schemeClr val="dk1"/>
-          </a:lnRef>
-          <a:fillRef idx="1">
-            <a:schemeClr val="lt1"/>
-          </a:fillRef>
-          <a:effectRef idx="0">
-            <a:schemeClr val="dk1"/>
-          </a:effectRef>
-          <a:fontRef idx="minor">
-            <a:schemeClr val="dk1"/>
-          </a:fontRef>
-        </p:style>
-      </p:cxnSp>
       <p:sp>
         <p:nvSpPr>
           <p:cNvPr id="108" name="Блок-схема: внутренняя память 107"/>
@@ -16633,8 +16501,8 @@
         </p:nvSpPr>
         <p:spPr>
           <a:xfrm>
-            <a:off x="3339622" y="859095"/>
-            <a:ext cx="1448916" cy="765557"/>
+            <a:off x="3348640" y="963984"/>
+            <a:ext cx="1439898" cy="660668"/>
           </a:xfrm>
           <a:prstGeom prst="flowChartInternalStorage">
             <a:avLst/>
@@ -16665,7 +16533,7 @@
                 <a:latin typeface="Times New Roman" panose="02020603050405020304" pitchFamily="18" charset="0"/>
                 <a:cs typeface="Times New Roman" panose="02020603050405020304" pitchFamily="18" charset="0"/>
               </a:rPr>
-              <a:t>Ручной ввод суммы или номера счета транзакции</a:t>
+              <a:t>Данные о сумме или номер счета транзакции</a:t>
             </a:r>
             <a:endParaRPr lang="ru-RU" sz="1050" dirty="0">
               <a:latin typeface="Times New Roman" panose="02020603050405020304" pitchFamily="18" charset="0"/>
@@ -16674,201 +16542,20 @@
           </a:p>
         </p:txBody>
       </p:sp>
-      <p:cxnSp>
-        <p:nvCxnSpPr>
-          <p:cNvPr id="109" name="Соединительная линия уступом 108"/>
-          <p:cNvCxnSpPr>
-            <a:stCxn id="103" idx="1"/>
-            <a:endCxn id="95" idx="2"/>
-          </p:cNvCxnSpPr>
-          <p:nvPr/>
-        </p:nvCxnSpPr>
-        <p:spPr>
-          <a:xfrm rot="10800000">
-            <a:off x="2621258" y="3902156"/>
-            <a:ext cx="916073" cy="162779"/>
-          </a:xfrm>
-          <a:prstGeom prst="bentConnector2">
-            <a:avLst/>
-          </a:prstGeom>
-          <a:ln w="3175">
-            <a:tailEnd type="triangle"/>
-          </a:ln>
-        </p:spPr>
-        <p:style>
-          <a:lnRef idx="2">
-            <a:schemeClr val="dk1"/>
-          </a:lnRef>
-          <a:fillRef idx="1">
-            <a:schemeClr val="lt1"/>
-          </a:fillRef>
-          <a:effectRef idx="0">
-            <a:schemeClr val="dk1"/>
-          </a:effectRef>
-          <a:fontRef idx="minor">
-            <a:schemeClr val="dk1"/>
-          </a:fontRef>
-        </p:style>
-      </p:cxnSp>
       <p:cxnSp>
         <p:nvCxnSpPr>
           <p:cNvPr id="110" name="Соединительная линия уступом 109"/>
           <p:cNvCxnSpPr>
             <a:stCxn id="84" idx="1"/>
-            <a:endCxn id="95" idx="0"/>
           </p:cNvCxnSpPr>
           <p:nvPr/>
         </p:nvCxnSpPr>
         <p:spPr>
           <a:xfrm rot="10800000" flipV="1">
-            <a:off x="2621258" y="3177435"/>
-            <a:ext cx="916073" cy="183140"/>
+            <a:off x="3236430" y="3177435"/>
+            <a:ext cx="300900" cy="884644"/>
           </a:xfrm>
           <a:prstGeom prst="bentConnector2">
-            <a:avLst/>
-          </a:prstGeom>
-          <a:ln w="3175">
-            <a:tailEnd type="triangle"/>
-          </a:ln>
-        </p:spPr>
-        <p:style>
-          <a:lnRef idx="2">
-            <a:schemeClr val="dk1"/>
-          </a:lnRef>
-          <a:fillRef idx="1">
-            <a:schemeClr val="lt1"/>
-          </a:fillRef>
-          <a:effectRef idx="0">
-            <a:schemeClr val="dk1"/>
-          </a:effectRef>
-          <a:fontRef idx="minor">
-            <a:schemeClr val="dk1"/>
-          </a:fontRef>
-        </p:style>
-      </p:cxnSp>
-      <p:cxnSp>
-        <p:nvCxnSpPr>
-          <p:cNvPr id="111" name="Прямая со стрелкой 110"/>
-          <p:cNvCxnSpPr>
-            <a:stCxn id="84" idx="2"/>
-            <a:endCxn id="103" idx="0"/>
-          </p:cNvCxnSpPr>
-          <p:nvPr/>
-        </p:nvCxnSpPr>
-        <p:spPr>
-          <a:xfrm>
-            <a:off x="4067123" y="3428141"/>
-            <a:ext cx="0" cy="386086"/>
-          </a:xfrm>
-          <a:prstGeom prst="straightConnector1">
-            <a:avLst/>
-          </a:prstGeom>
-          <a:ln w="3175">
-            <a:tailEnd type="triangle"/>
-          </a:ln>
-        </p:spPr>
-        <p:style>
-          <a:lnRef idx="2">
-            <a:schemeClr val="dk1"/>
-          </a:lnRef>
-          <a:fillRef idx="1">
-            <a:schemeClr val="lt1"/>
-          </a:fillRef>
-          <a:effectRef idx="0">
-            <a:schemeClr val="dk1"/>
-          </a:effectRef>
-          <a:fontRef idx="minor">
-            <a:schemeClr val="dk1"/>
-          </a:fontRef>
-        </p:style>
-      </p:cxnSp>
-      <p:cxnSp>
-        <p:nvCxnSpPr>
-          <p:cNvPr id="112" name="Прямая со стрелкой 111"/>
-          <p:cNvCxnSpPr>
-            <a:stCxn id="103" idx="2"/>
-            <a:endCxn id="105" idx="0"/>
-          </p:cNvCxnSpPr>
-          <p:nvPr/>
-        </p:nvCxnSpPr>
-        <p:spPr>
-          <a:xfrm flipH="1">
-            <a:off x="4067121" y="4315640"/>
-            <a:ext cx="2" cy="272161"/>
-          </a:xfrm>
-          <a:prstGeom prst="straightConnector1">
-            <a:avLst/>
-          </a:prstGeom>
-          <a:ln w="3175">
-            <a:tailEnd type="triangle"/>
-          </a:ln>
-        </p:spPr>
-        <p:style>
-          <a:lnRef idx="2">
-            <a:schemeClr val="dk1"/>
-          </a:lnRef>
-          <a:fillRef idx="1">
-            <a:schemeClr val="lt1"/>
-          </a:fillRef>
-          <a:effectRef idx="0">
-            <a:schemeClr val="dk1"/>
-          </a:effectRef>
-          <a:fontRef idx="minor">
-            <a:schemeClr val="dk1"/>
-          </a:fontRef>
-        </p:style>
-      </p:cxnSp>
-      <p:cxnSp>
-        <p:nvCxnSpPr>
-          <p:cNvPr id="114" name="Прямая со стрелкой 113"/>
-          <p:cNvCxnSpPr>
-            <a:stCxn id="88" idx="0"/>
-            <a:endCxn id="89" idx="2"/>
-          </p:cNvCxnSpPr>
-          <p:nvPr/>
-        </p:nvCxnSpPr>
-        <p:spPr>
-          <a:xfrm flipV="1">
-            <a:off x="5972580" y="4526299"/>
-            <a:ext cx="5174" cy="205893"/>
-          </a:xfrm>
-          <a:prstGeom prst="straightConnector1">
-            <a:avLst/>
-          </a:prstGeom>
-          <a:ln w="3175">
-            <a:tailEnd type="triangle"/>
-          </a:ln>
-        </p:spPr>
-        <p:style>
-          <a:lnRef idx="2">
-            <a:schemeClr val="dk1"/>
-          </a:lnRef>
-          <a:fillRef idx="1">
-            <a:schemeClr val="lt1"/>
-          </a:fillRef>
-          <a:effectRef idx="0">
-            <a:schemeClr val="dk1"/>
-          </a:effectRef>
-          <a:fontRef idx="minor">
-            <a:schemeClr val="dk1"/>
-          </a:fontRef>
-        </p:style>
-      </p:cxnSp>
-      <p:cxnSp>
-        <p:nvCxnSpPr>
-          <p:cNvPr id="115" name="Прямая со стрелкой 114"/>
-          <p:cNvCxnSpPr>
-            <a:stCxn id="89" idx="0"/>
-            <a:endCxn id="96" idx="2"/>
-          </p:cNvCxnSpPr>
-          <p:nvPr/>
-        </p:nvCxnSpPr>
-        <p:spPr>
-          <a:xfrm flipV="1">
-            <a:off x="5977754" y="3697401"/>
-            <a:ext cx="217" cy="335557"/>
-          </a:xfrm>
-          <a:prstGeom prst="straightConnector1">
             <a:avLst/>
           </a:prstGeom>
           <a:ln w="3175">
@@ -16901,119 +16588,10 @@
         </p:nvCxnSpPr>
         <p:spPr>
           <a:xfrm rot="5400000">
-            <a:off x="6655309" y="2114718"/>
-            <a:ext cx="400357" cy="663152"/>
+            <a:off x="6682678" y="2103763"/>
+            <a:ext cx="361585" cy="679118"/>
           </a:xfrm>
           <a:prstGeom prst="bentConnector2">
-            <a:avLst/>
-          </a:prstGeom>
-          <a:ln w="3175">
-            <a:tailEnd type="triangle"/>
-          </a:ln>
-        </p:spPr>
-        <p:style>
-          <a:lnRef idx="2">
-            <a:schemeClr val="dk1"/>
-          </a:lnRef>
-          <a:fillRef idx="1">
-            <a:schemeClr val="lt1"/>
-          </a:fillRef>
-          <a:effectRef idx="0">
-            <a:schemeClr val="dk1"/>
-          </a:effectRef>
-          <a:fontRef idx="minor">
-            <a:schemeClr val="dk1"/>
-          </a:fontRef>
-        </p:style>
-      </p:cxnSp>
-      <p:cxnSp>
-        <p:nvCxnSpPr>
-          <p:cNvPr id="117" name="Прямая со стрелкой 116"/>
-          <p:cNvCxnSpPr>
-            <a:endCxn id="98" idx="0"/>
-          </p:cNvCxnSpPr>
-          <p:nvPr/>
-        </p:nvCxnSpPr>
-        <p:spPr>
-          <a:xfrm>
-            <a:off x="7189270" y="809558"/>
-            <a:ext cx="2208" cy="262104"/>
-          </a:xfrm>
-          <a:prstGeom prst="straightConnector1">
-            <a:avLst/>
-          </a:prstGeom>
-          <a:ln w="3175">
-            <a:tailEnd type="triangle"/>
-          </a:ln>
-        </p:spPr>
-        <p:style>
-          <a:lnRef idx="2">
-            <a:schemeClr val="dk1"/>
-          </a:lnRef>
-          <a:fillRef idx="1">
-            <a:schemeClr val="lt1"/>
-          </a:fillRef>
-          <a:effectRef idx="0">
-            <a:schemeClr val="dk1"/>
-          </a:effectRef>
-          <a:fontRef idx="minor">
-            <a:schemeClr val="dk1"/>
-          </a:fontRef>
-        </p:style>
-      </p:cxnSp>
-      <p:cxnSp>
-        <p:nvCxnSpPr>
-          <p:cNvPr id="118" name="Соединительная линия уступом 117"/>
-          <p:cNvCxnSpPr>
-            <a:stCxn id="86" idx="0"/>
-            <a:endCxn id="88" idx="2"/>
-          </p:cNvCxnSpPr>
-          <p:nvPr/>
-        </p:nvCxnSpPr>
-        <p:spPr>
-          <a:xfrm rot="5400000" flipH="1" flipV="1">
-            <a:off x="5072188" y="4853541"/>
-            <a:ext cx="528400" cy="1272384"/>
-          </a:xfrm>
-          <a:prstGeom prst="bentConnector3">
-            <a:avLst>
-              <a:gd name="adj1" fmla="val 50000"/>
-            </a:avLst>
-          </a:prstGeom>
-          <a:ln w="3175">
-            <a:tailEnd type="triangle"/>
-          </a:ln>
-        </p:spPr>
-        <p:style>
-          <a:lnRef idx="2">
-            <a:schemeClr val="dk1"/>
-          </a:lnRef>
-          <a:fillRef idx="1">
-            <a:schemeClr val="lt1"/>
-          </a:fillRef>
-          <a:effectRef idx="0">
-            <a:schemeClr val="dk1"/>
-          </a:effectRef>
-          <a:fontRef idx="minor">
-            <a:schemeClr val="dk1"/>
-          </a:fontRef>
-        </p:style>
-      </p:cxnSp>
-      <p:cxnSp>
-        <p:nvCxnSpPr>
-          <p:cNvPr id="119" name="Прямая со стрелкой 118"/>
-          <p:cNvCxnSpPr>
-            <a:stCxn id="108" idx="2"/>
-            <a:endCxn id="84" idx="0"/>
-          </p:cNvCxnSpPr>
-          <p:nvPr/>
-        </p:nvCxnSpPr>
-        <p:spPr>
-          <a:xfrm>
-            <a:off x="4064080" y="1624652"/>
-            <a:ext cx="3043" cy="1302076"/>
-          </a:xfrm>
-          <a:prstGeom prst="straightConnector1">
             <a:avLst/>
           </a:prstGeom>
           <a:ln w="3175">
@@ -17047,7 +16625,7 @@
         <p:spPr>
           <a:xfrm rot="10800000">
             <a:off x="4596915" y="3177435"/>
-            <a:ext cx="847438" cy="249002"/>
+            <a:ext cx="643342" cy="243502"/>
           </a:xfrm>
           <a:prstGeom prst="bentConnector3">
             <a:avLst>
@@ -17075,7 +16653,176 @@
       </p:cxnSp>
       <p:cxnSp>
         <p:nvCxnSpPr>
-          <p:cNvPr id="50" name="Прямая со стрелкой 49"/>
+          <p:cNvPr id="3" name="Прямая соединительная линия 2"/>
+          <p:cNvCxnSpPr>
+            <a:stCxn id="82" idx="2"/>
+            <a:endCxn id="83" idx="0"/>
+          </p:cNvCxnSpPr>
+          <p:nvPr/>
+        </p:nvCxnSpPr>
+        <p:spPr>
+          <a:xfrm flipH="1">
+            <a:off x="1306530" y="2638375"/>
+            <a:ext cx="3428" cy="267102"/>
+          </a:xfrm>
+          <a:prstGeom prst="line">
+            <a:avLst/>
+          </a:prstGeom>
+          <a:ln w="3175"/>
+        </p:spPr>
+        <p:style>
+          <a:lnRef idx="1">
+            <a:schemeClr val="dk1"/>
+          </a:lnRef>
+          <a:fillRef idx="0">
+            <a:schemeClr val="dk1"/>
+          </a:fillRef>
+          <a:effectRef idx="0">
+            <a:schemeClr val="dk1"/>
+          </a:effectRef>
+          <a:fontRef idx="minor">
+            <a:schemeClr val="tx1"/>
+          </a:fontRef>
+        </p:style>
+      </p:cxnSp>
+      <p:cxnSp>
+        <p:nvCxnSpPr>
+          <p:cNvPr id="48" name="Прямая соединительная линия 47"/>
+          <p:cNvCxnSpPr>
+            <a:stCxn id="99" idx="2"/>
+            <a:endCxn id="82" idx="0"/>
+          </p:cNvCxnSpPr>
+          <p:nvPr/>
+        </p:nvCxnSpPr>
+        <p:spPr>
+          <a:xfrm>
+            <a:off x="1302392" y="1882114"/>
+            <a:ext cx="7566" cy="260592"/>
+          </a:xfrm>
+          <a:prstGeom prst="line">
+            <a:avLst/>
+          </a:prstGeom>
+          <a:ln w="3175"/>
+        </p:spPr>
+        <p:style>
+          <a:lnRef idx="1">
+            <a:schemeClr val="dk1"/>
+          </a:lnRef>
+          <a:fillRef idx="0">
+            <a:schemeClr val="dk1"/>
+          </a:fillRef>
+          <a:effectRef idx="0">
+            <a:schemeClr val="dk1"/>
+          </a:effectRef>
+          <a:fontRef idx="minor">
+            <a:schemeClr val="tx1"/>
+          </a:fontRef>
+        </p:style>
+      </p:cxnSp>
+      <p:cxnSp>
+        <p:nvCxnSpPr>
+          <p:cNvPr id="51" name="Прямая соединительная линия 50"/>
+          <p:cNvCxnSpPr>
+            <a:stCxn id="81" idx="2"/>
+          </p:cNvCxnSpPr>
+          <p:nvPr/>
+        </p:nvCxnSpPr>
+        <p:spPr>
+          <a:xfrm>
+            <a:off x="1315439" y="1199234"/>
+            <a:ext cx="2815" cy="255180"/>
+          </a:xfrm>
+          <a:prstGeom prst="line">
+            <a:avLst/>
+          </a:prstGeom>
+          <a:ln w="3175"/>
+        </p:spPr>
+        <p:style>
+          <a:lnRef idx="1">
+            <a:schemeClr val="dk1"/>
+          </a:lnRef>
+          <a:fillRef idx="0">
+            <a:schemeClr val="dk1"/>
+          </a:fillRef>
+          <a:effectRef idx="0">
+            <a:schemeClr val="dk1"/>
+          </a:effectRef>
+          <a:fontRef idx="minor">
+            <a:schemeClr val="tx1"/>
+          </a:fontRef>
+        </p:style>
+      </p:cxnSp>
+      <p:cxnSp>
+        <p:nvCxnSpPr>
+          <p:cNvPr id="70" name="Прямая соединительная линия 69"/>
+          <p:cNvCxnSpPr>
+            <a:stCxn id="84" idx="2"/>
+            <a:endCxn id="103" idx="0"/>
+          </p:cNvCxnSpPr>
+          <p:nvPr/>
+        </p:nvCxnSpPr>
+        <p:spPr>
+          <a:xfrm>
+            <a:off x="4067123" y="3428141"/>
+            <a:ext cx="0" cy="361662"/>
+          </a:xfrm>
+          <a:prstGeom prst="line">
+            <a:avLst/>
+          </a:prstGeom>
+          <a:ln w="3175"/>
+        </p:spPr>
+        <p:style>
+          <a:lnRef idx="1">
+            <a:schemeClr val="dk1"/>
+          </a:lnRef>
+          <a:fillRef idx="0">
+            <a:schemeClr val="dk1"/>
+          </a:fillRef>
+          <a:effectRef idx="0">
+            <a:schemeClr val="dk1"/>
+          </a:effectRef>
+          <a:fontRef idx="minor">
+            <a:schemeClr val="tx1"/>
+          </a:fontRef>
+        </p:style>
+      </p:cxnSp>
+      <p:cxnSp>
+        <p:nvCxnSpPr>
+          <p:cNvPr id="73" name="Прямая соединительная линия 72"/>
+          <p:cNvCxnSpPr>
+            <a:stCxn id="97" idx="4"/>
+            <a:endCxn id="98" idx="0"/>
+          </p:cNvCxnSpPr>
+          <p:nvPr/>
+        </p:nvCxnSpPr>
+        <p:spPr>
+          <a:xfrm>
+            <a:off x="7204140" y="826318"/>
+            <a:ext cx="0" cy="137666"/>
+          </a:xfrm>
+          <a:prstGeom prst="line">
+            <a:avLst/>
+          </a:prstGeom>
+          <a:ln w="3175"/>
+        </p:spPr>
+        <p:style>
+          <a:lnRef idx="1">
+            <a:schemeClr val="dk1"/>
+          </a:lnRef>
+          <a:fillRef idx="0">
+            <a:schemeClr val="dk1"/>
+          </a:fillRef>
+          <a:effectRef idx="0">
+            <a:schemeClr val="dk1"/>
+          </a:effectRef>
+          <a:fontRef idx="minor">
+            <a:schemeClr val="tx1"/>
+          </a:fontRef>
+        </p:style>
+      </p:cxnSp>
+      <p:cxnSp>
+        <p:nvCxnSpPr>
+          <p:cNvPr id="76" name="Прямая соединительная линия 75"/>
           <p:cNvCxnSpPr>
             <a:stCxn id="98" idx="2"/>
             <a:endCxn id="101" idx="0"/>
@@ -17084,74 +16831,298 @@
         </p:nvCxnSpPr>
         <p:spPr>
           <a:xfrm flipH="1">
-            <a:off x="7187063" y="1613590"/>
-            <a:ext cx="4415" cy="243275"/>
+            <a:off x="7203029" y="1624652"/>
+            <a:ext cx="1111" cy="248627"/>
           </a:xfrm>
-          <a:prstGeom prst="straightConnector1">
+          <a:prstGeom prst="line">
             <a:avLst/>
           </a:prstGeom>
-          <a:ln w="3175">
-            <a:tailEnd type="triangle"/>
-          </a:ln>
+          <a:ln w="3175"/>
         </p:spPr>
         <p:style>
-          <a:lnRef idx="2">
+          <a:lnRef idx="1">
             <a:schemeClr val="dk1"/>
           </a:lnRef>
-          <a:fillRef idx="1">
-            <a:schemeClr val="lt1"/>
+          <a:fillRef idx="0">
+            <a:schemeClr val="dk1"/>
           </a:fillRef>
           <a:effectRef idx="0">
             <a:schemeClr val="dk1"/>
           </a:effectRef>
           <a:fontRef idx="minor">
-            <a:schemeClr val="dk1"/>
+            <a:schemeClr val="tx1"/>
           </a:fontRef>
         </p:style>
       </p:cxnSp>
-      <p:sp>
-        <p:nvSpPr>
-          <p:cNvPr id="46" name="Овал 45"/>
-          <p:cNvSpPr/>
+      <p:cxnSp>
+        <p:nvCxnSpPr>
+          <p:cNvPr id="52" name="Прямая соединительная линия 51"/>
+          <p:cNvCxnSpPr>
+            <a:stCxn id="108" idx="2"/>
+            <a:endCxn id="84" idx="0"/>
+          </p:cNvCxnSpPr>
           <p:nvPr/>
-        </p:nvSpPr>
+        </p:nvCxnSpPr>
+        <p:spPr>
+          <a:xfrm flipH="1">
+            <a:off x="4067123" y="1624652"/>
+            <a:ext cx="1466" cy="1302076"/>
+          </a:xfrm>
+          <a:prstGeom prst="line">
+            <a:avLst/>
+          </a:prstGeom>
+          <a:ln w="3175"/>
+        </p:spPr>
+        <p:style>
+          <a:lnRef idx="1">
+            <a:schemeClr val="dk1"/>
+          </a:lnRef>
+          <a:fillRef idx="0">
+            <a:schemeClr val="dk1"/>
+          </a:fillRef>
+          <a:effectRef idx="0">
+            <a:schemeClr val="dk1"/>
+          </a:effectRef>
+          <a:fontRef idx="minor">
+            <a:schemeClr val="tx1"/>
+          </a:fontRef>
+        </p:style>
+      </p:cxnSp>
+      <p:cxnSp>
+        <p:nvCxnSpPr>
+          <p:cNvPr id="58" name="Прямая соединительная линия 57"/>
+          <p:cNvCxnSpPr>
+            <a:stCxn id="103" idx="2"/>
+            <a:endCxn id="105" idx="0"/>
+          </p:cNvCxnSpPr>
+          <p:nvPr/>
+        </p:nvCxnSpPr>
+        <p:spPr>
+          <a:xfrm flipH="1">
+            <a:off x="4067121" y="4315641"/>
+            <a:ext cx="2" cy="272160"/>
+          </a:xfrm>
+          <a:prstGeom prst="line">
+            <a:avLst/>
+          </a:prstGeom>
+          <a:ln w="3175"/>
+        </p:spPr>
+        <p:style>
+          <a:lnRef idx="1">
+            <a:schemeClr val="dk1"/>
+          </a:lnRef>
+          <a:fillRef idx="0">
+            <a:schemeClr val="dk1"/>
+          </a:fillRef>
+          <a:effectRef idx="0">
+            <a:schemeClr val="dk1"/>
+          </a:effectRef>
+          <a:fontRef idx="minor">
+            <a:schemeClr val="tx1"/>
+          </a:fontRef>
+        </p:style>
+      </p:cxnSp>
+      <p:cxnSp>
+        <p:nvCxnSpPr>
+          <p:cNvPr id="50" name="Прямая соединительная линия 49"/>
+          <p:cNvCxnSpPr>
+            <a:stCxn id="100" idx="1"/>
+          </p:cNvCxnSpPr>
+          <p:nvPr/>
+        </p:nvCxnSpPr>
+        <p:spPr>
+          <a:xfrm flipH="1">
+            <a:off x="4067121" y="2624115"/>
+            <a:ext cx="1173135" cy="0"/>
+          </a:xfrm>
+          <a:prstGeom prst="line">
+            <a:avLst/>
+          </a:prstGeom>
+          <a:ln w="3175"/>
+        </p:spPr>
+        <p:style>
+          <a:lnRef idx="1">
+            <a:schemeClr val="dk1"/>
+          </a:lnRef>
+          <a:fillRef idx="0">
+            <a:schemeClr val="dk1"/>
+          </a:fillRef>
+          <a:effectRef idx="0">
+            <a:schemeClr val="dk1"/>
+          </a:effectRef>
+          <a:fontRef idx="minor">
+            <a:schemeClr val="tx1"/>
+          </a:fontRef>
+        </p:style>
+      </p:cxnSp>
+      <p:cxnSp>
+        <p:nvCxnSpPr>
+          <p:cNvPr id="53" name="Прямая соединительная линия 52"/>
+          <p:cNvCxnSpPr>
+            <a:stCxn id="96" idx="2"/>
+            <a:endCxn id="89" idx="0"/>
+          </p:cNvCxnSpPr>
+          <p:nvPr/>
+        </p:nvCxnSpPr>
+        <p:spPr>
+          <a:xfrm flipH="1">
+            <a:off x="5875922" y="3737093"/>
+            <a:ext cx="1" cy="225742"/>
+          </a:xfrm>
+          <a:prstGeom prst="line">
+            <a:avLst/>
+          </a:prstGeom>
+          <a:ln w="3175"/>
+        </p:spPr>
+        <p:style>
+          <a:lnRef idx="1">
+            <a:schemeClr val="dk1"/>
+          </a:lnRef>
+          <a:fillRef idx="0">
+            <a:schemeClr val="dk1"/>
+          </a:fillRef>
+          <a:effectRef idx="0">
+            <a:schemeClr val="dk1"/>
+          </a:effectRef>
+          <a:fontRef idx="minor">
+            <a:schemeClr val="tx1"/>
+          </a:fontRef>
+        </p:style>
+      </p:cxnSp>
+      <p:cxnSp>
+        <p:nvCxnSpPr>
+          <p:cNvPr id="54" name="Прямая соединительная линия 53"/>
+          <p:cNvCxnSpPr>
+            <a:stCxn id="89" idx="2"/>
+            <a:endCxn id="88" idx="0"/>
+          </p:cNvCxnSpPr>
+          <p:nvPr/>
+        </p:nvCxnSpPr>
         <p:spPr>
           <a:xfrm>
-            <a:off x="8590284" y="230394"/>
-            <a:ext cx="360040" cy="360040"/>
+            <a:off x="5875922" y="4492085"/>
+            <a:ext cx="0" cy="229013"/>
           </a:xfrm>
-          <a:prstGeom prst="ellipse">
+          <a:prstGeom prst="line">
             <a:avLst/>
           </a:prstGeom>
-          <a:ln w="12700"/>
+          <a:ln w="3175"/>
         </p:spPr>
         <p:style>
-          <a:lnRef idx="2">
+          <a:lnRef idx="1">
             <a:schemeClr val="dk1"/>
           </a:lnRef>
-          <a:fillRef idx="1">
-            <a:schemeClr val="lt1"/>
+          <a:fillRef idx="0">
+            <a:schemeClr val="dk1"/>
           </a:fillRef>
           <a:effectRef idx="0">
             <a:schemeClr val="dk1"/>
           </a:effectRef>
           <a:fontRef idx="minor">
-            <a:schemeClr val="dk1"/>
+            <a:schemeClr val="tx1"/>
           </a:fontRef>
         </p:style>
-        <p:txBody>
-          <a:bodyPr rtlCol="0" anchor="ctr"/>
-          <a:lstStyle/>
-          <a:p>
-            <a:pPr algn="ctr"/>
-            <a:r>
-              <a:rPr lang="ru-RU" dirty="0" smtClean="0"/>
-              <a:t>5</a:t>
-            </a:r>
-            <a:endParaRPr lang="ru-RU" dirty="0"/>
-          </a:p>
-        </p:txBody>
-      </p:sp>
+      </p:cxnSp>
+      <p:cxnSp>
+        <p:nvCxnSpPr>
+          <p:cNvPr id="55" name="Прямая соединительная линия 54"/>
+          <p:cNvCxnSpPr>
+            <a:endCxn id="85" idx="0"/>
+          </p:cNvCxnSpPr>
+          <p:nvPr/>
+        </p:nvCxnSpPr>
+        <p:spPr>
+          <a:xfrm>
+            <a:off x="3348640" y="4991563"/>
+            <a:ext cx="0" cy="764813"/>
+          </a:xfrm>
+          <a:prstGeom prst="line">
+            <a:avLst/>
+          </a:prstGeom>
+          <a:ln w="3175"/>
+        </p:spPr>
+        <p:style>
+          <a:lnRef idx="1">
+            <a:schemeClr val="dk1"/>
+          </a:lnRef>
+          <a:fillRef idx="0">
+            <a:schemeClr val="dk1"/>
+          </a:fillRef>
+          <a:effectRef idx="0">
+            <a:schemeClr val="dk1"/>
+          </a:effectRef>
+          <a:fontRef idx="minor">
+            <a:schemeClr val="tx1"/>
+          </a:fontRef>
+        </p:style>
+      </p:cxnSp>
+      <p:cxnSp>
+        <p:nvCxnSpPr>
+          <p:cNvPr id="56" name="Прямая соединительная линия 55"/>
+          <p:cNvCxnSpPr>
+            <a:endCxn id="86" idx="0"/>
+          </p:cNvCxnSpPr>
+          <p:nvPr/>
+        </p:nvCxnSpPr>
+        <p:spPr>
+          <a:xfrm>
+            <a:off x="4713236" y="4991563"/>
+            <a:ext cx="1" cy="762370"/>
+          </a:xfrm>
+          <a:prstGeom prst="line">
+            <a:avLst/>
+          </a:prstGeom>
+          <a:ln w="3175"/>
+        </p:spPr>
+        <p:style>
+          <a:lnRef idx="1">
+            <a:schemeClr val="dk1"/>
+          </a:lnRef>
+          <a:fillRef idx="0">
+            <a:schemeClr val="dk1"/>
+          </a:fillRef>
+          <a:effectRef idx="0">
+            <a:schemeClr val="dk1"/>
+          </a:effectRef>
+          <a:fontRef idx="minor">
+            <a:schemeClr val="tx1"/>
+          </a:fontRef>
+        </p:style>
+      </p:cxnSp>
+      <p:cxnSp>
+        <p:nvCxnSpPr>
+          <p:cNvPr id="57" name="Прямая соединительная линия 56"/>
+          <p:cNvCxnSpPr>
+            <a:stCxn id="103" idx="1"/>
+            <a:endCxn id="95" idx="3"/>
+          </p:cNvCxnSpPr>
+          <p:nvPr/>
+        </p:nvCxnSpPr>
+        <p:spPr>
+          <a:xfrm flipH="1">
+            <a:off x="2935530" y="4052722"/>
+            <a:ext cx="601800" cy="0"/>
+          </a:xfrm>
+          <a:prstGeom prst="line">
+            <a:avLst/>
+          </a:prstGeom>
+          <a:ln w="3175"/>
+        </p:spPr>
+        <p:style>
+          <a:lnRef idx="1">
+            <a:schemeClr val="dk1"/>
+          </a:lnRef>
+          <a:fillRef idx="0">
+            <a:schemeClr val="dk1"/>
+          </a:fillRef>
+          <a:effectRef idx="0">
+            <a:schemeClr val="dk1"/>
+          </a:effectRef>
+          <a:fontRef idx="minor">
+            <a:schemeClr val="tx1"/>
+          </a:fontRef>
+        </p:style>
+      </p:cxnSp>
     </p:spTree>
     <p:extLst>
       <p:ext uri="{BB962C8B-B14F-4D97-AF65-F5344CB8AC3E}">
@@ -17191,14 +17162,274 @@
       </p:grpSpPr>
       <p:sp>
         <p:nvSpPr>
+          <p:cNvPr id="210" name="TextBox 209"/>
+          <p:cNvSpPr txBox="1"/>
+          <p:nvPr/>
+        </p:nvSpPr>
+        <p:spPr>
+          <a:xfrm>
+            <a:off x="2540231" y="803027"/>
+            <a:ext cx="327334" cy="200055"/>
+          </a:xfrm>
+          <a:prstGeom prst="rect">
+            <a:avLst/>
+          </a:prstGeom>
+          <a:ln w="3175">
+            <a:noFill/>
+          </a:ln>
+        </p:spPr>
+        <p:style>
+          <a:lnRef idx="2">
+            <a:schemeClr val="dk1"/>
+          </a:lnRef>
+          <a:fillRef idx="1">
+            <a:schemeClr val="lt1"/>
+          </a:fillRef>
+          <a:effectRef idx="0">
+            <a:schemeClr val="dk1"/>
+          </a:effectRef>
+          <a:fontRef idx="minor">
+            <a:schemeClr val="dk1"/>
+          </a:fontRef>
+        </p:style>
+        <p:txBody>
+          <a:bodyPr wrap="none" rtlCol="0">
+            <a:spAutoFit/>
+          </a:bodyPr>
+          <a:lstStyle/>
+          <a:p>
+            <a:r>
+              <a:rPr lang="ru-RU" sz="700" dirty="0" smtClean="0">
+                <a:latin typeface="Times New Roman" panose="02020603050405020304" pitchFamily="18" charset="0"/>
+                <a:cs typeface="Times New Roman" panose="02020603050405020304" pitchFamily="18" charset="0"/>
+              </a:rPr>
+              <a:t>Нет</a:t>
+            </a:r>
+            <a:endParaRPr lang="ru-RU" sz="700" dirty="0">
+              <a:latin typeface="Times New Roman" panose="02020603050405020304" pitchFamily="18" charset="0"/>
+              <a:cs typeface="Times New Roman" panose="02020603050405020304" pitchFamily="18" charset="0"/>
+            </a:endParaRPr>
+          </a:p>
+        </p:txBody>
+      </p:sp>
+      <p:sp>
+        <p:nvSpPr>
+          <p:cNvPr id="249" name="TextBox 248"/>
+          <p:cNvSpPr txBox="1"/>
+          <p:nvPr/>
+        </p:nvSpPr>
+        <p:spPr>
+          <a:xfrm>
+            <a:off x="3101290" y="3105334"/>
+            <a:ext cx="285656" cy="200055"/>
+          </a:xfrm>
+          <a:prstGeom prst="rect">
+            <a:avLst/>
+          </a:prstGeom>
+          <a:ln w="3175">
+            <a:noFill/>
+          </a:ln>
+        </p:spPr>
+        <p:style>
+          <a:lnRef idx="2">
+            <a:schemeClr val="dk1"/>
+          </a:lnRef>
+          <a:fillRef idx="1">
+            <a:schemeClr val="lt1"/>
+          </a:fillRef>
+          <a:effectRef idx="0">
+            <a:schemeClr val="dk1"/>
+          </a:effectRef>
+          <a:fontRef idx="minor">
+            <a:schemeClr val="dk1"/>
+          </a:fontRef>
+        </p:style>
+        <p:txBody>
+          <a:bodyPr wrap="none" rtlCol="0">
+            <a:spAutoFit/>
+          </a:bodyPr>
+          <a:lstStyle/>
+          <a:p>
+            <a:r>
+              <a:rPr lang="ru-RU" sz="700" dirty="0" smtClean="0">
+                <a:latin typeface="Times New Roman" panose="02020603050405020304" pitchFamily="18" charset="0"/>
+                <a:cs typeface="Times New Roman" panose="02020603050405020304" pitchFamily="18" charset="0"/>
+              </a:rPr>
+              <a:t>Да</a:t>
+            </a:r>
+            <a:endParaRPr lang="ru-RU" sz="700" dirty="0">
+              <a:latin typeface="Times New Roman" panose="02020603050405020304" pitchFamily="18" charset="0"/>
+              <a:cs typeface="Times New Roman" panose="02020603050405020304" pitchFamily="18" charset="0"/>
+            </a:endParaRPr>
+          </a:p>
+        </p:txBody>
+      </p:sp>
+      <p:sp>
+        <p:nvSpPr>
+          <p:cNvPr id="250" name="TextBox 249"/>
+          <p:cNvSpPr txBox="1"/>
+          <p:nvPr/>
+        </p:nvSpPr>
+        <p:spPr>
+          <a:xfrm>
+            <a:off x="4086067" y="2680214"/>
+            <a:ext cx="327334" cy="200055"/>
+          </a:xfrm>
+          <a:prstGeom prst="rect">
+            <a:avLst/>
+          </a:prstGeom>
+          <a:ln w="3175">
+            <a:noFill/>
+          </a:ln>
+        </p:spPr>
+        <p:style>
+          <a:lnRef idx="2">
+            <a:schemeClr val="dk1"/>
+          </a:lnRef>
+          <a:fillRef idx="1">
+            <a:schemeClr val="lt1"/>
+          </a:fillRef>
+          <a:effectRef idx="0">
+            <a:schemeClr val="dk1"/>
+          </a:effectRef>
+          <a:fontRef idx="minor">
+            <a:schemeClr val="dk1"/>
+          </a:fontRef>
+        </p:style>
+        <p:txBody>
+          <a:bodyPr wrap="none" rtlCol="0">
+            <a:spAutoFit/>
+          </a:bodyPr>
+          <a:lstStyle/>
+          <a:p>
+            <a:r>
+              <a:rPr lang="ru-RU" sz="700" dirty="0" smtClean="0">
+                <a:latin typeface="Times New Roman" panose="02020603050405020304" pitchFamily="18" charset="0"/>
+                <a:cs typeface="Times New Roman" panose="02020603050405020304" pitchFamily="18" charset="0"/>
+              </a:rPr>
+              <a:t>Нет</a:t>
+            </a:r>
+            <a:endParaRPr lang="ru-RU" sz="700" dirty="0">
+              <a:latin typeface="Times New Roman" panose="02020603050405020304" pitchFamily="18" charset="0"/>
+              <a:cs typeface="Times New Roman" panose="02020603050405020304" pitchFamily="18" charset="0"/>
+            </a:endParaRPr>
+          </a:p>
+        </p:txBody>
+      </p:sp>
+      <p:sp>
+        <p:nvSpPr>
+          <p:cNvPr id="386" name="TextBox 385"/>
+          <p:cNvSpPr txBox="1"/>
+          <p:nvPr/>
+        </p:nvSpPr>
+        <p:spPr>
+          <a:xfrm>
+            <a:off x="6237966" y="1007999"/>
+            <a:ext cx="285656" cy="200055"/>
+          </a:xfrm>
+          <a:prstGeom prst="rect">
+            <a:avLst/>
+          </a:prstGeom>
+          <a:ln w="3175">
+            <a:noFill/>
+          </a:ln>
+        </p:spPr>
+        <p:style>
+          <a:lnRef idx="2">
+            <a:schemeClr val="dk1"/>
+          </a:lnRef>
+          <a:fillRef idx="1">
+            <a:schemeClr val="lt1"/>
+          </a:fillRef>
+          <a:effectRef idx="0">
+            <a:schemeClr val="dk1"/>
+          </a:effectRef>
+          <a:fontRef idx="minor">
+            <a:schemeClr val="dk1"/>
+          </a:fontRef>
+        </p:style>
+        <p:txBody>
+          <a:bodyPr wrap="none" rtlCol="0">
+            <a:spAutoFit/>
+          </a:bodyPr>
+          <a:lstStyle/>
+          <a:p>
+            <a:r>
+              <a:rPr lang="ru-RU" sz="700" dirty="0" smtClean="0">
+                <a:latin typeface="Times New Roman" panose="02020603050405020304" pitchFamily="18" charset="0"/>
+                <a:cs typeface="Times New Roman" panose="02020603050405020304" pitchFamily="18" charset="0"/>
+              </a:rPr>
+              <a:t>Да</a:t>
+            </a:r>
+            <a:endParaRPr lang="ru-RU" sz="700" dirty="0">
+              <a:latin typeface="Times New Roman" panose="02020603050405020304" pitchFamily="18" charset="0"/>
+              <a:cs typeface="Times New Roman" panose="02020603050405020304" pitchFamily="18" charset="0"/>
+            </a:endParaRPr>
+          </a:p>
+        </p:txBody>
+      </p:sp>
+      <p:sp>
+        <p:nvSpPr>
+          <p:cNvPr id="387" name="TextBox 386"/>
+          <p:cNvSpPr txBox="1"/>
+          <p:nvPr/>
+        </p:nvSpPr>
+        <p:spPr>
+          <a:xfrm>
+            <a:off x="7778285" y="1028323"/>
+            <a:ext cx="327334" cy="200055"/>
+          </a:xfrm>
+          <a:prstGeom prst="rect">
+            <a:avLst/>
+          </a:prstGeom>
+          <a:ln w="3175">
+            <a:noFill/>
+          </a:ln>
+        </p:spPr>
+        <p:style>
+          <a:lnRef idx="2">
+            <a:schemeClr val="dk1"/>
+          </a:lnRef>
+          <a:fillRef idx="1">
+            <a:schemeClr val="lt1"/>
+          </a:fillRef>
+          <a:effectRef idx="0">
+            <a:schemeClr val="dk1"/>
+          </a:effectRef>
+          <a:fontRef idx="minor">
+            <a:schemeClr val="dk1"/>
+          </a:fontRef>
+        </p:style>
+        <p:txBody>
+          <a:bodyPr wrap="none" rtlCol="0">
+            <a:spAutoFit/>
+          </a:bodyPr>
+          <a:lstStyle/>
+          <a:p>
+            <a:r>
+              <a:rPr lang="ru-RU" sz="700" dirty="0" smtClean="0">
+                <a:latin typeface="Times New Roman" panose="02020603050405020304" pitchFamily="18" charset="0"/>
+                <a:cs typeface="Times New Roman" panose="02020603050405020304" pitchFamily="18" charset="0"/>
+              </a:rPr>
+              <a:t>Нет</a:t>
+            </a:r>
+            <a:endParaRPr lang="ru-RU" sz="700" dirty="0">
+              <a:latin typeface="Times New Roman" panose="02020603050405020304" pitchFamily="18" charset="0"/>
+              <a:cs typeface="Times New Roman" panose="02020603050405020304" pitchFamily="18" charset="0"/>
+            </a:endParaRPr>
+          </a:p>
+        </p:txBody>
+      </p:sp>
+      <p:sp>
+        <p:nvSpPr>
           <p:cNvPr id="182" name="Блок-схема: знак завершения 181"/>
           <p:cNvSpPr/>
           <p:nvPr/>
         </p:nvSpPr>
         <p:spPr>
           <a:xfrm>
-            <a:off x="612593" y="392420"/>
-            <a:ext cx="1008112" cy="360040"/>
+            <a:off x="464810" y="392420"/>
+            <a:ext cx="1301095" cy="360040"/>
           </a:xfrm>
           <a:prstGeom prst="flowChartTerminator">
             <a:avLst/>
@@ -17225,13 +17456,13 @@
           <a:p>
             <a:pPr algn="ctr"/>
             <a:r>
-              <a:rPr lang="ru-RU" sz="900" dirty="0" smtClean="0">
+              <a:rPr lang="ru-RU" sz="800" dirty="0" smtClean="0">
                 <a:latin typeface="Times New Roman" panose="02020603050405020304" pitchFamily="18" charset="0"/>
                 <a:cs typeface="Times New Roman" panose="02020603050405020304" pitchFamily="18" charset="0"/>
               </a:rPr>
               <a:t>Начало</a:t>
             </a:r>
-            <a:endParaRPr lang="ru-RU" sz="900" dirty="0">
+            <a:endParaRPr lang="ru-RU" sz="800" dirty="0">
               <a:latin typeface="Times New Roman" panose="02020603050405020304" pitchFamily="18" charset="0"/>
               <a:cs typeface="Times New Roman" panose="02020603050405020304" pitchFamily="18" charset="0"/>
             </a:endParaRPr>
@@ -17274,13 +17505,13 @@
           <a:p>
             <a:pPr algn="ctr"/>
             <a:r>
-              <a:rPr lang="ru-RU" sz="900" dirty="0" smtClean="0">
+              <a:rPr lang="ru-RU" sz="800" dirty="0" smtClean="0">
                 <a:latin typeface="Times New Roman" panose="02020603050405020304" pitchFamily="18" charset="0"/>
                 <a:cs typeface="Times New Roman" panose="02020603050405020304" pitchFamily="18" charset="0"/>
               </a:rPr>
               <a:t>Инициализация</a:t>
             </a:r>
-            <a:endParaRPr lang="ru-RU" sz="900" dirty="0">
+            <a:endParaRPr lang="ru-RU" sz="800" dirty="0">
               <a:latin typeface="Times New Roman" panose="02020603050405020304" pitchFamily="18" charset="0"/>
               <a:cs typeface="Times New Roman" panose="02020603050405020304" pitchFamily="18" charset="0"/>
             </a:endParaRPr>
@@ -17323,152 +17554,19 @@
           <a:p>
             <a:pPr algn="ctr"/>
             <a:r>
-              <a:rPr lang="ru-RU" sz="900" dirty="0" smtClean="0">
+              <a:rPr lang="ru-RU" sz="800" dirty="0" smtClean="0">
                 <a:latin typeface="Times New Roman" panose="02020603050405020304" pitchFamily="18" charset="0"/>
                 <a:cs typeface="Times New Roman" panose="02020603050405020304" pitchFamily="18" charset="0"/>
               </a:rPr>
               <a:t>Запуск  считывателей  карт</a:t>
             </a:r>
-            <a:endParaRPr lang="ru-RU" sz="900" dirty="0">
+            <a:endParaRPr lang="ru-RU" sz="800" dirty="0">
               <a:latin typeface="Times New Roman" panose="02020603050405020304" pitchFamily="18" charset="0"/>
               <a:cs typeface="Times New Roman" panose="02020603050405020304" pitchFamily="18" charset="0"/>
             </a:endParaRPr>
           </a:p>
         </p:txBody>
       </p:sp>
-      <p:cxnSp>
-        <p:nvCxnSpPr>
-          <p:cNvPr id="186" name="Прямая со стрелкой 185"/>
-          <p:cNvCxnSpPr>
-            <a:stCxn id="182" idx="2"/>
-            <a:endCxn id="183" idx="0"/>
-          </p:cNvCxnSpPr>
-          <p:nvPr/>
-        </p:nvCxnSpPr>
-        <p:spPr>
-          <a:xfrm>
-            <a:off x="1116649" y="752460"/>
-            <a:ext cx="1" cy="220352"/>
-          </a:xfrm>
-          <a:prstGeom prst="straightConnector1">
-            <a:avLst/>
-          </a:prstGeom>
-          <a:ln w="3175">
-            <a:tailEnd type="triangle"/>
-          </a:ln>
-        </p:spPr>
-        <p:style>
-          <a:lnRef idx="2">
-            <a:schemeClr val="dk1"/>
-          </a:lnRef>
-          <a:fillRef idx="1">
-            <a:schemeClr val="lt1"/>
-          </a:fillRef>
-          <a:effectRef idx="0">
-            <a:schemeClr val="dk1"/>
-          </a:effectRef>
-          <a:fontRef idx="minor">
-            <a:schemeClr val="dk1"/>
-          </a:fontRef>
-        </p:style>
-      </p:cxnSp>
-      <p:cxnSp>
-        <p:nvCxnSpPr>
-          <p:cNvPr id="187" name="Прямая соединительная линия 186"/>
-          <p:cNvCxnSpPr/>
-          <p:nvPr/>
-        </p:nvCxnSpPr>
-        <p:spPr>
-          <a:xfrm flipV="1">
-            <a:off x="467393" y="2862307"/>
-            <a:ext cx="1298513" cy="13086"/>
-          </a:xfrm>
-          <a:prstGeom prst="line">
-            <a:avLst/>
-          </a:prstGeom>
-          <a:ln w="3175"/>
-        </p:spPr>
-        <p:style>
-          <a:lnRef idx="2">
-            <a:schemeClr val="dk1"/>
-          </a:lnRef>
-          <a:fillRef idx="1">
-            <a:schemeClr val="lt1"/>
-          </a:fillRef>
-          <a:effectRef idx="0">
-            <a:schemeClr val="dk1"/>
-          </a:effectRef>
-          <a:fontRef idx="minor">
-            <a:schemeClr val="dk1"/>
-          </a:fontRef>
-        </p:style>
-      </p:cxnSp>
-      <p:cxnSp>
-        <p:nvCxnSpPr>
-          <p:cNvPr id="188" name="Прямая соединительная линия 187"/>
-          <p:cNvCxnSpPr/>
-          <p:nvPr/>
-        </p:nvCxnSpPr>
-        <p:spPr>
-          <a:xfrm flipV="1">
-            <a:off x="467393" y="2938797"/>
-            <a:ext cx="1298513" cy="8605"/>
-          </a:xfrm>
-          <a:prstGeom prst="line">
-            <a:avLst/>
-          </a:prstGeom>
-          <a:ln w="3175"/>
-        </p:spPr>
-        <p:style>
-          <a:lnRef idx="2">
-            <a:schemeClr val="dk1"/>
-          </a:lnRef>
-          <a:fillRef idx="1">
-            <a:schemeClr val="lt1"/>
-          </a:fillRef>
-          <a:effectRef idx="0">
-            <a:schemeClr val="dk1"/>
-          </a:effectRef>
-          <a:fontRef idx="minor">
-            <a:schemeClr val="dk1"/>
-          </a:fontRef>
-        </p:style>
-      </p:cxnSp>
-      <p:cxnSp>
-        <p:nvCxnSpPr>
-          <p:cNvPr id="189" name="Прямая со стрелкой 188"/>
-          <p:cNvCxnSpPr>
-            <a:stCxn id="185" idx="2"/>
-          </p:cNvCxnSpPr>
-          <p:nvPr/>
-        </p:nvCxnSpPr>
-        <p:spPr>
-          <a:xfrm flipH="1">
-            <a:off x="1116649" y="2681125"/>
-            <a:ext cx="1" cy="185308"/>
-          </a:xfrm>
-          <a:prstGeom prst="straightConnector1">
-            <a:avLst/>
-          </a:prstGeom>
-          <a:ln w="3175">
-            <a:tailEnd type="triangle"/>
-          </a:ln>
-        </p:spPr>
-        <p:style>
-          <a:lnRef idx="2">
-            <a:schemeClr val="dk1"/>
-          </a:lnRef>
-          <a:fillRef idx="1">
-            <a:schemeClr val="lt1"/>
-          </a:fillRef>
-          <a:effectRef idx="0">
-            <a:schemeClr val="dk1"/>
-          </a:effectRef>
-          <a:fontRef idx="minor">
-            <a:schemeClr val="dk1"/>
-          </a:fontRef>
-        </p:style>
-      </p:cxnSp>
       <p:sp>
         <p:nvSpPr>
           <p:cNvPr id="195" name="Блок-схема: узел 194"/>
@@ -17477,7 +17575,7 @@
         </p:nvSpPr>
         <p:spPr>
           <a:xfrm>
-            <a:off x="977763" y="3238504"/>
+            <a:off x="971341" y="2854514"/>
             <a:ext cx="288032" cy="288032"/>
           </a:xfrm>
           <a:prstGeom prst="flowChartConnector">
@@ -17518,112 +17616,6 @@
           </a:p>
         </p:txBody>
       </p:sp>
-      <p:cxnSp>
-        <p:nvCxnSpPr>
-          <p:cNvPr id="197" name="Прямая со стрелкой 196"/>
-          <p:cNvCxnSpPr>
-            <a:endCxn id="195" idx="0"/>
-          </p:cNvCxnSpPr>
-          <p:nvPr/>
-        </p:nvCxnSpPr>
-        <p:spPr>
-          <a:xfrm>
-            <a:off x="1116649" y="2946088"/>
-            <a:ext cx="5130" cy="292416"/>
-          </a:xfrm>
-          <a:prstGeom prst="straightConnector1">
-            <a:avLst/>
-          </a:prstGeom>
-          <a:ln w="3175">
-            <a:tailEnd type="triangle"/>
-          </a:ln>
-        </p:spPr>
-        <p:style>
-          <a:lnRef idx="2">
-            <a:schemeClr val="dk1"/>
-          </a:lnRef>
-          <a:fillRef idx="1">
-            <a:schemeClr val="lt1"/>
-          </a:fillRef>
-          <a:effectRef idx="0">
-            <a:schemeClr val="dk1"/>
-          </a:effectRef>
-          <a:fontRef idx="minor">
-            <a:schemeClr val="dk1"/>
-          </a:fontRef>
-        </p:style>
-      </p:cxnSp>
-      <p:cxnSp>
-        <p:nvCxnSpPr>
-          <p:cNvPr id="202" name="Прямая со стрелкой 201"/>
-          <p:cNvCxnSpPr>
-            <a:stCxn id="183" idx="2"/>
-            <a:endCxn id="28" idx="0"/>
-          </p:cNvCxnSpPr>
-          <p:nvPr/>
-        </p:nvCxnSpPr>
-        <p:spPr>
-          <a:xfrm flipH="1">
-            <a:off x="1115358" y="1332852"/>
-            <a:ext cx="1292" cy="277696"/>
-          </a:xfrm>
-          <a:prstGeom prst="straightConnector1">
-            <a:avLst/>
-          </a:prstGeom>
-          <a:ln w="3175">
-            <a:tailEnd type="triangle"/>
-          </a:ln>
-        </p:spPr>
-        <p:style>
-          <a:lnRef idx="2">
-            <a:schemeClr val="dk1"/>
-          </a:lnRef>
-          <a:fillRef idx="1">
-            <a:schemeClr val="lt1"/>
-          </a:fillRef>
-          <a:effectRef idx="0">
-            <a:schemeClr val="dk1"/>
-          </a:effectRef>
-          <a:fontRef idx="minor">
-            <a:schemeClr val="dk1"/>
-          </a:fontRef>
-        </p:style>
-      </p:cxnSp>
-      <p:cxnSp>
-        <p:nvCxnSpPr>
-          <p:cNvPr id="203" name="Прямая со стрелкой 202"/>
-          <p:cNvCxnSpPr>
-            <a:endCxn id="185" idx="0"/>
-          </p:cNvCxnSpPr>
-          <p:nvPr/>
-        </p:nvCxnSpPr>
-        <p:spPr>
-          <a:xfrm>
-            <a:off x="1116650" y="2011593"/>
-            <a:ext cx="0" cy="269160"/>
-          </a:xfrm>
-          <a:prstGeom prst="straightConnector1">
-            <a:avLst/>
-          </a:prstGeom>
-          <a:ln w="3175">
-            <a:tailEnd type="triangle"/>
-          </a:ln>
-        </p:spPr>
-        <p:style>
-          <a:lnRef idx="2">
-            <a:schemeClr val="dk1"/>
-          </a:lnRef>
-          <a:fillRef idx="1">
-            <a:schemeClr val="lt1"/>
-          </a:fillRef>
-          <a:effectRef idx="0">
-            <a:schemeClr val="dk1"/>
-          </a:effectRef>
-          <a:fontRef idx="minor">
-            <a:schemeClr val="dk1"/>
-          </a:fontRef>
-        </p:style>
-      </p:cxnSp>
       <p:sp>
         <p:nvSpPr>
           <p:cNvPr id="205" name="Блок-схема: узел 204"/>
@@ -17632,7 +17624,7 @@
         </p:nvSpPr>
         <p:spPr>
           <a:xfrm>
-            <a:off x="6594006" y="268493"/>
+            <a:off x="3299748" y="269531"/>
             <a:ext cx="288032" cy="288032"/>
           </a:xfrm>
           <a:prstGeom prst="flowChartConnector">
@@ -17666,6 +17658,95 @@
               </a:rPr>
               <a:t>1</a:t>
             </a:r>
+          </a:p>
+        </p:txBody>
+      </p:sp>
+      <p:cxnSp>
+        <p:nvCxnSpPr>
+          <p:cNvPr id="209" name="Соединительная линия уступом 208"/>
+          <p:cNvCxnSpPr>
+            <a:stCxn id="207" idx="1"/>
+          </p:cNvCxnSpPr>
+          <p:nvPr/>
+        </p:nvCxnSpPr>
+        <p:spPr>
+          <a:xfrm rot="10800000" flipH="1">
+            <a:off x="2777373" y="624214"/>
+            <a:ext cx="666390" cy="360469"/>
+          </a:xfrm>
+          <a:prstGeom prst="bentConnector3">
+            <a:avLst>
+              <a:gd name="adj1" fmla="val -34304"/>
+            </a:avLst>
+          </a:prstGeom>
+          <a:ln w="3175">
+            <a:tailEnd type="triangle"/>
+          </a:ln>
+        </p:spPr>
+        <p:style>
+          <a:lnRef idx="2">
+            <a:schemeClr val="dk1"/>
+          </a:lnRef>
+          <a:fillRef idx="1">
+            <a:schemeClr val="lt1"/>
+          </a:fillRef>
+          <a:effectRef idx="0">
+            <a:schemeClr val="dk1"/>
+          </a:effectRef>
+          <a:fontRef idx="minor">
+            <a:schemeClr val="dk1"/>
+          </a:fontRef>
+        </p:style>
+      </p:cxnSp>
+      <p:sp>
+        <p:nvSpPr>
+          <p:cNvPr id="211" name="TextBox 210"/>
+          <p:cNvSpPr txBox="1"/>
+          <p:nvPr/>
+        </p:nvSpPr>
+        <p:spPr>
+          <a:xfrm>
+            <a:off x="3538154" y="1151286"/>
+            <a:ext cx="285656" cy="200055"/>
+          </a:xfrm>
+          <a:prstGeom prst="rect">
+            <a:avLst/>
+          </a:prstGeom>
+          <a:ln w="3175">
+            <a:noFill/>
+          </a:ln>
+        </p:spPr>
+        <p:style>
+          <a:lnRef idx="2">
+            <a:schemeClr val="dk1"/>
+          </a:lnRef>
+          <a:fillRef idx="1">
+            <a:schemeClr val="lt1"/>
+          </a:fillRef>
+          <a:effectRef idx="0">
+            <a:schemeClr val="dk1"/>
+          </a:effectRef>
+          <a:fontRef idx="minor">
+            <a:schemeClr val="dk1"/>
+          </a:fontRef>
+        </p:style>
+        <p:txBody>
+          <a:bodyPr wrap="none" rtlCol="0">
+            <a:spAutoFit/>
+          </a:bodyPr>
+          <a:lstStyle/>
+          <a:p>
+            <a:r>
+              <a:rPr lang="ru-RU" sz="700" dirty="0" smtClean="0">
+                <a:latin typeface="Times New Roman" panose="02020603050405020304" pitchFamily="18" charset="0"/>
+                <a:cs typeface="Times New Roman" panose="02020603050405020304" pitchFamily="18" charset="0"/>
+              </a:rPr>
+              <a:t>Да</a:t>
+            </a:r>
+            <a:endParaRPr lang="ru-RU" sz="700" dirty="0">
+              <a:latin typeface="Times New Roman" panose="02020603050405020304" pitchFamily="18" charset="0"/>
+              <a:cs typeface="Times New Roman" panose="02020603050405020304" pitchFamily="18" charset="0"/>
+            </a:endParaRPr>
           </a:p>
         </p:txBody>
       </p:sp>
@@ -17677,8 +17758,8 @@
         </p:nvSpPr>
         <p:spPr>
           <a:xfrm>
-            <a:off x="6039320" y="730817"/>
-            <a:ext cx="1403553" cy="402423"/>
+            <a:off x="2777373" y="736540"/>
+            <a:ext cx="1328648" cy="496283"/>
           </a:xfrm>
           <a:prstGeom prst="flowChartDecision">
             <a:avLst/>
@@ -17704,13 +17785,6 @@
           <a:lstStyle/>
           <a:p>
             <a:pPr algn="ctr"/>
-            <a:r>
-              <a:rPr lang="ru-RU" sz="700" dirty="0" smtClean="0">
-                <a:latin typeface="Times New Roman" panose="02020603050405020304" pitchFamily="18" charset="0"/>
-                <a:cs typeface="Times New Roman" panose="02020603050405020304" pitchFamily="18" charset="0"/>
-              </a:rPr>
-              <a:t>Есть сигнал с считывателя?</a:t>
-            </a:r>
             <a:endParaRPr lang="ru-RU" sz="700" dirty="0">
               <a:latin typeface="Times New Roman" panose="02020603050405020304" pitchFamily="18" charset="0"/>
               <a:cs typeface="Times New Roman" panose="02020603050405020304" pitchFamily="18" charset="0"/>
@@ -17718,26 +17792,21 @@
           </a:p>
         </p:txBody>
       </p:sp>
-      <p:cxnSp>
-        <p:nvCxnSpPr>
-          <p:cNvPr id="208" name="Прямая со стрелкой 207"/>
-          <p:cNvCxnSpPr>
-            <a:stCxn id="205" idx="4"/>
-            <a:endCxn id="207" idx="0"/>
-          </p:cNvCxnSpPr>
+      <p:sp>
+        <p:nvSpPr>
+          <p:cNvPr id="212" name="Блок-схема: процесс 211"/>
+          <p:cNvSpPr/>
           <p:nvPr/>
-        </p:nvCxnSpPr>
+        </p:nvSpPr>
         <p:spPr>
           <a:xfrm>
-            <a:off x="6738022" y="556525"/>
-            <a:ext cx="3075" cy="174292"/>
+            <a:off x="2783519" y="2194569"/>
+            <a:ext cx="1326639" cy="336225"/>
           </a:xfrm>
-          <a:prstGeom prst="straightConnector1">
+          <a:prstGeom prst="flowChartProcess">
             <a:avLst/>
           </a:prstGeom>
-          <a:ln w="3175">
-            <a:tailEnd type="triangle"/>
-          </a:ln>
+          <a:ln w="3175"/>
         </p:spPr>
         <p:style>
           <a:lnRef idx="2">
@@ -17753,28 +17822,40 @@
             <a:schemeClr val="dk1"/>
           </a:fontRef>
         </p:style>
-      </p:cxnSp>
-      <p:cxnSp>
-        <p:nvCxnSpPr>
-          <p:cNvPr id="209" name="Соединительная линия уступом 208"/>
-          <p:cNvCxnSpPr>
-            <a:stCxn id="207" idx="1"/>
-          </p:cNvCxnSpPr>
+        <p:txBody>
+          <a:bodyPr rtlCol="0" anchor="ctr"/>
+          <a:lstStyle/>
+          <a:p>
+            <a:pPr algn="ctr"/>
+            <a:r>
+              <a:rPr lang="ru-RU" sz="700" dirty="0" smtClean="0">
+                <a:latin typeface="Times New Roman" panose="02020603050405020304" pitchFamily="18" charset="0"/>
+                <a:cs typeface="Times New Roman" panose="02020603050405020304" pitchFamily="18" charset="0"/>
+              </a:rPr>
+              <a:t>Считывание данных с карты</a:t>
+            </a:r>
+            <a:endParaRPr lang="ru-RU" sz="700" dirty="0">
+              <a:latin typeface="Times New Roman" panose="02020603050405020304" pitchFamily="18" charset="0"/>
+              <a:cs typeface="Times New Roman" panose="02020603050405020304" pitchFamily="18" charset="0"/>
+            </a:endParaRPr>
+          </a:p>
+        </p:txBody>
+      </p:sp>
+      <p:sp>
+        <p:nvSpPr>
+          <p:cNvPr id="213" name="Блок-схема: решение 212"/>
+          <p:cNvSpPr/>
           <p:nvPr/>
-        </p:nvCxnSpPr>
+        </p:nvSpPr>
         <p:spPr>
-          <a:xfrm rot="10800000" flipH="1">
-            <a:off x="6039319" y="730819"/>
-            <a:ext cx="701777" cy="201211"/>
+          <a:xfrm>
+            <a:off x="2789345" y="2626044"/>
+            <a:ext cx="1320814" cy="501370"/>
           </a:xfrm>
-          <a:prstGeom prst="bentConnector3">
-            <a:avLst>
-              <a:gd name="adj1" fmla="val -32574"/>
-            </a:avLst>
+          <a:prstGeom prst="flowChartDecision">
+            <a:avLst/>
           </a:prstGeom>
-          <a:ln w="3175">
-            <a:tailEnd type="triangle"/>
-          </a:ln>
+          <a:ln w="3175"/>
         </p:spPr>
         <p:style>
           <a:lnRef idx="2">
@@ -17790,16 +17871,79 @@
             <a:schemeClr val="dk1"/>
           </a:fontRef>
         </p:style>
-      </p:cxnSp>
+        <p:txBody>
+          <a:bodyPr rtlCol="0" anchor="ctr"/>
+          <a:lstStyle/>
+          <a:p>
+            <a:pPr algn="ctr"/>
+            <a:endParaRPr lang="ru-RU" sz="700" dirty="0">
+              <a:latin typeface="Times New Roman" panose="02020603050405020304" pitchFamily="18" charset="0"/>
+              <a:cs typeface="Times New Roman" panose="02020603050405020304" pitchFamily="18" charset="0"/>
+            </a:endParaRPr>
+          </a:p>
+        </p:txBody>
+      </p:sp>
       <p:sp>
         <p:nvSpPr>
-          <p:cNvPr id="210" name="TextBox 209"/>
+          <p:cNvPr id="248" name="TextBox 247"/>
           <p:cNvSpPr txBox="1"/>
           <p:nvPr/>
         </p:nvSpPr>
         <p:spPr>
           <a:xfrm>
-            <a:off x="5786502" y="988635"/>
+            <a:off x="3503077" y="1630669"/>
+            <a:ext cx="285656" cy="200055"/>
+          </a:xfrm>
+          <a:prstGeom prst="rect">
+            <a:avLst/>
+          </a:prstGeom>
+          <a:ln w="3175">
+            <a:noFill/>
+          </a:ln>
+        </p:spPr>
+        <p:style>
+          <a:lnRef idx="2">
+            <a:schemeClr val="dk1"/>
+          </a:lnRef>
+          <a:fillRef idx="1">
+            <a:schemeClr val="lt1"/>
+          </a:fillRef>
+          <a:effectRef idx="0">
+            <a:schemeClr val="dk1"/>
+          </a:effectRef>
+          <a:fontRef idx="minor">
+            <a:schemeClr val="dk1"/>
+          </a:fontRef>
+        </p:style>
+        <p:txBody>
+          <a:bodyPr wrap="none" rtlCol="0">
+            <a:spAutoFit/>
+          </a:bodyPr>
+          <a:lstStyle/>
+          <a:p>
+            <a:r>
+              <a:rPr lang="ru-RU" sz="700" dirty="0" smtClean="0">
+                <a:latin typeface="Times New Roman" panose="02020603050405020304" pitchFamily="18" charset="0"/>
+                <a:cs typeface="Times New Roman" panose="02020603050405020304" pitchFamily="18" charset="0"/>
+              </a:rPr>
+              <a:t>Да</a:t>
+            </a:r>
+            <a:endParaRPr lang="ru-RU" sz="700" dirty="0">
+              <a:latin typeface="Times New Roman" panose="02020603050405020304" pitchFamily="18" charset="0"/>
+              <a:cs typeface="Times New Roman" panose="02020603050405020304" pitchFamily="18" charset="0"/>
+            </a:endParaRPr>
+          </a:p>
+        </p:txBody>
+      </p:sp>
+      <p:sp>
+        <p:nvSpPr>
+          <p:cNvPr id="245" name="TextBox 244"/>
+          <p:cNvSpPr txBox="1"/>
+          <p:nvPr/>
+        </p:nvSpPr>
+        <p:spPr>
+          <a:xfrm>
+            <a:off x="4063052" y="1302735"/>
             <a:ext cx="327334" cy="200055"/>
           </a:xfrm>
           <a:prstGeom prst="rect">
@@ -17845,21 +17989,19 @@
       </p:sp>
       <p:sp>
         <p:nvSpPr>
-          <p:cNvPr id="211" name="TextBox 210"/>
-          <p:cNvSpPr txBox="1"/>
+          <p:cNvPr id="215" name="Блок-схема: решение 214"/>
+          <p:cNvSpPr/>
           <p:nvPr/>
         </p:nvSpPr>
         <p:spPr>
           <a:xfrm>
-            <a:off x="6776080" y="1148159"/>
-            <a:ext cx="285656" cy="200055"/>
+            <a:off x="2777373" y="1294937"/>
+            <a:ext cx="1332785" cy="393269"/>
           </a:xfrm>
-          <a:prstGeom prst="rect">
+          <a:prstGeom prst="flowChartDecision">
             <a:avLst/>
           </a:prstGeom>
-          <a:ln w="3175">
-            <a:noFill/>
-          </a:ln>
+          <a:ln w="3175"/>
         </p:spPr>
         <p:style>
           <a:lnRef idx="2">
@@ -17876,17 +18018,16 @@
           </a:fontRef>
         </p:style>
         <p:txBody>
-          <a:bodyPr wrap="none" rtlCol="0">
-            <a:spAutoFit/>
-          </a:bodyPr>
+          <a:bodyPr rtlCol="0" anchor="ctr"/>
           <a:lstStyle/>
           <a:p>
+            <a:pPr algn="ctr"/>
             <a:r>
               <a:rPr lang="ru-RU" sz="700" dirty="0" smtClean="0">
                 <a:latin typeface="Times New Roman" panose="02020603050405020304" pitchFamily="18" charset="0"/>
                 <a:cs typeface="Times New Roman" panose="02020603050405020304" pitchFamily="18" charset="0"/>
               </a:rPr>
-              <a:t>Да</a:t>
+              <a:t>Чип карты в порядке?</a:t>
             </a:r>
             <a:endParaRPr lang="ru-RU" sz="700" dirty="0">
               <a:latin typeface="Times New Roman" panose="02020603050405020304" pitchFamily="18" charset="0"/>
@@ -17897,14 +18038,14 @@
       </p:sp>
       <p:sp>
         <p:nvSpPr>
-          <p:cNvPr id="212" name="Блок-схема: процесс 211"/>
+          <p:cNvPr id="246" name="Блок-схема: процесс 245"/>
           <p:cNvSpPr/>
           <p:nvPr/>
         </p:nvSpPr>
         <p:spPr>
           <a:xfrm>
-            <a:off x="6313544" y="2238201"/>
-            <a:ext cx="855103" cy="213854"/>
+            <a:off x="5161938" y="3849307"/>
+            <a:ext cx="770569" cy="337991"/>
           </a:xfrm>
           <a:prstGeom prst="flowChartProcess">
             <a:avLst/>
@@ -17935,7 +18076,7 @@
                 <a:latin typeface="Times New Roman" panose="02020603050405020304" pitchFamily="18" charset="0"/>
                 <a:cs typeface="Times New Roman" panose="02020603050405020304" pitchFamily="18" charset="0"/>
               </a:rPr>
-              <a:t>Считывание данных с карты</a:t>
+              <a:t>Сообщение об ошибке</a:t>
             </a:r>
             <a:endParaRPr lang="ru-RU" sz="700" dirty="0">
               <a:latin typeface="Times New Roman" panose="02020603050405020304" pitchFamily="18" charset="0"/>
@@ -17944,18 +18085,56 @@
           </a:p>
         </p:txBody>
       </p:sp>
+      <p:cxnSp>
+        <p:nvCxnSpPr>
+          <p:cNvPr id="252" name="Соединительная линия уступом 251"/>
+          <p:cNvCxnSpPr>
+            <a:stCxn id="215" idx="3"/>
+            <a:endCxn id="246" idx="1"/>
+          </p:cNvCxnSpPr>
+          <p:nvPr/>
+        </p:nvCxnSpPr>
+        <p:spPr>
+          <a:xfrm>
+            <a:off x="4110158" y="1491572"/>
+            <a:ext cx="1051780" cy="2526731"/>
+          </a:xfrm>
+          <a:prstGeom prst="bentConnector3">
+            <a:avLst>
+              <a:gd name="adj1" fmla="val 50000"/>
+            </a:avLst>
+          </a:prstGeom>
+          <a:ln w="3175">
+            <a:tailEnd type="triangle"/>
+          </a:ln>
+        </p:spPr>
+        <p:style>
+          <a:lnRef idx="2">
+            <a:schemeClr val="dk1"/>
+          </a:lnRef>
+          <a:fillRef idx="1">
+            <a:schemeClr val="lt1"/>
+          </a:fillRef>
+          <a:effectRef idx="0">
+            <a:schemeClr val="dk1"/>
+          </a:effectRef>
+          <a:fontRef idx="minor">
+            <a:schemeClr val="dk1"/>
+          </a:fontRef>
+        </p:style>
+      </p:cxnSp>
       <p:sp>
         <p:nvSpPr>
-          <p:cNvPr id="213" name="Блок-схема: решение 212"/>
+          <p:cNvPr id="253" name="Блок-схема: процесс 252"/>
           <p:cNvSpPr/>
           <p:nvPr/>
         </p:nvSpPr>
         <p:spPr>
           <a:xfrm>
-            <a:off x="5896481" y="2696155"/>
-            <a:ext cx="1684813" cy="477362"/>
+            <a:off x="5584186" y="2497700"/>
+            <a:ext cx="1111016" cy="364320"/>
           </a:xfrm>
-          <a:prstGeom prst="flowChartDecision">
+          <a:prstGeom prst="flowChartProcess">
             <a:avLst/>
           </a:prstGeom>
           <a:ln w="3175"/>
@@ -17984,7 +18163,7 @@
                 <a:latin typeface="Times New Roman" panose="02020603050405020304" pitchFamily="18" charset="0"/>
                 <a:cs typeface="Times New Roman" panose="02020603050405020304" pitchFamily="18" charset="0"/>
               </a:rPr>
-              <a:t>Есть поддерживаемые приложения?</a:t>
+              <a:t>Обработка ответа</a:t>
             </a:r>
             <a:endParaRPr lang="ru-RU" sz="700" dirty="0">
               <a:latin typeface="Times New Roman" panose="02020603050405020304" pitchFamily="18" charset="0"/>
@@ -17995,16 +18174,16 @@
       </p:sp>
       <p:sp>
         <p:nvSpPr>
-          <p:cNvPr id="215" name="Блок-схема: решение 214"/>
+          <p:cNvPr id="254" name="Блок-схема: процесс 253"/>
           <p:cNvSpPr/>
           <p:nvPr/>
         </p:nvSpPr>
         <p:spPr>
           <a:xfrm>
-            <a:off x="6105471" y="1274565"/>
-            <a:ext cx="1266834" cy="393269"/>
+            <a:off x="2789345" y="3316357"/>
+            <a:ext cx="1316676" cy="330746"/>
           </a:xfrm>
-          <a:prstGeom prst="flowChartDecision">
+          <a:prstGeom prst="flowChartProcess">
             <a:avLst/>
           </a:prstGeom>
           <a:ln w="3175"/>
@@ -18033,7 +18212,7 @@
                 <a:latin typeface="Times New Roman" panose="02020603050405020304" pitchFamily="18" charset="0"/>
                 <a:cs typeface="Times New Roman" panose="02020603050405020304" pitchFamily="18" charset="0"/>
               </a:rPr>
-              <a:t>Чип карты в порядке?</a:t>
+              <a:t>Выбор приложения</a:t>
             </a:r>
             <a:endParaRPr lang="ru-RU" sz="700" dirty="0">
               <a:latin typeface="Times New Roman" panose="02020603050405020304" pitchFamily="18" charset="0"/>
@@ -18044,13 +18223,153 @@
       </p:sp>
       <p:sp>
         <p:nvSpPr>
-          <p:cNvPr id="245" name="TextBox 244"/>
+          <p:cNvPr id="255" name="Блок-схема: процесс 254"/>
+          <p:cNvSpPr/>
+          <p:nvPr/>
+        </p:nvSpPr>
+        <p:spPr>
+          <a:xfrm>
+            <a:off x="2789345" y="3793833"/>
+            <a:ext cx="1316675" cy="328329"/>
+          </a:xfrm>
+          <a:prstGeom prst="flowChartProcess">
+            <a:avLst/>
+          </a:prstGeom>
+          <a:ln w="3175"/>
+        </p:spPr>
+        <p:style>
+          <a:lnRef idx="2">
+            <a:schemeClr val="dk1"/>
+          </a:lnRef>
+          <a:fillRef idx="1">
+            <a:schemeClr val="lt1"/>
+          </a:fillRef>
+          <a:effectRef idx="0">
+            <a:schemeClr val="dk1"/>
+          </a:effectRef>
+          <a:fontRef idx="minor">
+            <a:schemeClr val="dk1"/>
+          </a:fontRef>
+        </p:style>
+        <p:txBody>
+          <a:bodyPr rtlCol="0" anchor="ctr"/>
+          <a:lstStyle/>
+          <a:p>
+            <a:pPr algn="ctr"/>
+            <a:r>
+              <a:rPr lang="en-US" sz="700" dirty="0" smtClean="0">
+                <a:latin typeface="Times New Roman" panose="02020603050405020304" pitchFamily="18" charset="0"/>
+                <a:cs typeface="Times New Roman" panose="02020603050405020304" pitchFamily="18" charset="0"/>
+              </a:rPr>
+              <a:t> L2WAVE</a:t>
+            </a:r>
+            <a:r>
+              <a:rPr lang="ru-RU" sz="700" dirty="0" smtClean="0">
+                <a:latin typeface="Times New Roman" panose="02020603050405020304" pitchFamily="18" charset="0"/>
+                <a:cs typeface="Times New Roman" panose="02020603050405020304" pitchFamily="18" charset="0"/>
+              </a:rPr>
+              <a:t> или </a:t>
+            </a:r>
+            <a:r>
+              <a:rPr lang="en-US" sz="700" dirty="0" smtClean="0">
+                <a:latin typeface="Times New Roman" panose="02020603050405020304" pitchFamily="18" charset="0"/>
+                <a:cs typeface="Times New Roman" panose="02020603050405020304" pitchFamily="18" charset="0"/>
+              </a:rPr>
+              <a:t>EMVL2</a:t>
+            </a:r>
+            <a:r>
+              <a:rPr lang="ru-RU" sz="700" dirty="0" smtClean="0">
+                <a:latin typeface="Times New Roman" panose="02020603050405020304" pitchFamily="18" charset="0"/>
+                <a:cs typeface="Times New Roman" panose="02020603050405020304" pitchFamily="18" charset="0"/>
+              </a:rPr>
+              <a:t> </a:t>
+            </a:r>
+            <a:r>
+              <a:rPr lang="en-US" sz="700" dirty="0" smtClean="0">
+                <a:latin typeface="Times New Roman" panose="02020603050405020304" pitchFamily="18" charset="0"/>
+                <a:cs typeface="Times New Roman" panose="02020603050405020304" pitchFamily="18" charset="0"/>
+              </a:rPr>
+              <a:t> </a:t>
+            </a:r>
+            <a:r>
+              <a:rPr lang="ru-RU" sz="700" dirty="0" smtClean="0">
+                <a:latin typeface="Times New Roman" panose="02020603050405020304" pitchFamily="18" charset="0"/>
+                <a:cs typeface="Times New Roman" panose="02020603050405020304" pitchFamily="18" charset="0"/>
+              </a:rPr>
+              <a:t>процессинг</a:t>
+            </a:r>
+            <a:endParaRPr lang="ru-RU" sz="700" dirty="0">
+              <a:latin typeface="Times New Roman" panose="02020603050405020304" pitchFamily="18" charset="0"/>
+              <a:cs typeface="Times New Roman" panose="02020603050405020304" pitchFamily="18" charset="0"/>
+            </a:endParaRPr>
+          </a:p>
+        </p:txBody>
+      </p:sp>
+      <p:sp>
+        <p:nvSpPr>
+          <p:cNvPr id="259" name="Блок-схема: процесс 258"/>
+          <p:cNvSpPr/>
+          <p:nvPr/>
+        </p:nvSpPr>
+        <p:spPr>
+          <a:xfrm>
+            <a:off x="2789345" y="4229154"/>
+            <a:ext cx="1316675" cy="325695"/>
+          </a:xfrm>
+          <a:prstGeom prst="flowChartProcess">
+            <a:avLst/>
+          </a:prstGeom>
+          <a:ln w="3175"/>
+        </p:spPr>
+        <p:style>
+          <a:lnRef idx="2">
+            <a:schemeClr val="dk1"/>
+          </a:lnRef>
+          <a:fillRef idx="1">
+            <a:schemeClr val="lt1"/>
+          </a:fillRef>
+          <a:effectRef idx="0">
+            <a:schemeClr val="dk1"/>
+          </a:effectRef>
+          <a:fontRef idx="minor">
+            <a:schemeClr val="dk1"/>
+          </a:fontRef>
+        </p:style>
+        <p:txBody>
+          <a:bodyPr rtlCol="0" anchor="ctr"/>
+          <a:lstStyle/>
+          <a:p>
+            <a:pPr algn="ctr"/>
+            <a:r>
+              <a:rPr lang="ru-RU" sz="700" dirty="0" smtClean="0">
+                <a:latin typeface="Times New Roman" panose="02020603050405020304" pitchFamily="18" charset="0"/>
+                <a:cs typeface="Times New Roman" panose="02020603050405020304" pitchFamily="18" charset="0"/>
+              </a:rPr>
+              <a:t>Выбор метода проведения </a:t>
+            </a:r>
+            <a:r>
+              <a:rPr lang="en-US" sz="700" dirty="0" smtClean="0">
+                <a:latin typeface="Times New Roman" panose="02020603050405020304" pitchFamily="18" charset="0"/>
+                <a:cs typeface="Times New Roman" panose="02020603050405020304" pitchFamily="18" charset="0"/>
+              </a:rPr>
+              <a:t>CVM</a:t>
+            </a:r>
+            <a:endParaRPr lang="ru-RU" sz="700" dirty="0">
+              <a:latin typeface="Times New Roman" panose="02020603050405020304" pitchFamily="18" charset="0"/>
+              <a:cs typeface="Times New Roman" panose="02020603050405020304" pitchFamily="18" charset="0"/>
+            </a:endParaRPr>
+          </a:p>
+        </p:txBody>
+      </p:sp>
+      <p:sp>
+        <p:nvSpPr>
+          <p:cNvPr id="271" name="TextBox 270"/>
           <p:cNvSpPr txBox="1"/>
           <p:nvPr/>
         </p:nvSpPr>
         <p:spPr>
           <a:xfrm>
-            <a:off x="7366726" y="1257881"/>
+            <a:off x="3944422" y="4586363"/>
             <a:ext cx="327334" cy="200055"/>
           </a:xfrm>
           <a:prstGeom prst="rect">
@@ -18096,493 +18415,14 @@
       </p:sp>
       <p:sp>
         <p:nvSpPr>
-          <p:cNvPr id="246" name="Блок-схема: процесс 245"/>
+          <p:cNvPr id="270" name="Блок-схема: решение 269"/>
           <p:cNvSpPr/>
           <p:nvPr/>
         </p:nvSpPr>
         <p:spPr>
           <a:xfrm>
-            <a:off x="7861885" y="2765840"/>
-            <a:ext cx="770569" cy="337991"/>
-          </a:xfrm>
-          <a:prstGeom prst="flowChartProcess">
-            <a:avLst/>
-          </a:prstGeom>
-          <a:ln w="3175"/>
-        </p:spPr>
-        <p:style>
-          <a:lnRef idx="2">
-            <a:schemeClr val="dk1"/>
-          </a:lnRef>
-          <a:fillRef idx="1">
-            <a:schemeClr val="lt1"/>
-          </a:fillRef>
-          <a:effectRef idx="0">
-            <a:schemeClr val="dk1"/>
-          </a:effectRef>
-          <a:fontRef idx="minor">
-            <a:schemeClr val="dk1"/>
-          </a:fontRef>
-        </p:style>
-        <p:txBody>
-          <a:bodyPr rtlCol="0" anchor="ctr"/>
-          <a:lstStyle/>
-          <a:p>
-            <a:pPr algn="ctr"/>
-            <a:r>
-              <a:rPr lang="ru-RU" sz="700" dirty="0" smtClean="0">
-                <a:latin typeface="Times New Roman" panose="02020603050405020304" pitchFamily="18" charset="0"/>
-                <a:cs typeface="Times New Roman" panose="02020603050405020304" pitchFamily="18" charset="0"/>
-              </a:rPr>
-              <a:t>Сообщение об ошибке</a:t>
-            </a:r>
-            <a:endParaRPr lang="ru-RU" sz="700" dirty="0">
-              <a:latin typeface="Times New Roman" panose="02020603050405020304" pitchFamily="18" charset="0"/>
-              <a:cs typeface="Times New Roman" panose="02020603050405020304" pitchFamily="18" charset="0"/>
-            </a:endParaRPr>
-          </a:p>
-        </p:txBody>
-      </p:sp>
-      <p:sp>
-        <p:nvSpPr>
-          <p:cNvPr id="248" name="TextBox 247"/>
-          <p:cNvSpPr txBox="1"/>
-          <p:nvPr/>
-        </p:nvSpPr>
-        <p:spPr>
-          <a:xfrm>
-            <a:off x="6882038" y="1647862"/>
-            <a:ext cx="285656" cy="200055"/>
-          </a:xfrm>
-          <a:prstGeom prst="rect">
-            <a:avLst/>
-          </a:prstGeom>
-          <a:ln w="3175">
-            <a:noFill/>
-          </a:ln>
-        </p:spPr>
-        <p:style>
-          <a:lnRef idx="2">
-            <a:schemeClr val="dk1"/>
-          </a:lnRef>
-          <a:fillRef idx="1">
-            <a:schemeClr val="lt1"/>
-          </a:fillRef>
-          <a:effectRef idx="0">
-            <a:schemeClr val="dk1"/>
-          </a:effectRef>
-          <a:fontRef idx="minor">
-            <a:schemeClr val="dk1"/>
-          </a:fontRef>
-        </p:style>
-        <p:txBody>
-          <a:bodyPr wrap="none" rtlCol="0">
-            <a:spAutoFit/>
-          </a:bodyPr>
-          <a:lstStyle/>
-          <a:p>
-            <a:r>
-              <a:rPr lang="ru-RU" sz="700" dirty="0" smtClean="0">
-                <a:latin typeface="Times New Roman" panose="02020603050405020304" pitchFamily="18" charset="0"/>
-                <a:cs typeface="Times New Roman" panose="02020603050405020304" pitchFamily="18" charset="0"/>
-              </a:rPr>
-              <a:t>Да</a:t>
-            </a:r>
-            <a:endParaRPr lang="ru-RU" sz="700" dirty="0">
-              <a:latin typeface="Times New Roman" panose="02020603050405020304" pitchFamily="18" charset="0"/>
-              <a:cs typeface="Times New Roman" panose="02020603050405020304" pitchFamily="18" charset="0"/>
-            </a:endParaRPr>
-          </a:p>
-        </p:txBody>
-      </p:sp>
-      <p:sp>
-        <p:nvSpPr>
-          <p:cNvPr id="249" name="TextBox 248"/>
-          <p:cNvSpPr txBox="1"/>
-          <p:nvPr/>
-        </p:nvSpPr>
-        <p:spPr>
-          <a:xfrm>
-            <a:off x="6158339" y="3100526"/>
-            <a:ext cx="285656" cy="200055"/>
-          </a:xfrm>
-          <a:prstGeom prst="rect">
-            <a:avLst/>
-          </a:prstGeom>
-          <a:ln w="3175">
-            <a:noFill/>
-          </a:ln>
-        </p:spPr>
-        <p:style>
-          <a:lnRef idx="2">
-            <a:schemeClr val="dk1"/>
-          </a:lnRef>
-          <a:fillRef idx="1">
-            <a:schemeClr val="lt1"/>
-          </a:fillRef>
-          <a:effectRef idx="0">
-            <a:schemeClr val="dk1"/>
-          </a:effectRef>
-          <a:fontRef idx="minor">
-            <a:schemeClr val="dk1"/>
-          </a:fontRef>
-        </p:style>
-        <p:txBody>
-          <a:bodyPr wrap="none" rtlCol="0">
-            <a:spAutoFit/>
-          </a:bodyPr>
-          <a:lstStyle/>
-          <a:p>
-            <a:r>
-              <a:rPr lang="ru-RU" sz="700" dirty="0" smtClean="0">
-                <a:latin typeface="Times New Roman" panose="02020603050405020304" pitchFamily="18" charset="0"/>
-                <a:cs typeface="Times New Roman" panose="02020603050405020304" pitchFamily="18" charset="0"/>
-              </a:rPr>
-              <a:t>Да</a:t>
-            </a:r>
-            <a:endParaRPr lang="ru-RU" sz="700" dirty="0">
-              <a:latin typeface="Times New Roman" panose="02020603050405020304" pitchFamily="18" charset="0"/>
-              <a:cs typeface="Times New Roman" panose="02020603050405020304" pitchFamily="18" charset="0"/>
-            </a:endParaRPr>
-          </a:p>
-        </p:txBody>
-      </p:sp>
-      <p:sp>
-        <p:nvSpPr>
-          <p:cNvPr id="250" name="TextBox 249"/>
-          <p:cNvSpPr txBox="1"/>
-          <p:nvPr/>
-        </p:nvSpPr>
-        <p:spPr>
-          <a:xfrm>
-            <a:off x="7406972" y="2641294"/>
-            <a:ext cx="327334" cy="200055"/>
-          </a:xfrm>
-          <a:prstGeom prst="rect">
-            <a:avLst/>
-          </a:prstGeom>
-          <a:ln w="3175">
-            <a:noFill/>
-          </a:ln>
-        </p:spPr>
-        <p:style>
-          <a:lnRef idx="2">
-            <a:schemeClr val="dk1"/>
-          </a:lnRef>
-          <a:fillRef idx="1">
-            <a:schemeClr val="lt1"/>
-          </a:fillRef>
-          <a:effectRef idx="0">
-            <a:schemeClr val="dk1"/>
-          </a:effectRef>
-          <a:fontRef idx="minor">
-            <a:schemeClr val="dk1"/>
-          </a:fontRef>
-        </p:style>
-        <p:txBody>
-          <a:bodyPr wrap="none" rtlCol="0">
-            <a:spAutoFit/>
-          </a:bodyPr>
-          <a:lstStyle/>
-          <a:p>
-            <a:r>
-              <a:rPr lang="ru-RU" sz="700" dirty="0" smtClean="0">
-                <a:latin typeface="Times New Roman" panose="02020603050405020304" pitchFamily="18" charset="0"/>
-                <a:cs typeface="Times New Roman" panose="02020603050405020304" pitchFamily="18" charset="0"/>
-              </a:rPr>
-              <a:t>Нет</a:t>
-            </a:r>
-            <a:endParaRPr lang="ru-RU" sz="700" dirty="0">
-              <a:latin typeface="Times New Roman" panose="02020603050405020304" pitchFamily="18" charset="0"/>
-              <a:cs typeface="Times New Roman" panose="02020603050405020304" pitchFamily="18" charset="0"/>
-            </a:endParaRPr>
-          </a:p>
-        </p:txBody>
-      </p:sp>
-      <p:cxnSp>
-        <p:nvCxnSpPr>
-          <p:cNvPr id="252" name="Соединительная линия уступом 251"/>
-          <p:cNvCxnSpPr>
-            <a:stCxn id="215" idx="3"/>
-            <a:endCxn id="246" idx="0"/>
-          </p:cNvCxnSpPr>
-          <p:nvPr/>
-        </p:nvCxnSpPr>
-        <p:spPr>
-          <a:xfrm>
-            <a:off x="7372305" y="1471200"/>
-            <a:ext cx="874865" cy="1294640"/>
-          </a:xfrm>
-          <a:prstGeom prst="bentConnector2">
-            <a:avLst/>
-          </a:prstGeom>
-          <a:ln w="3175">
-            <a:tailEnd type="triangle"/>
-          </a:ln>
-        </p:spPr>
-        <p:style>
-          <a:lnRef idx="2">
-            <a:schemeClr val="dk1"/>
-          </a:lnRef>
-          <a:fillRef idx="1">
-            <a:schemeClr val="lt1"/>
-          </a:fillRef>
-          <a:effectRef idx="0">
-            <a:schemeClr val="dk1"/>
-          </a:effectRef>
-          <a:fontRef idx="minor">
-            <a:schemeClr val="dk1"/>
-          </a:fontRef>
-        </p:style>
-      </p:cxnSp>
-      <p:sp>
-        <p:nvSpPr>
-          <p:cNvPr id="253" name="Блок-схема: процесс 252"/>
-          <p:cNvSpPr/>
-          <p:nvPr/>
-        </p:nvSpPr>
-        <p:spPr>
-          <a:xfrm>
-            <a:off x="2342515" y="4354997"/>
-            <a:ext cx="769135" cy="407083"/>
-          </a:xfrm>
-          <a:prstGeom prst="flowChartProcess">
-            <a:avLst/>
-          </a:prstGeom>
-          <a:ln w="3175"/>
-        </p:spPr>
-        <p:style>
-          <a:lnRef idx="2">
-            <a:schemeClr val="dk1"/>
-          </a:lnRef>
-          <a:fillRef idx="1">
-            <a:schemeClr val="lt1"/>
-          </a:fillRef>
-          <a:effectRef idx="0">
-            <a:schemeClr val="dk1"/>
-          </a:effectRef>
-          <a:fontRef idx="minor">
-            <a:schemeClr val="dk1"/>
-          </a:fontRef>
-        </p:style>
-        <p:txBody>
-          <a:bodyPr rtlCol="0" anchor="ctr"/>
-          <a:lstStyle/>
-          <a:p>
-            <a:pPr algn="ctr"/>
-            <a:r>
-              <a:rPr lang="ru-RU" sz="700" dirty="0" smtClean="0">
-                <a:latin typeface="Times New Roman" panose="02020603050405020304" pitchFamily="18" charset="0"/>
-                <a:cs typeface="Times New Roman" panose="02020603050405020304" pitchFamily="18" charset="0"/>
-              </a:rPr>
-              <a:t>Обработка ответа</a:t>
-            </a:r>
-            <a:endParaRPr lang="ru-RU" sz="700" dirty="0">
-              <a:latin typeface="Times New Roman" panose="02020603050405020304" pitchFamily="18" charset="0"/>
-              <a:cs typeface="Times New Roman" panose="02020603050405020304" pitchFamily="18" charset="0"/>
-            </a:endParaRPr>
-          </a:p>
-        </p:txBody>
-      </p:sp>
-      <p:sp>
-        <p:nvSpPr>
-          <p:cNvPr id="254" name="Блок-схема: процесс 253"/>
-          <p:cNvSpPr/>
-          <p:nvPr/>
-        </p:nvSpPr>
-        <p:spPr>
-          <a:xfrm>
-            <a:off x="6313544" y="3323717"/>
-            <a:ext cx="855103" cy="213854"/>
-          </a:xfrm>
-          <a:prstGeom prst="flowChartProcess">
-            <a:avLst/>
-          </a:prstGeom>
-          <a:ln w="3175"/>
-        </p:spPr>
-        <p:style>
-          <a:lnRef idx="2">
-            <a:schemeClr val="dk1"/>
-          </a:lnRef>
-          <a:fillRef idx="1">
-            <a:schemeClr val="lt1"/>
-          </a:fillRef>
-          <a:effectRef idx="0">
-            <a:schemeClr val="dk1"/>
-          </a:effectRef>
-          <a:fontRef idx="minor">
-            <a:schemeClr val="dk1"/>
-          </a:fontRef>
-        </p:style>
-        <p:txBody>
-          <a:bodyPr rtlCol="0" anchor="ctr"/>
-          <a:lstStyle/>
-          <a:p>
-            <a:pPr algn="ctr"/>
-            <a:r>
-              <a:rPr lang="ru-RU" sz="700" dirty="0" smtClean="0">
-                <a:latin typeface="Times New Roman" panose="02020603050405020304" pitchFamily="18" charset="0"/>
-                <a:cs typeface="Times New Roman" panose="02020603050405020304" pitchFamily="18" charset="0"/>
-              </a:rPr>
-              <a:t>Выбор приложения</a:t>
-            </a:r>
-            <a:endParaRPr lang="ru-RU" sz="700" dirty="0">
-              <a:latin typeface="Times New Roman" panose="02020603050405020304" pitchFamily="18" charset="0"/>
-              <a:cs typeface="Times New Roman" panose="02020603050405020304" pitchFamily="18" charset="0"/>
-            </a:endParaRPr>
-          </a:p>
-        </p:txBody>
-      </p:sp>
-      <p:sp>
-        <p:nvSpPr>
-          <p:cNvPr id="255" name="Блок-схема: процесс 254"/>
-          <p:cNvSpPr/>
-          <p:nvPr/>
-        </p:nvSpPr>
-        <p:spPr>
-          <a:xfrm>
-            <a:off x="6313544" y="3716102"/>
-            <a:ext cx="852786" cy="328329"/>
-          </a:xfrm>
-          <a:prstGeom prst="flowChartProcess">
-            <a:avLst/>
-          </a:prstGeom>
-          <a:ln w="3175"/>
-        </p:spPr>
-        <p:style>
-          <a:lnRef idx="2">
-            <a:schemeClr val="dk1"/>
-          </a:lnRef>
-          <a:fillRef idx="1">
-            <a:schemeClr val="lt1"/>
-          </a:fillRef>
-          <a:effectRef idx="0">
-            <a:schemeClr val="dk1"/>
-          </a:effectRef>
-          <a:fontRef idx="minor">
-            <a:schemeClr val="dk1"/>
-          </a:fontRef>
-        </p:style>
-        <p:txBody>
-          <a:bodyPr rtlCol="0" anchor="ctr"/>
-          <a:lstStyle/>
-          <a:p>
-            <a:pPr algn="ctr"/>
-            <a:r>
-              <a:rPr lang="en-US" sz="700" dirty="0" smtClean="0">
-                <a:latin typeface="Times New Roman" panose="02020603050405020304" pitchFamily="18" charset="0"/>
-                <a:cs typeface="Times New Roman" panose="02020603050405020304" pitchFamily="18" charset="0"/>
-              </a:rPr>
-              <a:t> L2WAVE</a:t>
-            </a:r>
-            <a:r>
-              <a:rPr lang="ru-RU" sz="700" dirty="0" smtClean="0">
-                <a:latin typeface="Times New Roman" panose="02020603050405020304" pitchFamily="18" charset="0"/>
-                <a:cs typeface="Times New Roman" panose="02020603050405020304" pitchFamily="18" charset="0"/>
-              </a:rPr>
-              <a:t> или </a:t>
-            </a:r>
-            <a:r>
-              <a:rPr lang="en-US" sz="700" dirty="0" smtClean="0">
-                <a:latin typeface="Times New Roman" panose="02020603050405020304" pitchFamily="18" charset="0"/>
-                <a:cs typeface="Times New Roman" panose="02020603050405020304" pitchFamily="18" charset="0"/>
-              </a:rPr>
-              <a:t>EMVL2</a:t>
-            </a:r>
-            <a:r>
-              <a:rPr lang="ru-RU" sz="700" dirty="0" smtClean="0">
-                <a:latin typeface="Times New Roman" panose="02020603050405020304" pitchFamily="18" charset="0"/>
-                <a:cs typeface="Times New Roman" panose="02020603050405020304" pitchFamily="18" charset="0"/>
-              </a:rPr>
-              <a:t> </a:t>
-            </a:r>
-            <a:r>
-              <a:rPr lang="en-US" sz="700" dirty="0" smtClean="0">
-                <a:latin typeface="Times New Roman" panose="02020603050405020304" pitchFamily="18" charset="0"/>
-                <a:cs typeface="Times New Roman" panose="02020603050405020304" pitchFamily="18" charset="0"/>
-              </a:rPr>
-              <a:t> </a:t>
-            </a:r>
-            <a:r>
-              <a:rPr lang="ru-RU" sz="700" dirty="0" smtClean="0">
-                <a:latin typeface="Times New Roman" panose="02020603050405020304" pitchFamily="18" charset="0"/>
-                <a:cs typeface="Times New Roman" panose="02020603050405020304" pitchFamily="18" charset="0"/>
-              </a:rPr>
-              <a:t>процессинг</a:t>
-            </a:r>
-            <a:endParaRPr lang="ru-RU" sz="700" dirty="0">
-              <a:latin typeface="Times New Roman" panose="02020603050405020304" pitchFamily="18" charset="0"/>
-              <a:cs typeface="Times New Roman" panose="02020603050405020304" pitchFamily="18" charset="0"/>
-            </a:endParaRPr>
-          </a:p>
-        </p:txBody>
-      </p:sp>
-      <p:sp>
-        <p:nvSpPr>
-          <p:cNvPr id="259" name="Блок-схема: процесс 258"/>
-          <p:cNvSpPr/>
-          <p:nvPr/>
-        </p:nvSpPr>
-        <p:spPr>
-          <a:xfrm>
-            <a:off x="6318217" y="4174189"/>
-            <a:ext cx="848111" cy="296715"/>
-          </a:xfrm>
-          <a:prstGeom prst="flowChartProcess">
-            <a:avLst/>
-          </a:prstGeom>
-          <a:ln w="3175"/>
-        </p:spPr>
-        <p:style>
-          <a:lnRef idx="2">
-            <a:schemeClr val="dk1"/>
-          </a:lnRef>
-          <a:fillRef idx="1">
-            <a:schemeClr val="lt1"/>
-          </a:fillRef>
-          <a:effectRef idx="0">
-            <a:schemeClr val="dk1"/>
-          </a:effectRef>
-          <a:fontRef idx="minor">
-            <a:schemeClr val="dk1"/>
-          </a:fontRef>
-        </p:style>
-        <p:txBody>
-          <a:bodyPr rtlCol="0" anchor="ctr"/>
-          <a:lstStyle/>
-          <a:p>
-            <a:pPr algn="ctr"/>
-            <a:r>
-              <a:rPr lang="ru-RU" sz="700" dirty="0" smtClean="0">
-                <a:latin typeface="Times New Roman" panose="02020603050405020304" pitchFamily="18" charset="0"/>
-                <a:cs typeface="Times New Roman" panose="02020603050405020304" pitchFamily="18" charset="0"/>
-              </a:rPr>
-              <a:t>Выбор метода проведения </a:t>
-            </a:r>
-            <a:r>
-              <a:rPr lang="en-US" sz="700" dirty="0" smtClean="0">
-                <a:latin typeface="Times New Roman" panose="02020603050405020304" pitchFamily="18" charset="0"/>
-                <a:cs typeface="Times New Roman" panose="02020603050405020304" pitchFamily="18" charset="0"/>
-              </a:rPr>
-              <a:t>CVM</a:t>
-            </a:r>
-            <a:endParaRPr lang="ru-RU" sz="700" dirty="0">
-              <a:latin typeface="Times New Roman" panose="02020603050405020304" pitchFamily="18" charset="0"/>
-              <a:cs typeface="Times New Roman" panose="02020603050405020304" pitchFamily="18" charset="0"/>
-            </a:endParaRPr>
-          </a:p>
-        </p:txBody>
-      </p:sp>
-      <p:sp>
-        <p:nvSpPr>
-          <p:cNvPr id="261" name="Блок-схема: решение 260"/>
-          <p:cNvSpPr/>
-          <p:nvPr/>
-        </p:nvSpPr>
-        <p:spPr>
-          <a:xfrm>
-            <a:off x="6148839" y="4667801"/>
-            <a:ext cx="1193339" cy="410608"/>
+            <a:off x="6465184" y="941615"/>
+            <a:ext cx="1325987" cy="520541"/>
           </a:xfrm>
           <a:prstGeom prst="flowChartDecision">
             <a:avLst/>
@@ -18609,306 +18449,11 @@
           <a:p>
             <a:pPr algn="ctr"/>
             <a:r>
-              <a:rPr lang="en-US" sz="700" dirty="0" smtClean="0">
-                <a:latin typeface="Times New Roman" panose="02020603050405020304" pitchFamily="18" charset="0"/>
-                <a:cs typeface="Times New Roman" panose="02020603050405020304" pitchFamily="18" charset="0"/>
-              </a:rPr>
-              <a:t>CVM</a:t>
-            </a:r>
-            <a:endParaRPr lang="ru-RU" sz="700" dirty="0" smtClean="0">
-              <a:latin typeface="Times New Roman" panose="02020603050405020304" pitchFamily="18" charset="0"/>
-              <a:cs typeface="Times New Roman" panose="02020603050405020304" pitchFamily="18" charset="0"/>
-            </a:endParaRPr>
-          </a:p>
-          <a:p>
-            <a:pPr algn="ctr"/>
-            <a:r>
-              <a:rPr lang="ru-RU" sz="700" dirty="0" smtClean="0">
-                <a:latin typeface="Times New Roman" panose="02020603050405020304" pitchFamily="18" charset="0"/>
-                <a:cs typeface="Times New Roman" panose="02020603050405020304" pitchFamily="18" charset="0"/>
-              </a:rPr>
-              <a:t>Пройден?</a:t>
-            </a:r>
-            <a:endParaRPr lang="ru-RU" sz="700" dirty="0">
-              <a:latin typeface="Times New Roman" panose="02020603050405020304" pitchFamily="18" charset="0"/>
-              <a:cs typeface="Times New Roman" panose="02020603050405020304" pitchFamily="18" charset="0"/>
-            </a:endParaRPr>
-          </a:p>
-        </p:txBody>
-      </p:sp>
-      <p:cxnSp>
-        <p:nvCxnSpPr>
-          <p:cNvPr id="263" name="Прямая со стрелкой 262"/>
-          <p:cNvCxnSpPr>
-            <a:stCxn id="212" idx="2"/>
-            <a:endCxn id="213" idx="0"/>
-          </p:cNvCxnSpPr>
-          <p:nvPr/>
-        </p:nvCxnSpPr>
-        <p:spPr>
-          <a:xfrm flipH="1">
-            <a:off x="6738888" y="2452055"/>
-            <a:ext cx="2208" cy="244100"/>
-          </a:xfrm>
-          <a:prstGeom prst="straightConnector1">
-            <a:avLst/>
-          </a:prstGeom>
-          <a:ln w="3175">
-            <a:tailEnd type="triangle"/>
-          </a:ln>
-        </p:spPr>
-        <p:style>
-          <a:lnRef idx="2">
-            <a:schemeClr val="dk1"/>
-          </a:lnRef>
-          <a:fillRef idx="1">
-            <a:schemeClr val="lt1"/>
-          </a:fillRef>
-          <a:effectRef idx="0">
-            <a:schemeClr val="dk1"/>
-          </a:effectRef>
-          <a:fontRef idx="minor">
-            <a:schemeClr val="dk1"/>
-          </a:fontRef>
-        </p:style>
-      </p:cxnSp>
-      <p:cxnSp>
-        <p:nvCxnSpPr>
-          <p:cNvPr id="265" name="Прямая со стрелкой 264"/>
-          <p:cNvCxnSpPr>
-            <a:stCxn id="254" idx="2"/>
-            <a:endCxn id="255" idx="0"/>
-          </p:cNvCxnSpPr>
-          <p:nvPr/>
-        </p:nvCxnSpPr>
-        <p:spPr>
-          <a:xfrm flipH="1">
-            <a:off x="6739937" y="3537571"/>
-            <a:ext cx="1159" cy="178531"/>
-          </a:xfrm>
-          <a:prstGeom prst="straightConnector1">
-            <a:avLst/>
-          </a:prstGeom>
-          <a:ln w="3175">
-            <a:tailEnd type="triangle"/>
-          </a:ln>
-        </p:spPr>
-        <p:style>
-          <a:lnRef idx="2">
-            <a:schemeClr val="dk1"/>
-          </a:lnRef>
-          <a:fillRef idx="1">
-            <a:schemeClr val="lt1"/>
-          </a:fillRef>
-          <a:effectRef idx="0">
-            <a:schemeClr val="dk1"/>
-          </a:effectRef>
-          <a:fontRef idx="minor">
-            <a:schemeClr val="dk1"/>
-          </a:fontRef>
-        </p:style>
-      </p:cxnSp>
-      <p:cxnSp>
-        <p:nvCxnSpPr>
-          <p:cNvPr id="266" name="Прямая со стрелкой 265"/>
-          <p:cNvCxnSpPr>
-            <a:stCxn id="259" idx="2"/>
-            <a:endCxn id="261" idx="0"/>
-          </p:cNvCxnSpPr>
-          <p:nvPr/>
-        </p:nvCxnSpPr>
-        <p:spPr>
-          <a:xfrm>
-            <a:off x="6742273" y="4470904"/>
-            <a:ext cx="3236" cy="196897"/>
-          </a:xfrm>
-          <a:prstGeom prst="straightConnector1">
-            <a:avLst/>
-          </a:prstGeom>
-          <a:ln w="3175">
-            <a:tailEnd type="triangle"/>
-          </a:ln>
-        </p:spPr>
-        <p:style>
-          <a:lnRef idx="2">
-            <a:schemeClr val="dk1"/>
-          </a:lnRef>
-          <a:fillRef idx="1">
-            <a:schemeClr val="lt1"/>
-          </a:fillRef>
-          <a:effectRef idx="0">
-            <a:schemeClr val="dk1"/>
-          </a:effectRef>
-          <a:fontRef idx="minor">
-            <a:schemeClr val="dk1"/>
-          </a:fontRef>
-        </p:style>
-      </p:cxnSp>
-      <p:cxnSp>
-        <p:nvCxnSpPr>
-          <p:cNvPr id="267" name="Соединительная линия уступом 266"/>
-          <p:cNvCxnSpPr>
-            <a:stCxn id="261" idx="3"/>
-            <a:endCxn id="246" idx="2"/>
-          </p:cNvCxnSpPr>
-          <p:nvPr/>
-        </p:nvCxnSpPr>
-        <p:spPr>
-          <a:xfrm flipV="1">
-            <a:off x="7342178" y="3103831"/>
-            <a:ext cx="904992" cy="1769274"/>
-          </a:xfrm>
-          <a:prstGeom prst="bentConnector2">
-            <a:avLst/>
-          </a:prstGeom>
-          <a:ln w="3175">
-            <a:tailEnd type="triangle"/>
-          </a:ln>
-        </p:spPr>
-        <p:style>
-          <a:lnRef idx="2">
-            <a:schemeClr val="dk1"/>
-          </a:lnRef>
-          <a:fillRef idx="1">
-            <a:schemeClr val="lt1"/>
-          </a:fillRef>
-          <a:effectRef idx="0">
-            <a:schemeClr val="dk1"/>
-          </a:effectRef>
-          <a:fontRef idx="minor">
-            <a:schemeClr val="dk1"/>
-          </a:fontRef>
-        </p:style>
-      </p:cxnSp>
-      <p:cxnSp>
-        <p:nvCxnSpPr>
-          <p:cNvPr id="268" name="Прямая со стрелкой 267"/>
-          <p:cNvCxnSpPr>
-            <a:stCxn id="207" idx="2"/>
-            <a:endCxn id="215" idx="0"/>
-          </p:cNvCxnSpPr>
-          <p:nvPr/>
-        </p:nvCxnSpPr>
-        <p:spPr>
-          <a:xfrm flipH="1">
-            <a:off x="6738888" y="1133240"/>
-            <a:ext cx="2209" cy="141325"/>
-          </a:xfrm>
-          <a:prstGeom prst="straightConnector1">
-            <a:avLst/>
-          </a:prstGeom>
-          <a:ln w="3175">
-            <a:tailEnd type="triangle"/>
-          </a:ln>
-        </p:spPr>
-        <p:style>
-          <a:lnRef idx="2">
-            <a:schemeClr val="dk1"/>
-          </a:lnRef>
-          <a:fillRef idx="1">
-            <a:schemeClr val="lt1"/>
-          </a:fillRef>
-          <a:effectRef idx="0">
-            <a:schemeClr val="dk1"/>
-          </a:effectRef>
-          <a:fontRef idx="minor">
-            <a:schemeClr val="dk1"/>
-          </a:fontRef>
-        </p:style>
-      </p:cxnSp>
-      <p:sp>
-        <p:nvSpPr>
-          <p:cNvPr id="270" name="Блок-схема: решение 269"/>
-          <p:cNvSpPr/>
-          <p:nvPr/>
-        </p:nvSpPr>
-        <p:spPr>
-          <a:xfrm>
-            <a:off x="3090175" y="2508770"/>
-            <a:ext cx="1186864" cy="382453"/>
-          </a:xfrm>
-          <a:prstGeom prst="flowChartDecision">
-            <a:avLst/>
-          </a:prstGeom>
-          <a:ln w="3175"/>
-        </p:spPr>
-        <p:style>
-          <a:lnRef idx="2">
-            <a:schemeClr val="dk1"/>
-          </a:lnRef>
-          <a:fillRef idx="1">
-            <a:schemeClr val="lt1"/>
-          </a:fillRef>
-          <a:effectRef idx="0">
-            <a:schemeClr val="dk1"/>
-          </a:effectRef>
-          <a:fontRef idx="minor">
-            <a:schemeClr val="dk1"/>
-          </a:fontRef>
-        </p:style>
-        <p:txBody>
-          <a:bodyPr rtlCol="0" anchor="ctr"/>
-          <a:lstStyle/>
-          <a:p>
-            <a:pPr algn="ctr"/>
-            <a:r>
               <a:rPr lang="ru-RU" sz="700" dirty="0" smtClean="0">
                 <a:latin typeface="Times New Roman" panose="02020603050405020304" pitchFamily="18" charset="0"/>
                 <a:cs typeface="Times New Roman" panose="02020603050405020304" pitchFamily="18" charset="0"/>
               </a:rPr>
               <a:t>Операция онлайн?</a:t>
-            </a:r>
-            <a:endParaRPr lang="ru-RU" sz="700" dirty="0">
-              <a:latin typeface="Times New Roman" panose="02020603050405020304" pitchFamily="18" charset="0"/>
-              <a:cs typeface="Times New Roman" panose="02020603050405020304" pitchFamily="18" charset="0"/>
-            </a:endParaRPr>
-          </a:p>
-        </p:txBody>
-      </p:sp>
-      <p:sp>
-        <p:nvSpPr>
-          <p:cNvPr id="271" name="TextBox 270"/>
-          <p:cNvSpPr txBox="1"/>
-          <p:nvPr/>
-        </p:nvSpPr>
-        <p:spPr>
-          <a:xfrm>
-            <a:off x="7332160" y="4626221"/>
-            <a:ext cx="327334" cy="200055"/>
-          </a:xfrm>
-          <a:prstGeom prst="rect">
-            <a:avLst/>
-          </a:prstGeom>
-          <a:ln w="3175">
-            <a:noFill/>
-          </a:ln>
-        </p:spPr>
-        <p:style>
-          <a:lnRef idx="2">
-            <a:schemeClr val="dk1"/>
-          </a:lnRef>
-          <a:fillRef idx="1">
-            <a:schemeClr val="lt1"/>
-          </a:fillRef>
-          <a:effectRef idx="0">
-            <a:schemeClr val="dk1"/>
-          </a:effectRef>
-          <a:fontRef idx="minor">
-            <a:schemeClr val="dk1"/>
-          </a:fontRef>
-        </p:style>
-        <p:txBody>
-          <a:bodyPr wrap="none" rtlCol="0">
-            <a:spAutoFit/>
-          </a:bodyPr>
-          <a:lstStyle/>
-          <a:p>
-            <a:r>
-              <a:rPr lang="ru-RU" sz="700" dirty="0" smtClean="0">
-                <a:latin typeface="Times New Roman" panose="02020603050405020304" pitchFamily="18" charset="0"/>
-                <a:cs typeface="Times New Roman" panose="02020603050405020304" pitchFamily="18" charset="0"/>
-              </a:rPr>
-              <a:t>Нет</a:t>
             </a:r>
             <a:endParaRPr lang="ru-RU" sz="700" dirty="0">
               <a:latin typeface="Times New Roman" panose="02020603050405020304" pitchFamily="18" charset="0"/>
@@ -18925,8 +18470,8 @@
         </p:nvSpPr>
         <p:spPr>
           <a:xfrm>
-            <a:off x="2254105" y="3226963"/>
-            <a:ext cx="948080" cy="282056"/>
+            <a:off x="5586953" y="1606387"/>
+            <a:ext cx="1111016" cy="405383"/>
           </a:xfrm>
           <a:prstGeom prst="flowChartProcess">
             <a:avLst/>
@@ -18974,8 +18519,8 @@
         </p:nvSpPr>
         <p:spPr>
           <a:xfrm>
-            <a:off x="4148036" y="3180420"/>
-            <a:ext cx="769135" cy="407083"/>
+            <a:off x="7548571" y="1606387"/>
+            <a:ext cx="1152964" cy="405383"/>
           </a:xfrm>
           <a:prstGeom prst="flowChartProcess">
             <a:avLst/>
@@ -19023,8 +18568,8 @@
         </p:nvSpPr>
         <p:spPr>
           <a:xfrm>
-            <a:off x="6315767" y="1837876"/>
-            <a:ext cx="855103" cy="213854"/>
+            <a:off x="2783519" y="1800541"/>
+            <a:ext cx="1326639" cy="310254"/>
           </a:xfrm>
           <a:prstGeom prst="flowChartProcess">
             <a:avLst/>
@@ -19064,78 +18609,6 @@
           </a:p>
         </p:txBody>
       </p:sp>
-      <p:cxnSp>
-        <p:nvCxnSpPr>
-          <p:cNvPr id="312" name="Прямая со стрелкой 311"/>
-          <p:cNvCxnSpPr>
-            <a:stCxn id="215" idx="2"/>
-            <a:endCxn id="311" idx="0"/>
-          </p:cNvCxnSpPr>
-          <p:nvPr/>
-        </p:nvCxnSpPr>
-        <p:spPr>
-          <a:xfrm>
-            <a:off x="6738888" y="1667834"/>
-            <a:ext cx="4431" cy="170042"/>
-          </a:xfrm>
-          <a:prstGeom prst="straightConnector1">
-            <a:avLst/>
-          </a:prstGeom>
-          <a:ln w="3175">
-            <a:tailEnd type="triangle"/>
-          </a:ln>
-        </p:spPr>
-        <p:style>
-          <a:lnRef idx="2">
-            <a:schemeClr val="dk1"/>
-          </a:lnRef>
-          <a:fillRef idx="1">
-            <a:schemeClr val="lt1"/>
-          </a:fillRef>
-          <a:effectRef idx="0">
-            <a:schemeClr val="dk1"/>
-          </a:effectRef>
-          <a:fontRef idx="minor">
-            <a:schemeClr val="dk1"/>
-          </a:fontRef>
-        </p:style>
-      </p:cxnSp>
-      <p:cxnSp>
-        <p:nvCxnSpPr>
-          <p:cNvPr id="313" name="Прямая со стрелкой 312"/>
-          <p:cNvCxnSpPr>
-            <a:stCxn id="311" idx="2"/>
-            <a:endCxn id="212" idx="0"/>
-          </p:cNvCxnSpPr>
-          <p:nvPr/>
-        </p:nvCxnSpPr>
-        <p:spPr>
-          <a:xfrm flipH="1">
-            <a:off x="6741096" y="2051730"/>
-            <a:ext cx="2223" cy="186471"/>
-          </a:xfrm>
-          <a:prstGeom prst="straightConnector1">
-            <a:avLst/>
-          </a:prstGeom>
-          <a:ln w="3175">
-            <a:tailEnd type="triangle"/>
-          </a:ln>
-        </p:spPr>
-        <p:style>
-          <a:lnRef idx="2">
-            <a:schemeClr val="dk1"/>
-          </a:lnRef>
-          <a:fillRef idx="1">
-            <a:schemeClr val="lt1"/>
-          </a:fillRef>
-          <a:effectRef idx="0">
-            <a:schemeClr val="dk1"/>
-          </a:effectRef>
-          <a:fontRef idx="minor">
-            <a:schemeClr val="dk1"/>
-          </a:fontRef>
-        </p:style>
-      </p:cxnSp>
       <p:cxnSp>
         <p:nvCxnSpPr>
           <p:cNvPr id="314" name="Соединительная линия уступом 313"/>
@@ -19147,8 +18620,8 @@
         </p:nvCxnSpPr>
         <p:spPr>
           <a:xfrm rot="10800000" flipV="1">
-            <a:off x="2728145" y="2699997"/>
-            <a:ext cx="362030" cy="526966"/>
+            <a:off x="6142462" y="1201885"/>
+            <a:ext cx="322723" cy="404501"/>
           </a:xfrm>
           <a:prstGeom prst="bentConnector2">
             <a:avLst/>
@@ -19180,8 +18653,8 @@
         </p:nvSpPr>
         <p:spPr>
           <a:xfrm>
-            <a:off x="4151466" y="4354997"/>
-            <a:ext cx="769135" cy="407083"/>
+            <a:off x="7550286" y="3272160"/>
+            <a:ext cx="1149534" cy="407083"/>
           </a:xfrm>
           <a:prstGeom prst="flowChartProcess">
             <a:avLst/>
@@ -19232,8 +18705,8 @@
         </p:nvCxnSpPr>
         <p:spPr>
           <a:xfrm>
-            <a:off x="4277039" y="2699997"/>
-            <a:ext cx="255565" cy="480423"/>
+            <a:off x="7791171" y="1201886"/>
+            <a:ext cx="333882" cy="404501"/>
           </a:xfrm>
           <a:prstGeom prst="bentConnector2">
             <a:avLst/>
@@ -20119,7 +19592,7 @@
                 <a:tabLst/>
               </a:pPr>
               <a:r>
-                <a:rPr kumimoji="0" lang="uk-UA" sz="800" b="0" i="1" u="none" strike="noStrike" cap="none" normalizeH="0" baseline="0" dirty="0" smtClean="0">
+                <a:rPr kumimoji="0" lang="uk-UA" sz="700" b="0" i="1" u="none" strike="noStrike" cap="none" normalizeH="0" baseline="0" dirty="0" smtClean="0">
                   <a:ln>
                     <a:noFill/>
                   </a:ln>
@@ -20196,7 +19669,7 @@
                 <a:tabLst/>
               </a:pPr>
               <a:r>
-                <a:rPr kumimoji="0" lang="uk-UA" sz="800" b="0" i="1" u="none" strike="noStrike" cap="none" normalizeH="0" baseline="0" dirty="0" smtClean="0">
+                <a:rPr kumimoji="0" lang="uk-UA" sz="700" b="0" i="1" u="none" strike="noStrike" cap="none" normalizeH="0" baseline="0" dirty="0" smtClean="0">
                   <a:ln>
                     <a:noFill/>
                   </a:ln>
@@ -20368,7 +19841,14 @@
                   <a:latin typeface="ISOCPEUR" charset="0"/>
                   <a:cs typeface="Arial" pitchFamily="34" charset="0"/>
                 </a:rPr>
-                <a:t> РБД</a:t>
+                <a:t> </a:t>
+              </a:r>
+              <a:r>
+                <a:rPr lang="uk-UA" sz="800" i="1" dirty="0" smtClean="0">
+                  <a:latin typeface="ISOCPEUR" charset="0"/>
+                  <a:cs typeface="Arial" pitchFamily="34" charset="0"/>
+                </a:rPr>
+                <a:t>ФО</a:t>
               </a:r>
               <a:endParaRPr kumimoji="0" lang="ru-RU" sz="800" b="0" i="0" u="none" strike="noStrike" cap="none" normalizeH="0" baseline="0" dirty="0" smtClean="0">
                 <a:ln>
@@ -21301,7 +20781,7 @@
                   <a:latin typeface="Courier New" pitchFamily="49" charset="0"/>
                   <a:cs typeface="Courier New" pitchFamily="49" charset="0"/>
                 </a:rPr>
-                <a:t>Программный модуль репликации баз данных из одной СУБД в другую</a:t>
+                <a:t>Программный модуль проведения финансовых операций</a:t>
               </a:r>
               <a:endParaRPr kumimoji="0" lang="ru-RU" sz="800" b="0" i="0" u="none" strike="noStrike" cap="none" normalizeH="0" baseline="0" dirty="0" smtClean="0">
                 <a:ln>
@@ -22560,225 +22040,6 @@
           </p:txBody>
         </p:sp>
       </p:grpSp>
-      <p:cxnSp>
-        <p:nvCxnSpPr>
-          <p:cNvPr id="320" name="Прямая со стрелкой 319"/>
-          <p:cNvCxnSpPr>
-            <a:stCxn id="255" idx="2"/>
-            <a:endCxn id="259" idx="0"/>
-          </p:cNvCxnSpPr>
-          <p:nvPr/>
-        </p:nvCxnSpPr>
-        <p:spPr>
-          <a:xfrm>
-            <a:off x="6739937" y="4044431"/>
-            <a:ext cx="2336" cy="129758"/>
-          </a:xfrm>
-          <a:prstGeom prst="straightConnector1">
-            <a:avLst/>
-          </a:prstGeom>
-          <a:ln w="3175">
-            <a:tailEnd type="triangle"/>
-          </a:ln>
-        </p:spPr>
-        <p:style>
-          <a:lnRef idx="2">
-            <a:schemeClr val="dk1"/>
-          </a:lnRef>
-          <a:fillRef idx="1">
-            <a:schemeClr val="lt1"/>
-          </a:fillRef>
-          <a:effectRef idx="0">
-            <a:schemeClr val="dk1"/>
-          </a:effectRef>
-          <a:fontRef idx="minor">
-            <a:schemeClr val="dk1"/>
-          </a:fontRef>
-        </p:style>
-      </p:cxnSp>
-      <p:cxnSp>
-        <p:nvCxnSpPr>
-          <p:cNvPr id="336" name="Прямая со стрелкой 335"/>
-          <p:cNvCxnSpPr>
-            <a:stCxn id="213" idx="2"/>
-            <a:endCxn id="254" idx="0"/>
-          </p:cNvCxnSpPr>
-          <p:nvPr/>
-        </p:nvCxnSpPr>
-        <p:spPr>
-          <a:xfrm>
-            <a:off x="6738888" y="3173517"/>
-            <a:ext cx="2208" cy="150200"/>
-          </a:xfrm>
-          <a:prstGeom prst="straightConnector1">
-            <a:avLst/>
-          </a:prstGeom>
-          <a:ln w="3175">
-            <a:tailEnd type="triangle"/>
-          </a:ln>
-        </p:spPr>
-        <p:style>
-          <a:lnRef idx="2">
-            <a:schemeClr val="dk1"/>
-          </a:lnRef>
-          <a:fillRef idx="1">
-            <a:schemeClr val="lt1"/>
-          </a:fillRef>
-          <a:effectRef idx="0">
-            <a:schemeClr val="dk1"/>
-          </a:effectRef>
-          <a:fontRef idx="minor">
-            <a:schemeClr val="dk1"/>
-          </a:fontRef>
-        </p:style>
-      </p:cxnSp>
-      <p:cxnSp>
-        <p:nvCxnSpPr>
-          <p:cNvPr id="352" name="Соединительная линия уступом 351"/>
-          <p:cNvCxnSpPr>
-            <a:stCxn id="261" idx="1"/>
-            <a:endCxn id="270" idx="0"/>
-          </p:cNvCxnSpPr>
-          <p:nvPr/>
-        </p:nvCxnSpPr>
-        <p:spPr>
-          <a:xfrm rot="10800000">
-            <a:off x="3683607" y="2508771"/>
-            <a:ext cx="2465232" cy="2364335"/>
-          </a:xfrm>
-          <a:prstGeom prst="bentConnector4">
-            <a:avLst>
-              <a:gd name="adj1" fmla="val 37964"/>
-              <a:gd name="adj2" fmla="val 109669"/>
-            </a:avLst>
-          </a:prstGeom>
-          <a:ln w="3175">
-            <a:tailEnd type="triangle"/>
-          </a:ln>
-        </p:spPr>
-        <p:style>
-          <a:lnRef idx="2">
-            <a:schemeClr val="dk1"/>
-          </a:lnRef>
-          <a:fillRef idx="1">
-            <a:schemeClr val="lt1"/>
-          </a:fillRef>
-          <a:effectRef idx="0">
-            <a:schemeClr val="dk1"/>
-          </a:effectRef>
-          <a:fontRef idx="minor">
-            <a:schemeClr val="dk1"/>
-          </a:fontRef>
-        </p:style>
-      </p:cxnSp>
-      <p:cxnSp>
-        <p:nvCxnSpPr>
-          <p:cNvPr id="367" name="Прямая со стрелкой 366"/>
-          <p:cNvCxnSpPr>
-            <a:stCxn id="273" idx="2"/>
-            <a:endCxn id="253" idx="0"/>
-          </p:cNvCxnSpPr>
-          <p:nvPr/>
-        </p:nvCxnSpPr>
-        <p:spPr>
-          <a:xfrm flipH="1">
-            <a:off x="2727083" y="3509019"/>
-            <a:ext cx="1062" cy="845978"/>
-          </a:xfrm>
-          <a:prstGeom prst="straightConnector1">
-            <a:avLst/>
-          </a:prstGeom>
-          <a:ln w="3175">
-            <a:tailEnd type="triangle"/>
-          </a:ln>
-        </p:spPr>
-        <p:style>
-          <a:lnRef idx="2">
-            <a:schemeClr val="dk1"/>
-          </a:lnRef>
-          <a:fillRef idx="1">
-            <a:schemeClr val="lt1"/>
-          </a:fillRef>
-          <a:effectRef idx="0">
-            <a:schemeClr val="dk1"/>
-          </a:effectRef>
-          <a:fontRef idx="minor">
-            <a:schemeClr val="dk1"/>
-          </a:fontRef>
-        </p:style>
-      </p:cxnSp>
-      <p:cxnSp>
-        <p:nvCxnSpPr>
-          <p:cNvPr id="374" name="Прямая со стрелкой 373"/>
-          <p:cNvCxnSpPr>
-            <a:stCxn id="253" idx="3"/>
-            <a:endCxn id="317" idx="1"/>
-          </p:cNvCxnSpPr>
-          <p:nvPr/>
-        </p:nvCxnSpPr>
-        <p:spPr>
-          <a:xfrm>
-            <a:off x="3111650" y="4558539"/>
-            <a:ext cx="1039816" cy="0"/>
-          </a:xfrm>
-          <a:prstGeom prst="straightConnector1">
-            <a:avLst/>
-          </a:prstGeom>
-          <a:ln w="3175">
-            <a:tailEnd type="triangle"/>
-          </a:ln>
-        </p:spPr>
-        <p:style>
-          <a:lnRef idx="2">
-            <a:schemeClr val="dk1"/>
-          </a:lnRef>
-          <a:fillRef idx="1">
-            <a:schemeClr val="lt1"/>
-          </a:fillRef>
-          <a:effectRef idx="0">
-            <a:schemeClr val="dk1"/>
-          </a:effectRef>
-          <a:fontRef idx="minor">
-            <a:schemeClr val="dk1"/>
-          </a:fontRef>
-        </p:style>
-      </p:cxnSp>
-      <p:cxnSp>
-        <p:nvCxnSpPr>
-          <p:cNvPr id="380" name="Прямая со стрелкой 379"/>
-          <p:cNvCxnSpPr>
-            <a:stCxn id="278" idx="2"/>
-            <a:endCxn id="317" idx="0"/>
-          </p:cNvCxnSpPr>
-          <p:nvPr/>
-        </p:nvCxnSpPr>
-        <p:spPr>
-          <a:xfrm>
-            <a:off x="4532604" y="3587503"/>
-            <a:ext cx="3430" cy="767494"/>
-          </a:xfrm>
-          <a:prstGeom prst="straightConnector1">
-            <a:avLst/>
-          </a:prstGeom>
-          <a:ln w="3175">
-            <a:tailEnd type="triangle"/>
-          </a:ln>
-        </p:spPr>
-        <p:style>
-          <a:lnRef idx="2">
-            <a:schemeClr val="dk1"/>
-          </a:lnRef>
-          <a:fillRef idx="1">
-            <a:schemeClr val="lt1"/>
-          </a:fillRef>
-          <a:effectRef idx="0">
-            <a:schemeClr val="dk1"/>
-          </a:effectRef>
-          <a:fontRef idx="minor">
-            <a:schemeClr val="dk1"/>
-          </a:fontRef>
-        </p:style>
-      </p:cxnSp>
       <p:sp>
         <p:nvSpPr>
           <p:cNvPr id="385" name="TextBox 384"/>
@@ -22787,7 +22048,7 @@
         </p:nvSpPr>
         <p:spPr>
           <a:xfrm>
-            <a:off x="5923059" y="4639158"/>
+            <a:off x="2595832" y="4663721"/>
             <a:ext cx="285656" cy="200055"/>
           </a:xfrm>
           <a:prstGeom prst="rect">
@@ -22823,110 +22084,6 @@
                 <a:cs typeface="Times New Roman" panose="02020603050405020304" pitchFamily="18" charset="0"/>
               </a:rPr>
               <a:t>Да</a:t>
-            </a:r>
-            <a:endParaRPr lang="ru-RU" sz="700" dirty="0">
-              <a:latin typeface="Times New Roman" panose="02020603050405020304" pitchFamily="18" charset="0"/>
-              <a:cs typeface="Times New Roman" panose="02020603050405020304" pitchFamily="18" charset="0"/>
-            </a:endParaRPr>
-          </a:p>
-        </p:txBody>
-      </p:sp>
-      <p:sp>
-        <p:nvSpPr>
-          <p:cNvPr id="386" name="TextBox 385"/>
-          <p:cNvSpPr txBox="1"/>
-          <p:nvPr/>
-        </p:nvSpPr>
-        <p:spPr>
-          <a:xfrm>
-            <a:off x="2979915" y="2417273"/>
-            <a:ext cx="285656" cy="200055"/>
-          </a:xfrm>
-          <a:prstGeom prst="rect">
-            <a:avLst/>
-          </a:prstGeom>
-          <a:ln w="3175">
-            <a:noFill/>
-          </a:ln>
-        </p:spPr>
-        <p:style>
-          <a:lnRef idx="2">
-            <a:schemeClr val="dk1"/>
-          </a:lnRef>
-          <a:fillRef idx="1">
-            <a:schemeClr val="lt1"/>
-          </a:fillRef>
-          <a:effectRef idx="0">
-            <a:schemeClr val="dk1"/>
-          </a:effectRef>
-          <a:fontRef idx="minor">
-            <a:schemeClr val="dk1"/>
-          </a:fontRef>
-        </p:style>
-        <p:txBody>
-          <a:bodyPr wrap="none" rtlCol="0">
-            <a:spAutoFit/>
-          </a:bodyPr>
-          <a:lstStyle/>
-          <a:p>
-            <a:r>
-              <a:rPr lang="ru-RU" sz="700" dirty="0" smtClean="0">
-                <a:latin typeface="Times New Roman" panose="02020603050405020304" pitchFamily="18" charset="0"/>
-                <a:cs typeface="Times New Roman" panose="02020603050405020304" pitchFamily="18" charset="0"/>
-              </a:rPr>
-              <a:t>Да</a:t>
-            </a:r>
-            <a:endParaRPr lang="ru-RU" sz="700" dirty="0">
-              <a:latin typeface="Times New Roman" panose="02020603050405020304" pitchFamily="18" charset="0"/>
-              <a:cs typeface="Times New Roman" panose="02020603050405020304" pitchFamily="18" charset="0"/>
-            </a:endParaRPr>
-          </a:p>
-        </p:txBody>
-      </p:sp>
-      <p:sp>
-        <p:nvSpPr>
-          <p:cNvPr id="387" name="TextBox 386"/>
-          <p:cNvSpPr txBox="1"/>
-          <p:nvPr/>
-        </p:nvSpPr>
-        <p:spPr>
-          <a:xfrm>
-            <a:off x="4103815" y="2426205"/>
-            <a:ext cx="327334" cy="200055"/>
-          </a:xfrm>
-          <a:prstGeom prst="rect">
-            <a:avLst/>
-          </a:prstGeom>
-          <a:ln w="3175">
-            <a:noFill/>
-          </a:ln>
-        </p:spPr>
-        <p:style>
-          <a:lnRef idx="2">
-            <a:schemeClr val="dk1"/>
-          </a:lnRef>
-          <a:fillRef idx="1">
-            <a:schemeClr val="lt1"/>
-          </a:fillRef>
-          <a:effectRef idx="0">
-            <a:schemeClr val="dk1"/>
-          </a:effectRef>
-          <a:fontRef idx="minor">
-            <a:schemeClr val="dk1"/>
-          </a:fontRef>
-        </p:style>
-        <p:txBody>
-          <a:bodyPr wrap="none" rtlCol="0">
-            <a:spAutoFit/>
-          </a:bodyPr>
-          <a:lstStyle/>
-          <a:p>
-            <a:r>
-              <a:rPr lang="ru-RU" sz="700" dirty="0" smtClean="0">
-                <a:latin typeface="Times New Roman" panose="02020603050405020304" pitchFamily="18" charset="0"/>
-                <a:cs typeface="Times New Roman" panose="02020603050405020304" pitchFamily="18" charset="0"/>
-              </a:rPr>
-              <a:t>Нет</a:t>
             </a:r>
             <a:endParaRPr lang="ru-RU" sz="700" dirty="0">
               <a:latin typeface="Times New Roman" panose="02020603050405020304" pitchFamily="18" charset="0"/>
@@ -23028,85 +22185,6 @@
           </a:p>
         </p:txBody>
       </p:sp>
-      <p:cxnSp>
-        <p:nvCxnSpPr>
-          <p:cNvPr id="176" name="Прямая со стрелкой 175"/>
-          <p:cNvCxnSpPr>
-            <a:stCxn id="213" idx="3"/>
-            <a:endCxn id="246" idx="1"/>
-          </p:cNvCxnSpPr>
-          <p:nvPr/>
-        </p:nvCxnSpPr>
-        <p:spPr>
-          <a:xfrm>
-            <a:off x="7581294" y="2934836"/>
-            <a:ext cx="280591" cy="0"/>
-          </a:xfrm>
-          <a:prstGeom prst="straightConnector1">
-            <a:avLst/>
-          </a:prstGeom>
-          <a:ln w="3175">
-            <a:tailEnd type="triangle"/>
-          </a:ln>
-        </p:spPr>
-        <p:style>
-          <a:lnRef idx="2">
-            <a:schemeClr val="dk1"/>
-          </a:lnRef>
-          <a:fillRef idx="1">
-            <a:schemeClr val="lt1"/>
-          </a:fillRef>
-          <a:effectRef idx="0">
-            <a:schemeClr val="dk1"/>
-          </a:effectRef>
-          <a:fontRef idx="minor">
-            <a:schemeClr val="dk1"/>
-          </a:fontRef>
-        </p:style>
-      </p:cxnSp>
-      <p:sp>
-        <p:nvSpPr>
-          <p:cNvPr id="146" name="Овал 145"/>
-          <p:cNvSpPr/>
-          <p:nvPr/>
-        </p:nvSpPr>
-        <p:spPr>
-          <a:xfrm>
-            <a:off x="8590284" y="230394"/>
-            <a:ext cx="360040" cy="360040"/>
-          </a:xfrm>
-          <a:prstGeom prst="ellipse">
-            <a:avLst/>
-          </a:prstGeom>
-          <a:ln w="12700"/>
-        </p:spPr>
-        <p:style>
-          <a:lnRef idx="2">
-            <a:schemeClr val="dk1"/>
-          </a:lnRef>
-          <a:fillRef idx="1">
-            <a:schemeClr val="lt1"/>
-          </a:fillRef>
-          <a:effectRef idx="0">
-            <a:schemeClr val="dk1"/>
-          </a:effectRef>
-          <a:fontRef idx="minor">
-            <a:schemeClr val="dk1"/>
-          </a:fontRef>
-        </p:style>
-        <p:txBody>
-          <a:bodyPr rtlCol="0" anchor="ctr"/>
-          <a:lstStyle/>
-          <a:p>
-            <a:pPr algn="ctr"/>
-            <a:r>
-              <a:rPr lang="ru-RU" dirty="0" smtClean="0"/>
-              <a:t>6</a:t>
-            </a:r>
-            <a:endParaRPr lang="ru-RU" dirty="0"/>
-          </a:p>
-        </p:txBody>
-      </p:sp>
       <p:sp>
         <p:nvSpPr>
           <p:cNvPr id="28" name="Блок-схема: процесс 27"/>
@@ -23143,7 +22221,7 @@
           <a:p>
             <a:pPr algn="ctr"/>
             <a:r>
-              <a:rPr lang="ru-RU" sz="900" dirty="0">
+              <a:rPr lang="ru-RU" sz="800" dirty="0">
                 <a:latin typeface="Times New Roman" panose="02020603050405020304" pitchFamily="18" charset="0"/>
                 <a:cs typeface="Times New Roman" panose="02020603050405020304" pitchFamily="18" charset="0"/>
               </a:rPr>
@@ -23152,6 +22230,1042 @@
           </a:p>
         </p:txBody>
       </p:sp>
+      <p:cxnSp>
+        <p:nvCxnSpPr>
+          <p:cNvPr id="125" name="Прямая соединительная линия 124"/>
+          <p:cNvCxnSpPr>
+            <a:stCxn id="182" idx="2"/>
+            <a:endCxn id="183" idx="0"/>
+          </p:cNvCxnSpPr>
+          <p:nvPr/>
+        </p:nvCxnSpPr>
+        <p:spPr>
+          <a:xfrm>
+            <a:off x="1115358" y="752460"/>
+            <a:ext cx="1292" cy="220352"/>
+          </a:xfrm>
+          <a:prstGeom prst="line">
+            <a:avLst/>
+          </a:prstGeom>
+          <a:ln w="3175"/>
+        </p:spPr>
+        <p:style>
+          <a:lnRef idx="1">
+            <a:schemeClr val="dk1"/>
+          </a:lnRef>
+          <a:fillRef idx="0">
+            <a:schemeClr val="dk1"/>
+          </a:fillRef>
+          <a:effectRef idx="0">
+            <a:schemeClr val="dk1"/>
+          </a:effectRef>
+          <a:fontRef idx="minor">
+            <a:schemeClr val="tx1"/>
+          </a:fontRef>
+        </p:style>
+      </p:cxnSp>
+      <p:cxnSp>
+        <p:nvCxnSpPr>
+          <p:cNvPr id="127" name="Прямая соединительная линия 126"/>
+          <p:cNvCxnSpPr>
+            <a:stCxn id="183" idx="2"/>
+            <a:endCxn id="28" idx="0"/>
+          </p:cNvCxnSpPr>
+          <p:nvPr/>
+        </p:nvCxnSpPr>
+        <p:spPr>
+          <a:xfrm flipH="1">
+            <a:off x="1115358" y="1332852"/>
+            <a:ext cx="1292" cy="277696"/>
+          </a:xfrm>
+          <a:prstGeom prst="line">
+            <a:avLst/>
+          </a:prstGeom>
+          <a:ln w="3175"/>
+        </p:spPr>
+        <p:style>
+          <a:lnRef idx="1">
+            <a:schemeClr val="dk1"/>
+          </a:lnRef>
+          <a:fillRef idx="0">
+            <a:schemeClr val="dk1"/>
+          </a:fillRef>
+          <a:effectRef idx="0">
+            <a:schemeClr val="dk1"/>
+          </a:effectRef>
+          <a:fontRef idx="minor">
+            <a:schemeClr val="tx1"/>
+          </a:fontRef>
+        </p:style>
+      </p:cxnSp>
+      <p:cxnSp>
+        <p:nvCxnSpPr>
+          <p:cNvPr id="130" name="Прямая соединительная линия 129"/>
+          <p:cNvCxnSpPr>
+            <a:stCxn id="28" idx="2"/>
+            <a:endCxn id="185" idx="0"/>
+          </p:cNvCxnSpPr>
+          <p:nvPr/>
+        </p:nvCxnSpPr>
+        <p:spPr>
+          <a:xfrm>
+            <a:off x="1115358" y="2027604"/>
+            <a:ext cx="1292" cy="253149"/>
+          </a:xfrm>
+          <a:prstGeom prst="line">
+            <a:avLst/>
+          </a:prstGeom>
+          <a:ln w="3175"/>
+        </p:spPr>
+        <p:style>
+          <a:lnRef idx="1">
+            <a:schemeClr val="dk1"/>
+          </a:lnRef>
+          <a:fillRef idx="0">
+            <a:schemeClr val="dk1"/>
+          </a:fillRef>
+          <a:effectRef idx="0">
+            <a:schemeClr val="dk1"/>
+          </a:effectRef>
+          <a:fontRef idx="minor">
+            <a:schemeClr val="tx1"/>
+          </a:fontRef>
+        </p:style>
+      </p:cxnSp>
+      <p:cxnSp>
+        <p:nvCxnSpPr>
+          <p:cNvPr id="134" name="Прямая соединительная линия 133"/>
+          <p:cNvCxnSpPr>
+            <a:stCxn id="185" idx="2"/>
+            <a:endCxn id="195" idx="0"/>
+          </p:cNvCxnSpPr>
+          <p:nvPr/>
+        </p:nvCxnSpPr>
+        <p:spPr>
+          <a:xfrm flipH="1">
+            <a:off x="1115357" y="2681125"/>
+            <a:ext cx="1293" cy="173389"/>
+          </a:xfrm>
+          <a:prstGeom prst="line">
+            <a:avLst/>
+          </a:prstGeom>
+          <a:ln w="3175"/>
+        </p:spPr>
+        <p:style>
+          <a:lnRef idx="1">
+            <a:schemeClr val="dk1"/>
+          </a:lnRef>
+          <a:fillRef idx="0">
+            <a:schemeClr val="dk1"/>
+          </a:fillRef>
+          <a:effectRef idx="0">
+            <a:schemeClr val="dk1"/>
+          </a:effectRef>
+          <a:fontRef idx="minor">
+            <a:schemeClr val="tx1"/>
+          </a:fontRef>
+        </p:style>
+      </p:cxnSp>
+      <p:cxnSp>
+        <p:nvCxnSpPr>
+          <p:cNvPr id="128" name="Прямая соединительная линия 127"/>
+          <p:cNvCxnSpPr>
+            <a:stCxn id="207" idx="2"/>
+            <a:endCxn id="215" idx="0"/>
+          </p:cNvCxnSpPr>
+          <p:nvPr/>
+        </p:nvCxnSpPr>
+        <p:spPr>
+          <a:xfrm>
+            <a:off x="3441697" y="1232823"/>
+            <a:ext cx="2069" cy="62114"/>
+          </a:xfrm>
+          <a:prstGeom prst="line">
+            <a:avLst/>
+          </a:prstGeom>
+          <a:ln w="3175"/>
+        </p:spPr>
+        <p:style>
+          <a:lnRef idx="1">
+            <a:schemeClr val="dk1"/>
+          </a:lnRef>
+          <a:fillRef idx="0">
+            <a:schemeClr val="dk1"/>
+          </a:fillRef>
+          <a:effectRef idx="0">
+            <a:schemeClr val="dk1"/>
+          </a:effectRef>
+          <a:fontRef idx="minor">
+            <a:schemeClr val="tx1"/>
+          </a:fontRef>
+        </p:style>
+      </p:cxnSp>
+      <p:cxnSp>
+        <p:nvCxnSpPr>
+          <p:cNvPr id="142" name="Прямая соединительная линия 141"/>
+          <p:cNvCxnSpPr>
+            <a:stCxn id="215" idx="2"/>
+            <a:endCxn id="311" idx="0"/>
+          </p:cNvCxnSpPr>
+          <p:nvPr/>
+        </p:nvCxnSpPr>
+        <p:spPr>
+          <a:xfrm>
+            <a:off x="3443766" y="1688206"/>
+            <a:ext cx="3073" cy="112335"/>
+          </a:xfrm>
+          <a:prstGeom prst="line">
+            <a:avLst/>
+          </a:prstGeom>
+          <a:ln w="3175"/>
+        </p:spPr>
+        <p:style>
+          <a:lnRef idx="1">
+            <a:schemeClr val="dk1"/>
+          </a:lnRef>
+          <a:fillRef idx="0">
+            <a:schemeClr val="dk1"/>
+          </a:fillRef>
+          <a:effectRef idx="0">
+            <a:schemeClr val="dk1"/>
+          </a:effectRef>
+          <a:fontRef idx="minor">
+            <a:schemeClr val="tx1"/>
+          </a:fontRef>
+        </p:style>
+      </p:cxnSp>
+      <p:cxnSp>
+        <p:nvCxnSpPr>
+          <p:cNvPr id="143" name="Прямая соединительная линия 142"/>
+          <p:cNvCxnSpPr>
+            <a:stCxn id="311" idx="2"/>
+            <a:endCxn id="212" idx="0"/>
+          </p:cNvCxnSpPr>
+          <p:nvPr/>
+        </p:nvCxnSpPr>
+        <p:spPr>
+          <a:xfrm>
+            <a:off x="3446839" y="2110795"/>
+            <a:ext cx="0" cy="83774"/>
+          </a:xfrm>
+          <a:prstGeom prst="line">
+            <a:avLst/>
+          </a:prstGeom>
+          <a:ln w="3175"/>
+        </p:spPr>
+        <p:style>
+          <a:lnRef idx="1">
+            <a:schemeClr val="dk1"/>
+          </a:lnRef>
+          <a:fillRef idx="0">
+            <a:schemeClr val="dk1"/>
+          </a:fillRef>
+          <a:effectRef idx="0">
+            <a:schemeClr val="dk1"/>
+          </a:effectRef>
+          <a:fontRef idx="minor">
+            <a:schemeClr val="tx1"/>
+          </a:fontRef>
+        </p:style>
+      </p:cxnSp>
+      <p:cxnSp>
+        <p:nvCxnSpPr>
+          <p:cNvPr id="144" name="Прямая соединительная линия 143"/>
+          <p:cNvCxnSpPr>
+            <a:stCxn id="213" idx="2"/>
+            <a:endCxn id="254" idx="0"/>
+          </p:cNvCxnSpPr>
+          <p:nvPr/>
+        </p:nvCxnSpPr>
+        <p:spPr>
+          <a:xfrm flipH="1">
+            <a:off x="3447683" y="3127414"/>
+            <a:ext cx="2069" cy="188943"/>
+          </a:xfrm>
+          <a:prstGeom prst="line">
+            <a:avLst/>
+          </a:prstGeom>
+          <a:ln w="3175"/>
+        </p:spPr>
+        <p:style>
+          <a:lnRef idx="1">
+            <a:schemeClr val="dk1"/>
+          </a:lnRef>
+          <a:fillRef idx="0">
+            <a:schemeClr val="dk1"/>
+          </a:fillRef>
+          <a:effectRef idx="0">
+            <a:schemeClr val="dk1"/>
+          </a:effectRef>
+          <a:fontRef idx="minor">
+            <a:schemeClr val="tx1"/>
+          </a:fontRef>
+        </p:style>
+      </p:cxnSp>
+      <p:cxnSp>
+        <p:nvCxnSpPr>
+          <p:cNvPr id="145" name="Прямая соединительная линия 144"/>
+          <p:cNvCxnSpPr>
+            <a:stCxn id="212" idx="2"/>
+            <a:endCxn id="213" idx="0"/>
+          </p:cNvCxnSpPr>
+          <p:nvPr/>
+        </p:nvCxnSpPr>
+        <p:spPr>
+          <a:xfrm>
+            <a:off x="3446839" y="2530794"/>
+            <a:ext cx="2913" cy="95250"/>
+          </a:xfrm>
+          <a:prstGeom prst="line">
+            <a:avLst/>
+          </a:prstGeom>
+          <a:ln w="3175"/>
+        </p:spPr>
+        <p:style>
+          <a:lnRef idx="1">
+            <a:schemeClr val="dk1"/>
+          </a:lnRef>
+          <a:fillRef idx="0">
+            <a:schemeClr val="dk1"/>
+          </a:fillRef>
+          <a:effectRef idx="0">
+            <a:schemeClr val="dk1"/>
+          </a:effectRef>
+          <a:fontRef idx="minor">
+            <a:schemeClr val="tx1"/>
+          </a:fontRef>
+        </p:style>
+      </p:cxnSp>
+      <p:cxnSp>
+        <p:nvCxnSpPr>
+          <p:cNvPr id="155" name="Прямая соединительная линия 154"/>
+          <p:cNvCxnSpPr>
+            <a:stCxn id="254" idx="2"/>
+            <a:endCxn id="255" idx="0"/>
+          </p:cNvCxnSpPr>
+          <p:nvPr/>
+        </p:nvCxnSpPr>
+        <p:spPr>
+          <a:xfrm>
+            <a:off x="3447683" y="3647103"/>
+            <a:ext cx="0" cy="146730"/>
+          </a:xfrm>
+          <a:prstGeom prst="line">
+            <a:avLst/>
+          </a:prstGeom>
+          <a:ln w="3175"/>
+        </p:spPr>
+        <p:style>
+          <a:lnRef idx="1">
+            <a:schemeClr val="dk1"/>
+          </a:lnRef>
+          <a:fillRef idx="0">
+            <a:schemeClr val="dk1"/>
+          </a:fillRef>
+          <a:effectRef idx="0">
+            <a:schemeClr val="dk1"/>
+          </a:effectRef>
+          <a:fontRef idx="minor">
+            <a:schemeClr val="tx1"/>
+          </a:fontRef>
+        </p:style>
+      </p:cxnSp>
+      <p:cxnSp>
+        <p:nvCxnSpPr>
+          <p:cNvPr id="158" name="Прямая соединительная линия 157"/>
+          <p:cNvCxnSpPr>
+            <a:stCxn id="255" idx="2"/>
+            <a:endCxn id="259" idx="0"/>
+          </p:cNvCxnSpPr>
+          <p:nvPr/>
+        </p:nvCxnSpPr>
+        <p:spPr>
+          <a:xfrm>
+            <a:off x="3447683" y="4122162"/>
+            <a:ext cx="0" cy="106992"/>
+          </a:xfrm>
+          <a:prstGeom prst="line">
+            <a:avLst/>
+          </a:prstGeom>
+          <a:ln w="3175"/>
+        </p:spPr>
+        <p:style>
+          <a:lnRef idx="1">
+            <a:schemeClr val="dk1"/>
+          </a:lnRef>
+          <a:fillRef idx="0">
+            <a:schemeClr val="dk1"/>
+          </a:fillRef>
+          <a:effectRef idx="0">
+            <a:schemeClr val="dk1"/>
+          </a:effectRef>
+          <a:fontRef idx="minor">
+            <a:schemeClr val="tx1"/>
+          </a:fontRef>
+        </p:style>
+      </p:cxnSp>
+      <p:cxnSp>
+        <p:nvCxnSpPr>
+          <p:cNvPr id="167" name="Прямая соединительная линия 166"/>
+          <p:cNvCxnSpPr>
+            <a:stCxn id="259" idx="2"/>
+            <a:endCxn id="261" idx="0"/>
+          </p:cNvCxnSpPr>
+          <p:nvPr/>
+        </p:nvCxnSpPr>
+        <p:spPr>
+          <a:xfrm flipH="1">
+            <a:off x="3447383" y="4554849"/>
+            <a:ext cx="300" cy="159606"/>
+          </a:xfrm>
+          <a:prstGeom prst="line">
+            <a:avLst/>
+          </a:prstGeom>
+          <a:ln w="3175"/>
+        </p:spPr>
+        <p:style>
+          <a:lnRef idx="1">
+            <a:schemeClr val="dk1"/>
+          </a:lnRef>
+          <a:fillRef idx="0">
+            <a:schemeClr val="dk1"/>
+          </a:fillRef>
+          <a:effectRef idx="0">
+            <a:schemeClr val="dk1"/>
+          </a:effectRef>
+          <a:fontRef idx="minor">
+            <a:schemeClr val="tx1"/>
+          </a:fontRef>
+        </p:style>
+      </p:cxnSp>
+      <p:sp>
+        <p:nvSpPr>
+          <p:cNvPr id="261" name="Блок-схема: решение 260"/>
+          <p:cNvSpPr/>
+          <p:nvPr/>
+        </p:nvSpPr>
+        <p:spPr>
+          <a:xfrm>
+            <a:off x="2783059" y="4714455"/>
+            <a:ext cx="1328648" cy="410608"/>
+          </a:xfrm>
+          <a:prstGeom prst="flowChartDecision">
+            <a:avLst/>
+          </a:prstGeom>
+          <a:ln w="3175"/>
+        </p:spPr>
+        <p:style>
+          <a:lnRef idx="2">
+            <a:schemeClr val="dk1"/>
+          </a:lnRef>
+          <a:fillRef idx="1">
+            <a:schemeClr val="lt1"/>
+          </a:fillRef>
+          <a:effectRef idx="0">
+            <a:schemeClr val="dk1"/>
+          </a:effectRef>
+          <a:fontRef idx="minor">
+            <a:schemeClr val="dk1"/>
+          </a:fontRef>
+        </p:style>
+        <p:txBody>
+          <a:bodyPr rtlCol="0" anchor="ctr"/>
+          <a:lstStyle/>
+          <a:p>
+            <a:pPr algn="ctr"/>
+            <a:r>
+              <a:rPr lang="en-US" sz="700" dirty="0" smtClean="0">
+                <a:latin typeface="Times New Roman" panose="02020603050405020304" pitchFamily="18" charset="0"/>
+                <a:cs typeface="Times New Roman" panose="02020603050405020304" pitchFamily="18" charset="0"/>
+              </a:rPr>
+              <a:t>CVM</a:t>
+            </a:r>
+            <a:endParaRPr lang="ru-RU" sz="700" dirty="0" smtClean="0">
+              <a:latin typeface="Times New Roman" panose="02020603050405020304" pitchFamily="18" charset="0"/>
+              <a:cs typeface="Times New Roman" panose="02020603050405020304" pitchFamily="18" charset="0"/>
+            </a:endParaRPr>
+          </a:p>
+          <a:p>
+            <a:pPr algn="ctr"/>
+            <a:r>
+              <a:rPr lang="ru-RU" sz="700" dirty="0" smtClean="0">
+                <a:latin typeface="Times New Roman" panose="02020603050405020304" pitchFamily="18" charset="0"/>
+                <a:cs typeface="Times New Roman" panose="02020603050405020304" pitchFamily="18" charset="0"/>
+              </a:rPr>
+              <a:t>Пройден?</a:t>
+            </a:r>
+            <a:endParaRPr lang="ru-RU" sz="700" dirty="0">
+              <a:latin typeface="Times New Roman" panose="02020603050405020304" pitchFamily="18" charset="0"/>
+              <a:cs typeface="Times New Roman" panose="02020603050405020304" pitchFamily="18" charset="0"/>
+            </a:endParaRPr>
+          </a:p>
+        </p:txBody>
+      </p:sp>
+      <p:cxnSp>
+        <p:nvCxnSpPr>
+          <p:cNvPr id="393" name="Прямая соединительная линия 392"/>
+          <p:cNvCxnSpPr>
+            <a:stCxn id="205" idx="4"/>
+            <a:endCxn id="207" idx="0"/>
+          </p:cNvCxnSpPr>
+          <p:nvPr/>
+        </p:nvCxnSpPr>
+        <p:spPr>
+          <a:xfrm flipH="1">
+            <a:off x="3441697" y="557563"/>
+            <a:ext cx="2067" cy="178977"/>
+          </a:xfrm>
+          <a:prstGeom prst="line">
+            <a:avLst/>
+          </a:prstGeom>
+          <a:ln w="3175"/>
+        </p:spPr>
+        <p:style>
+          <a:lnRef idx="1">
+            <a:schemeClr val="dk1"/>
+          </a:lnRef>
+          <a:fillRef idx="0">
+            <a:schemeClr val="dk1"/>
+          </a:fillRef>
+          <a:effectRef idx="0">
+            <a:schemeClr val="dk1"/>
+          </a:effectRef>
+          <a:fontRef idx="minor">
+            <a:schemeClr val="tx1"/>
+          </a:fontRef>
+        </p:style>
+      </p:cxnSp>
+      <p:sp>
+        <p:nvSpPr>
+          <p:cNvPr id="199" name="TextBox 198"/>
+          <p:cNvSpPr txBox="1"/>
+          <p:nvPr/>
+        </p:nvSpPr>
+        <p:spPr>
+          <a:xfrm>
+            <a:off x="2990942" y="2732229"/>
+            <a:ext cx="1067671" cy="307777"/>
+          </a:xfrm>
+          <a:prstGeom prst="rect">
+            <a:avLst/>
+          </a:prstGeom>
+          <a:noFill/>
+        </p:spPr>
+        <p:txBody>
+          <a:bodyPr wrap="square" rtlCol="0">
+            <a:spAutoFit/>
+          </a:bodyPr>
+          <a:lstStyle/>
+          <a:p>
+            <a:r>
+              <a:rPr lang="ru-RU" sz="700" dirty="0" smtClean="0"/>
+              <a:t>Есть поддерживаемые приложения?</a:t>
+            </a:r>
+            <a:endParaRPr lang="ru-RU" sz="700" dirty="0"/>
+          </a:p>
+        </p:txBody>
+      </p:sp>
+      <p:sp>
+        <p:nvSpPr>
+          <p:cNvPr id="429" name="TextBox 428"/>
+          <p:cNvSpPr txBox="1"/>
+          <p:nvPr/>
+        </p:nvSpPr>
+        <p:spPr>
+          <a:xfrm>
+            <a:off x="3077812" y="807067"/>
+            <a:ext cx="1097938" cy="338554"/>
+          </a:xfrm>
+          <a:prstGeom prst="rect">
+            <a:avLst/>
+          </a:prstGeom>
+          <a:noFill/>
+        </p:spPr>
+        <p:txBody>
+          <a:bodyPr wrap="square" rtlCol="0">
+            <a:spAutoFit/>
+          </a:bodyPr>
+          <a:lstStyle/>
+          <a:p>
+            <a:r>
+              <a:rPr lang="ru-RU" sz="800" dirty="0">
+                <a:latin typeface="Times New Roman" panose="02020603050405020304" pitchFamily="18" charset="0"/>
+                <a:cs typeface="Times New Roman" panose="02020603050405020304" pitchFamily="18" charset="0"/>
+              </a:rPr>
+              <a:t>Есть сигнал с считывателя</a:t>
+            </a:r>
+            <a:r>
+              <a:rPr lang="ru-RU" sz="800" dirty="0" smtClean="0">
+                <a:latin typeface="Times New Roman" panose="02020603050405020304" pitchFamily="18" charset="0"/>
+                <a:cs typeface="Times New Roman" panose="02020603050405020304" pitchFamily="18" charset="0"/>
+              </a:rPr>
+              <a:t>?</a:t>
+            </a:r>
+            <a:endParaRPr lang="ru-RU" sz="800" dirty="0">
+              <a:latin typeface="Times New Roman" panose="02020603050405020304" pitchFamily="18" charset="0"/>
+              <a:cs typeface="Times New Roman" panose="02020603050405020304" pitchFamily="18" charset="0"/>
+            </a:endParaRPr>
+          </a:p>
+        </p:txBody>
+      </p:sp>
+      <p:cxnSp>
+        <p:nvCxnSpPr>
+          <p:cNvPr id="129" name="Прямая соединительная линия 128"/>
+          <p:cNvCxnSpPr>
+            <a:stCxn id="273" idx="2"/>
+            <a:endCxn id="253" idx="0"/>
+          </p:cNvCxnSpPr>
+          <p:nvPr/>
+        </p:nvCxnSpPr>
+        <p:spPr>
+          <a:xfrm flipH="1">
+            <a:off x="6139694" y="2011770"/>
+            <a:ext cx="2767" cy="485930"/>
+          </a:xfrm>
+          <a:prstGeom prst="line">
+            <a:avLst/>
+          </a:prstGeom>
+          <a:ln w="3175"/>
+        </p:spPr>
+        <p:style>
+          <a:lnRef idx="1">
+            <a:schemeClr val="dk1"/>
+          </a:lnRef>
+          <a:fillRef idx="0">
+            <a:schemeClr val="dk1"/>
+          </a:fillRef>
+          <a:effectRef idx="0">
+            <a:schemeClr val="dk1"/>
+          </a:effectRef>
+          <a:fontRef idx="minor">
+            <a:schemeClr val="tx1"/>
+          </a:fontRef>
+        </p:style>
+      </p:cxnSp>
+      <p:cxnSp>
+        <p:nvCxnSpPr>
+          <p:cNvPr id="132" name="Прямая соединительная линия 131"/>
+          <p:cNvCxnSpPr>
+            <a:stCxn id="213" idx="3"/>
+          </p:cNvCxnSpPr>
+          <p:nvPr/>
+        </p:nvCxnSpPr>
+        <p:spPr>
+          <a:xfrm>
+            <a:off x="4110159" y="2876729"/>
+            <a:ext cx="525253" cy="0"/>
+          </a:xfrm>
+          <a:prstGeom prst="line">
+            <a:avLst/>
+          </a:prstGeom>
+          <a:ln w="3175"/>
+        </p:spPr>
+        <p:style>
+          <a:lnRef idx="1">
+            <a:schemeClr val="dk1"/>
+          </a:lnRef>
+          <a:fillRef idx="0">
+            <a:schemeClr val="dk1"/>
+          </a:fillRef>
+          <a:effectRef idx="0">
+            <a:schemeClr val="dk1"/>
+          </a:effectRef>
+          <a:fontRef idx="minor">
+            <a:schemeClr val="tx1"/>
+          </a:fontRef>
+        </p:style>
+      </p:cxnSp>
+      <p:cxnSp>
+        <p:nvCxnSpPr>
+          <p:cNvPr id="135" name="Прямая соединительная линия 134"/>
+          <p:cNvCxnSpPr>
+            <a:stCxn id="278" idx="2"/>
+            <a:endCxn id="317" idx="0"/>
+          </p:cNvCxnSpPr>
+          <p:nvPr/>
+        </p:nvCxnSpPr>
+        <p:spPr>
+          <a:xfrm>
+            <a:off x="8125053" y="2011770"/>
+            <a:ext cx="0" cy="1260390"/>
+          </a:xfrm>
+          <a:prstGeom prst="line">
+            <a:avLst/>
+          </a:prstGeom>
+          <a:ln w="3175"/>
+        </p:spPr>
+        <p:style>
+          <a:lnRef idx="1">
+            <a:schemeClr val="dk1"/>
+          </a:lnRef>
+          <a:fillRef idx="0">
+            <a:schemeClr val="dk1"/>
+          </a:fillRef>
+          <a:effectRef idx="0">
+            <a:schemeClr val="dk1"/>
+          </a:effectRef>
+          <a:fontRef idx="minor">
+            <a:schemeClr val="tx1"/>
+          </a:fontRef>
+        </p:style>
+      </p:cxnSp>
+      <p:sp>
+        <p:nvSpPr>
+          <p:cNvPr id="136" name="Блок-схема: знак завершения 135"/>
+          <p:cNvSpPr/>
+          <p:nvPr/>
+        </p:nvSpPr>
+        <p:spPr>
+          <a:xfrm>
+            <a:off x="7471988" y="4581743"/>
+            <a:ext cx="1301095" cy="360040"/>
+          </a:xfrm>
+          <a:prstGeom prst="flowChartTerminator">
+            <a:avLst/>
+          </a:prstGeom>
+          <a:ln w="3175"/>
+        </p:spPr>
+        <p:style>
+          <a:lnRef idx="2">
+            <a:schemeClr val="dk1"/>
+          </a:lnRef>
+          <a:fillRef idx="1">
+            <a:schemeClr val="lt1"/>
+          </a:fillRef>
+          <a:effectRef idx="0">
+            <a:schemeClr val="dk1"/>
+          </a:effectRef>
+          <a:fontRef idx="minor">
+            <a:schemeClr val="dk1"/>
+          </a:fontRef>
+        </p:style>
+        <p:txBody>
+          <a:bodyPr rtlCol="0" anchor="ctr"/>
+          <a:lstStyle/>
+          <a:p>
+            <a:pPr algn="ctr"/>
+            <a:r>
+              <a:rPr lang="ru-RU" sz="800" dirty="0" smtClean="0">
+                <a:latin typeface="Times New Roman" panose="02020603050405020304" pitchFamily="18" charset="0"/>
+                <a:cs typeface="Times New Roman" panose="02020603050405020304" pitchFamily="18" charset="0"/>
+              </a:rPr>
+              <a:t>Конец</a:t>
+            </a:r>
+            <a:endParaRPr lang="ru-RU" sz="800" dirty="0">
+              <a:latin typeface="Times New Roman" panose="02020603050405020304" pitchFamily="18" charset="0"/>
+              <a:cs typeface="Times New Roman" panose="02020603050405020304" pitchFamily="18" charset="0"/>
+            </a:endParaRPr>
+          </a:p>
+        </p:txBody>
+      </p:sp>
+      <p:cxnSp>
+        <p:nvCxnSpPr>
+          <p:cNvPr id="18" name="Прямая со стрелкой 17"/>
+          <p:cNvCxnSpPr>
+            <a:stCxn id="253" idx="3"/>
+          </p:cNvCxnSpPr>
+          <p:nvPr/>
+        </p:nvCxnSpPr>
+        <p:spPr>
+          <a:xfrm>
+            <a:off x="6695202" y="2679860"/>
+            <a:ext cx="1427334" cy="0"/>
+          </a:xfrm>
+          <a:prstGeom prst="straightConnector1">
+            <a:avLst/>
+          </a:prstGeom>
+          <a:ln w="3175">
+            <a:solidFill>
+              <a:schemeClr val="tx1"/>
+            </a:solidFill>
+            <a:tailEnd type="triangle"/>
+          </a:ln>
+        </p:spPr>
+        <p:style>
+          <a:lnRef idx="1">
+            <a:schemeClr val="accent1"/>
+          </a:lnRef>
+          <a:fillRef idx="0">
+            <a:schemeClr val="accent1"/>
+          </a:fillRef>
+          <a:effectRef idx="0">
+            <a:schemeClr val="accent1"/>
+          </a:effectRef>
+          <a:fontRef idx="minor">
+            <a:schemeClr val="tx1"/>
+          </a:fontRef>
+        </p:style>
+      </p:cxnSp>
+      <p:cxnSp>
+        <p:nvCxnSpPr>
+          <p:cNvPr id="147" name="Прямая соединительная линия 146"/>
+          <p:cNvCxnSpPr>
+            <a:stCxn id="317" idx="2"/>
+            <a:endCxn id="136" idx="0"/>
+          </p:cNvCxnSpPr>
+          <p:nvPr/>
+        </p:nvCxnSpPr>
+        <p:spPr>
+          <a:xfrm flipH="1">
+            <a:off x="8122536" y="3679243"/>
+            <a:ext cx="2517" cy="902500"/>
+          </a:xfrm>
+          <a:prstGeom prst="line">
+            <a:avLst/>
+          </a:prstGeom>
+          <a:ln w="3175"/>
+        </p:spPr>
+        <p:style>
+          <a:lnRef idx="1">
+            <a:schemeClr val="dk1"/>
+          </a:lnRef>
+          <a:fillRef idx="0">
+            <a:schemeClr val="dk1"/>
+          </a:fillRef>
+          <a:effectRef idx="0">
+            <a:schemeClr val="dk1"/>
+          </a:effectRef>
+          <a:fontRef idx="minor">
+            <a:schemeClr val="tx1"/>
+          </a:fontRef>
+        </p:style>
+      </p:cxnSp>
+      <p:cxnSp>
+        <p:nvCxnSpPr>
+          <p:cNvPr id="148" name="Прямая соединительная линия 147"/>
+          <p:cNvCxnSpPr>
+            <a:stCxn id="246" idx="3"/>
+          </p:cNvCxnSpPr>
+          <p:nvPr/>
+        </p:nvCxnSpPr>
+        <p:spPr>
+          <a:xfrm>
+            <a:off x="5932507" y="4018303"/>
+            <a:ext cx="2190029" cy="0"/>
+          </a:xfrm>
+          <a:prstGeom prst="line">
+            <a:avLst/>
+          </a:prstGeom>
+          <a:ln w="3175"/>
+        </p:spPr>
+        <p:style>
+          <a:lnRef idx="1">
+            <a:schemeClr val="dk1"/>
+          </a:lnRef>
+          <a:fillRef idx="0">
+            <a:schemeClr val="dk1"/>
+          </a:fillRef>
+          <a:effectRef idx="0">
+            <a:schemeClr val="dk1"/>
+          </a:effectRef>
+          <a:fontRef idx="minor">
+            <a:schemeClr val="tx1"/>
+          </a:fontRef>
+        </p:style>
+      </p:cxnSp>
+      <p:sp>
+        <p:nvSpPr>
+          <p:cNvPr id="153" name="Блок-схема: узел 152"/>
+          <p:cNvSpPr/>
+          <p:nvPr/>
+        </p:nvSpPr>
+        <p:spPr>
+          <a:xfrm>
+            <a:off x="2017105" y="4775743"/>
+            <a:ext cx="288032" cy="288032"/>
+          </a:xfrm>
+          <a:prstGeom prst="flowChartConnector">
+            <a:avLst/>
+          </a:prstGeom>
+          <a:ln w="3175"/>
+        </p:spPr>
+        <p:style>
+          <a:lnRef idx="2">
+            <a:schemeClr val="dk1"/>
+          </a:lnRef>
+          <a:fillRef idx="1">
+            <a:schemeClr val="lt1"/>
+          </a:fillRef>
+          <a:effectRef idx="0">
+            <a:schemeClr val="dk1"/>
+          </a:effectRef>
+          <a:fontRef idx="minor">
+            <a:schemeClr val="dk1"/>
+          </a:fontRef>
+        </p:style>
+        <p:txBody>
+          <a:bodyPr rtlCol="0" anchor="ctr"/>
+          <a:lstStyle/>
+          <a:p>
+            <a:pPr algn="ctr"/>
+            <a:r>
+              <a:rPr lang="ru-RU" sz="1400" dirty="0" smtClean="0">
+                <a:latin typeface="Times New Roman" panose="02020603050405020304" pitchFamily="18" charset="0"/>
+                <a:cs typeface="Times New Roman" panose="02020603050405020304" pitchFamily="18" charset="0"/>
+              </a:rPr>
+              <a:t>2</a:t>
+            </a:r>
+            <a:endParaRPr lang="ru-RU" sz="1400" dirty="0">
+              <a:latin typeface="Times New Roman" panose="02020603050405020304" pitchFamily="18" charset="0"/>
+              <a:cs typeface="Times New Roman" panose="02020603050405020304" pitchFamily="18" charset="0"/>
+            </a:endParaRPr>
+          </a:p>
+        </p:txBody>
+      </p:sp>
+      <p:cxnSp>
+        <p:nvCxnSpPr>
+          <p:cNvPr id="154" name="Прямая соединительная линия 153"/>
+          <p:cNvCxnSpPr>
+            <a:stCxn id="261" idx="1"/>
+            <a:endCxn id="153" idx="6"/>
+          </p:cNvCxnSpPr>
+          <p:nvPr/>
+        </p:nvCxnSpPr>
+        <p:spPr>
+          <a:xfrm flipH="1">
+            <a:off x="2305137" y="4919759"/>
+            <a:ext cx="477922" cy="0"/>
+          </a:xfrm>
+          <a:prstGeom prst="line">
+            <a:avLst/>
+          </a:prstGeom>
+          <a:ln w="3175"/>
+        </p:spPr>
+        <p:style>
+          <a:lnRef idx="1">
+            <a:schemeClr val="dk1"/>
+          </a:lnRef>
+          <a:fillRef idx="0">
+            <a:schemeClr val="dk1"/>
+          </a:fillRef>
+          <a:effectRef idx="0">
+            <a:schemeClr val="dk1"/>
+          </a:effectRef>
+          <a:fontRef idx="minor">
+            <a:schemeClr val="tx1"/>
+          </a:fontRef>
+        </p:style>
+      </p:cxnSp>
+      <p:sp>
+        <p:nvSpPr>
+          <p:cNvPr id="160" name="Блок-схема: узел 159"/>
+          <p:cNvSpPr/>
+          <p:nvPr/>
+        </p:nvSpPr>
+        <p:spPr>
+          <a:xfrm>
+            <a:off x="6984161" y="458228"/>
+            <a:ext cx="288032" cy="288032"/>
+          </a:xfrm>
+          <a:prstGeom prst="flowChartConnector">
+            <a:avLst/>
+          </a:prstGeom>
+          <a:ln w="3175"/>
+        </p:spPr>
+        <p:style>
+          <a:lnRef idx="2">
+            <a:schemeClr val="dk1"/>
+          </a:lnRef>
+          <a:fillRef idx="1">
+            <a:schemeClr val="lt1"/>
+          </a:fillRef>
+          <a:effectRef idx="0">
+            <a:schemeClr val="dk1"/>
+          </a:effectRef>
+          <a:fontRef idx="minor">
+            <a:schemeClr val="dk1"/>
+          </a:fontRef>
+        </p:style>
+        <p:txBody>
+          <a:bodyPr rtlCol="0" anchor="ctr"/>
+          <a:lstStyle/>
+          <a:p>
+            <a:pPr algn="ctr"/>
+            <a:r>
+              <a:rPr lang="ru-RU" sz="1400" dirty="0" smtClean="0">
+                <a:latin typeface="Times New Roman" panose="02020603050405020304" pitchFamily="18" charset="0"/>
+                <a:cs typeface="Times New Roman" panose="02020603050405020304" pitchFamily="18" charset="0"/>
+              </a:rPr>
+              <a:t>2</a:t>
+            </a:r>
+            <a:endParaRPr lang="ru-RU" sz="1400" dirty="0">
+              <a:latin typeface="Times New Roman" panose="02020603050405020304" pitchFamily="18" charset="0"/>
+              <a:cs typeface="Times New Roman" panose="02020603050405020304" pitchFamily="18" charset="0"/>
+            </a:endParaRPr>
+          </a:p>
+        </p:txBody>
+      </p:sp>
+      <p:cxnSp>
+        <p:nvCxnSpPr>
+          <p:cNvPr id="161" name="Прямая соединительная линия 160"/>
+          <p:cNvCxnSpPr>
+            <a:stCxn id="160" idx="4"/>
+            <a:endCxn id="270" idx="0"/>
+          </p:cNvCxnSpPr>
+          <p:nvPr/>
+        </p:nvCxnSpPr>
+        <p:spPr>
+          <a:xfrm>
+            <a:off x="7128177" y="746260"/>
+            <a:ext cx="1" cy="195355"/>
+          </a:xfrm>
+          <a:prstGeom prst="line">
+            <a:avLst/>
+          </a:prstGeom>
+          <a:ln w="3175"/>
+        </p:spPr>
+        <p:style>
+          <a:lnRef idx="1">
+            <a:schemeClr val="dk1"/>
+          </a:lnRef>
+          <a:fillRef idx="0">
+            <a:schemeClr val="dk1"/>
+          </a:fillRef>
+          <a:effectRef idx="0">
+            <a:schemeClr val="dk1"/>
+          </a:effectRef>
+          <a:fontRef idx="minor">
+            <a:schemeClr val="tx1"/>
+          </a:fontRef>
+        </p:style>
+      </p:cxnSp>
+      <p:cxnSp>
+        <p:nvCxnSpPr>
+          <p:cNvPr id="233" name="Соединительная линия уступом 232"/>
+          <p:cNvCxnSpPr>
+            <a:stCxn id="261" idx="3"/>
+          </p:cNvCxnSpPr>
+          <p:nvPr/>
+        </p:nvCxnSpPr>
+        <p:spPr>
+          <a:xfrm flipV="1">
+            <a:off x="4111707" y="4018303"/>
+            <a:ext cx="523705" cy="901456"/>
+          </a:xfrm>
+          <a:prstGeom prst="bentConnector2">
+            <a:avLst/>
+          </a:prstGeom>
+          <a:ln w="3175">
+            <a:solidFill>
+              <a:schemeClr val="tx1"/>
+            </a:solidFill>
+          </a:ln>
+        </p:spPr>
+        <p:style>
+          <a:lnRef idx="1">
+            <a:schemeClr val="accent1"/>
+          </a:lnRef>
+          <a:fillRef idx="0">
+            <a:schemeClr val="accent1"/>
+          </a:fillRef>
+          <a:effectRef idx="0">
+            <a:schemeClr val="accent1"/>
+          </a:effectRef>
+          <a:fontRef idx="minor">
+            <a:schemeClr val="tx1"/>
+          </a:fontRef>
+        </p:style>
+      </p:cxnSp>
     </p:spTree>
   </p:cSld>
   <p:clrMapOvr>
@@ -24293,49 +24407,6 @@
           </a:p>
         </p:txBody>
       </p:sp>
-      <p:sp>
-        <p:nvSpPr>
-          <p:cNvPr id="15" name="Овал 14"/>
-          <p:cNvSpPr/>
-          <p:nvPr/>
-        </p:nvSpPr>
-        <p:spPr>
-          <a:xfrm>
-            <a:off x="8590284" y="230394"/>
-            <a:ext cx="360040" cy="360040"/>
-          </a:xfrm>
-          <a:prstGeom prst="ellipse">
-            <a:avLst/>
-          </a:prstGeom>
-          <a:ln w="12700"/>
-        </p:spPr>
-        <p:style>
-          <a:lnRef idx="2">
-            <a:schemeClr val="dk1"/>
-          </a:lnRef>
-          <a:fillRef idx="1">
-            <a:schemeClr val="lt1"/>
-          </a:fillRef>
-          <a:effectRef idx="0">
-            <a:schemeClr val="dk1"/>
-          </a:effectRef>
-          <a:fontRef idx="minor">
-            <a:schemeClr val="dk1"/>
-          </a:fontRef>
-        </p:style>
-        <p:txBody>
-          <a:bodyPr rtlCol="0" anchor="ctr"/>
-          <a:lstStyle/>
-          <a:p>
-            <a:pPr algn="ctr"/>
-            <a:r>
-              <a:rPr lang="ru-RU" dirty="0" smtClean="0"/>
-              <a:t>7</a:t>
-            </a:r>
-            <a:endParaRPr lang="ru-RU" dirty="0"/>
-          </a:p>
-        </p:txBody>
-      </p:sp>
     </p:spTree>
   </p:cSld>
   <p:clrMapOvr>
@@ -25505,49 +25576,6 @@
               <a:t>Android Studio</a:t>
             </a:r>
             <a:endParaRPr lang="ru-RU" sz="1600" dirty="0"/>
-          </a:p>
-        </p:txBody>
-      </p:sp>
-      <p:sp>
-        <p:nvSpPr>
-          <p:cNvPr id="16" name="Овал 15"/>
-          <p:cNvSpPr/>
-          <p:nvPr/>
-        </p:nvSpPr>
-        <p:spPr>
-          <a:xfrm>
-            <a:off x="8590284" y="230394"/>
-            <a:ext cx="360040" cy="360040"/>
-          </a:xfrm>
-          <a:prstGeom prst="ellipse">
-            <a:avLst/>
-          </a:prstGeom>
-          <a:ln w="12700"/>
-        </p:spPr>
-        <p:style>
-          <a:lnRef idx="2">
-            <a:schemeClr val="dk1"/>
-          </a:lnRef>
-          <a:fillRef idx="1">
-            <a:schemeClr val="lt1"/>
-          </a:fillRef>
-          <a:effectRef idx="0">
-            <a:schemeClr val="dk1"/>
-          </a:effectRef>
-          <a:fontRef idx="minor">
-            <a:schemeClr val="dk1"/>
-          </a:fontRef>
-        </p:style>
-        <p:txBody>
-          <a:bodyPr rtlCol="0" anchor="ctr"/>
-          <a:lstStyle/>
-          <a:p>
-            <a:pPr algn="ctr"/>
-            <a:r>
-              <a:rPr lang="ru-RU" dirty="0" smtClean="0"/>
-              <a:t>8</a:t>
-            </a:r>
-            <a:endParaRPr lang="ru-RU" dirty="0"/>
           </a:p>
         </p:txBody>
       </p:sp>
@@ -26564,21 +26592,35 @@
                 <a:latin typeface="Times New Roman" panose="02020603050405020304" pitchFamily="18" charset="0"/>
                 <a:cs typeface="Times New Roman" panose="02020603050405020304" pitchFamily="18" charset="0"/>
               </a:rPr>
-              <a:t>Участие </a:t>
+              <a:t>Участие в</a:t>
+            </a:r>
+            <a:r>
+              <a:rPr lang="en-US" dirty="0" smtClean="0">
+                <a:latin typeface="Times New Roman" panose="02020603050405020304" pitchFamily="18" charset="0"/>
+                <a:cs typeface="Times New Roman" panose="02020603050405020304" pitchFamily="18" charset="0"/>
+              </a:rPr>
+              <a:t> 22-</a:t>
+            </a:r>
+            <a:r>
+              <a:rPr lang="ru-RU" dirty="0" smtClean="0">
+                <a:latin typeface="Times New Roman" panose="02020603050405020304" pitchFamily="18" charset="0"/>
+                <a:cs typeface="Times New Roman" panose="02020603050405020304" pitchFamily="18" charset="0"/>
+              </a:rPr>
+              <a:t>й </a:t>
             </a:r>
             <a:r>
               <a:rPr lang="ru-RU" dirty="0">
                 <a:latin typeface="Times New Roman" panose="02020603050405020304" pitchFamily="18" charset="0"/>
                 <a:cs typeface="Times New Roman" panose="02020603050405020304" pitchFamily="18" charset="0"/>
               </a:rPr>
-              <a:t>в конференции Ритм-МИЭТ </a:t>
+              <a:t>конференции </a:t>
             </a:r>
             <a:r>
               <a:rPr lang="ru-RU" dirty="0" smtClean="0">
                 <a:latin typeface="Times New Roman" panose="02020603050405020304" pitchFamily="18" charset="0"/>
                 <a:cs typeface="Times New Roman" panose="02020603050405020304" pitchFamily="18" charset="0"/>
               </a:rPr>
-              <a:t>2018</a:t>
+              <a:t>«Творчество Юных» 2018</a:t>
             </a:r>
           </a:p>
           <a:p>
@@ -26771,49 +26813,6 @@
           </a:prstGeom>
         </p:spPr>
       </p:pic>
-      <p:sp>
-        <p:nvSpPr>
-          <p:cNvPr id="14" name="Овал 13"/>
-          <p:cNvSpPr/>
-          <p:nvPr/>
-        </p:nvSpPr>
-        <p:spPr>
-          <a:xfrm>
-            <a:off x="8590284" y="230394"/>
-            <a:ext cx="360040" cy="360040"/>
-          </a:xfrm>
-          <a:prstGeom prst="ellipse">
-            <a:avLst/>
-          </a:prstGeom>
-          <a:ln w="12700"/>
-        </p:spPr>
-        <p:style>
-          <a:lnRef idx="2">
-            <a:schemeClr val="dk1"/>
-          </a:lnRef>
-          <a:fillRef idx="1">
-            <a:schemeClr val="lt1"/>
-          </a:fillRef>
-          <a:effectRef idx="0">
-            <a:schemeClr val="dk1"/>
-          </a:effectRef>
-          <a:fontRef idx="minor">
-            <a:schemeClr val="dk1"/>
-          </a:fontRef>
-        </p:style>
-        <p:txBody>
-          <a:bodyPr rtlCol="0" anchor="ctr"/>
-          <a:lstStyle/>
-          <a:p>
-            <a:pPr algn="ctr"/>
-            <a:r>
-              <a:rPr lang="ru-RU" dirty="0" smtClean="0"/>
-              <a:t>9</a:t>
-            </a:r>
-            <a:endParaRPr lang="ru-RU" dirty="0"/>
-          </a:p>
-        </p:txBody>
-      </p:sp>
     </p:spTree>
   </p:cSld>
   <p:clrMapOvr>

--- a/Document/FINAL/Презентация_Василиадис.pptx
+++ b/Document/FINAL/Презентация_Василиадис.pptx
@@ -223,7 +223,7 @@
           <a:p>
             <a:fld id="{222A6AE0-AA74-41BD-82EA-8543DF964D38}" type="datetimeFigureOut">
               <a:rPr lang="ru-RU" smtClean="0"/>
-              <a:t>08.06.2018</a:t>
+              <a:t>13.06.2018</a:t>
             </a:fld>
             <a:endParaRPr lang="ru-RU"/>
           </a:p>
@@ -673,7 +673,7 @@
             <a:fld id="{D3F45E69-51FF-4017-B855-FA6AEE2AB1D5}" type="datetimeFigureOut">
               <a:rPr lang="ru-RU" smtClean="0"/>
               <a:pPr/>
-              <a:t>08.06.2018</a:t>
+              <a:t>13.06.2018</a:t>
             </a:fld>
             <a:endParaRPr lang="ru-RU"/>
           </a:p>
@@ -840,7 +840,7 @@
             <a:fld id="{D3F45E69-51FF-4017-B855-FA6AEE2AB1D5}" type="datetimeFigureOut">
               <a:rPr lang="ru-RU" smtClean="0"/>
               <a:pPr/>
-              <a:t>08.06.2018</a:t>
+              <a:t>13.06.2018</a:t>
             </a:fld>
             <a:endParaRPr lang="ru-RU"/>
           </a:p>
@@ -1017,7 +1017,7 @@
             <a:fld id="{D3F45E69-51FF-4017-B855-FA6AEE2AB1D5}" type="datetimeFigureOut">
               <a:rPr lang="ru-RU" smtClean="0"/>
               <a:pPr/>
-              <a:t>08.06.2018</a:t>
+              <a:t>13.06.2018</a:t>
             </a:fld>
             <a:endParaRPr lang="ru-RU"/>
           </a:p>
@@ -1184,7 +1184,7 @@
             <a:fld id="{D3F45E69-51FF-4017-B855-FA6AEE2AB1D5}" type="datetimeFigureOut">
               <a:rPr lang="ru-RU" smtClean="0"/>
               <a:pPr/>
-              <a:t>08.06.2018</a:t>
+              <a:t>13.06.2018</a:t>
             </a:fld>
             <a:endParaRPr lang="ru-RU"/>
           </a:p>
@@ -1427,7 +1427,7 @@
             <a:fld id="{D3F45E69-51FF-4017-B855-FA6AEE2AB1D5}" type="datetimeFigureOut">
               <a:rPr lang="ru-RU" smtClean="0"/>
               <a:pPr/>
-              <a:t>08.06.2018</a:t>
+              <a:t>13.06.2018</a:t>
             </a:fld>
             <a:endParaRPr lang="ru-RU"/>
           </a:p>
@@ -1712,7 +1712,7 @@
             <a:fld id="{D3F45E69-51FF-4017-B855-FA6AEE2AB1D5}" type="datetimeFigureOut">
               <a:rPr lang="ru-RU" smtClean="0"/>
               <a:pPr/>
-              <a:t>08.06.2018</a:t>
+              <a:t>13.06.2018</a:t>
             </a:fld>
             <a:endParaRPr lang="ru-RU"/>
           </a:p>
@@ -2131,7 +2131,7 @@
             <a:fld id="{D3F45E69-51FF-4017-B855-FA6AEE2AB1D5}" type="datetimeFigureOut">
               <a:rPr lang="ru-RU" smtClean="0"/>
               <a:pPr/>
-              <a:t>08.06.2018</a:t>
+              <a:t>13.06.2018</a:t>
             </a:fld>
             <a:endParaRPr lang="ru-RU"/>
           </a:p>
@@ -2246,7 +2246,7 @@
             <a:fld id="{D3F45E69-51FF-4017-B855-FA6AEE2AB1D5}" type="datetimeFigureOut">
               <a:rPr lang="ru-RU" smtClean="0"/>
               <a:pPr/>
-              <a:t>08.06.2018</a:t>
+              <a:t>13.06.2018</a:t>
             </a:fld>
             <a:endParaRPr lang="ru-RU"/>
           </a:p>
@@ -2338,7 +2338,7 @@
             <a:fld id="{D3F45E69-51FF-4017-B855-FA6AEE2AB1D5}" type="datetimeFigureOut">
               <a:rPr lang="ru-RU" smtClean="0"/>
               <a:pPr/>
-              <a:t>08.06.2018</a:t>
+              <a:t>13.06.2018</a:t>
             </a:fld>
             <a:endParaRPr lang="ru-RU"/>
           </a:p>
@@ -2612,7 +2612,7 @@
             <a:fld id="{D3F45E69-51FF-4017-B855-FA6AEE2AB1D5}" type="datetimeFigureOut">
               <a:rPr lang="ru-RU" smtClean="0"/>
               <a:pPr/>
-              <a:t>08.06.2018</a:t>
+              <a:t>13.06.2018</a:t>
             </a:fld>
             <a:endParaRPr lang="ru-RU"/>
           </a:p>
@@ -2862,7 +2862,7 @@
             <a:fld id="{D3F45E69-51FF-4017-B855-FA6AEE2AB1D5}" type="datetimeFigureOut">
               <a:rPr lang="ru-RU" smtClean="0"/>
               <a:pPr/>
-              <a:t>08.06.2018</a:t>
+              <a:t>13.06.2018</a:t>
             </a:fld>
             <a:endParaRPr lang="ru-RU"/>
           </a:p>
@@ -3072,7 +3072,7 @@
             <a:fld id="{D3F45E69-51FF-4017-B855-FA6AEE2AB1D5}" type="datetimeFigureOut">
               <a:rPr lang="ru-RU" smtClean="0"/>
               <a:pPr/>
-              <a:t>08.06.2018</a:t>
+              <a:t>13.06.2018</a:t>
             </a:fld>
             <a:endParaRPr lang="ru-RU"/>
           </a:p>
@@ -4516,7 +4516,7 @@
             </a:r>
             <a:r>
               <a:rPr lang="ru-RU" sz="2000" dirty="0" smtClean="0"/>
-              <a:t>-терминала под управлением операционной </a:t>
+              <a:t>-терминалов под управлением операционной </a:t>
             </a:r>
             <a:r>
               <a:rPr lang="ru-RU" sz="2000" dirty="0"/>
@@ -4693,6 +4693,65 @@
           </a:p>
         </p:txBody>
       </p:sp>
+      <p:pic>
+        <p:nvPicPr>
+          <p:cNvPr id="2" name="Рисунок 1"/>
+          <p:cNvPicPr>
+            <a:picLocks noChangeAspect="1"/>
+          </p:cNvPicPr>
+          <p:nvPr/>
+        </p:nvPicPr>
+        <p:blipFill rotWithShape="1">
+          <a:blip r:embed="rId2" cstate="print">
+            <a:extLst>
+              <a:ext uri="{28A0092B-C50C-407E-A947-70E740481C1C}">
+                <a14:useLocalDpi xmlns:a14="http://schemas.microsoft.com/office/drawing/2010/main" val="0"/>
+              </a:ext>
+            </a:extLst>
+          </a:blip>
+          <a:srcRect l="20011" t="24974" r="13347" b="19968"/>
+          <a:stretch/>
+        </p:blipFill>
+        <p:spPr>
+          <a:xfrm>
+            <a:off x="8028384" y="6477884"/>
+            <a:ext cx="288032" cy="159914"/>
+          </a:xfrm>
+          <a:prstGeom prst="rect">
+            <a:avLst/>
+          </a:prstGeom>
+        </p:spPr>
+      </p:pic>
+      <p:pic>
+        <p:nvPicPr>
+          <p:cNvPr id="11" name="Рисунок 10"/>
+          <p:cNvPicPr>
+            <a:picLocks noChangeAspect="1"/>
+          </p:cNvPicPr>
+          <p:nvPr/>
+        </p:nvPicPr>
+        <p:blipFill>
+          <a:blip r:embed="rId3" cstate="print">
+            <a:extLst>
+              <a:ext uri="{28A0092B-C50C-407E-A947-70E740481C1C}">
+                <a14:useLocalDpi xmlns:a14="http://schemas.microsoft.com/office/drawing/2010/main" val="0"/>
+              </a:ext>
+            </a:extLst>
+          </a:blip>
+          <a:stretch>
+            <a:fillRect/>
+          </a:stretch>
+        </p:blipFill>
+        <p:spPr>
+          <a:xfrm>
+            <a:off x="8057479" y="6282366"/>
+            <a:ext cx="424615" cy="165826"/>
+          </a:xfrm>
+          <a:prstGeom prst="rect">
+            <a:avLst/>
+          </a:prstGeom>
+        </p:spPr>
+      </p:pic>
     </p:spTree>
   </p:cSld>
   <p:clrMapOvr>
@@ -5841,6 +5900,65 @@
           </a:p>
         </p:txBody>
       </p:sp>
+      <p:pic>
+        <p:nvPicPr>
+          <p:cNvPr id="11" name="Рисунок 10"/>
+          <p:cNvPicPr>
+            <a:picLocks noChangeAspect="1"/>
+          </p:cNvPicPr>
+          <p:nvPr/>
+        </p:nvPicPr>
+        <p:blipFill rotWithShape="1">
+          <a:blip r:embed="rId2" cstate="print">
+            <a:extLst>
+              <a:ext uri="{28A0092B-C50C-407E-A947-70E740481C1C}">
+                <a14:useLocalDpi xmlns:a14="http://schemas.microsoft.com/office/drawing/2010/main" val="0"/>
+              </a:ext>
+            </a:extLst>
+          </a:blip>
+          <a:srcRect l="20011" t="24974" r="13347" b="19968"/>
+          <a:stretch/>
+        </p:blipFill>
+        <p:spPr>
+          <a:xfrm>
+            <a:off x="8100392" y="6479720"/>
+            <a:ext cx="288032" cy="159914"/>
+          </a:xfrm>
+          <a:prstGeom prst="rect">
+            <a:avLst/>
+          </a:prstGeom>
+        </p:spPr>
+      </p:pic>
+      <p:pic>
+        <p:nvPicPr>
+          <p:cNvPr id="12" name="Рисунок 11"/>
+          <p:cNvPicPr>
+            <a:picLocks noChangeAspect="1"/>
+          </p:cNvPicPr>
+          <p:nvPr/>
+        </p:nvPicPr>
+        <p:blipFill>
+          <a:blip r:embed="rId3" cstate="print">
+            <a:extLst>
+              <a:ext uri="{28A0092B-C50C-407E-A947-70E740481C1C}">
+                <a14:useLocalDpi xmlns:a14="http://schemas.microsoft.com/office/drawing/2010/main" val="0"/>
+              </a:ext>
+            </a:extLst>
+          </a:blip>
+          <a:stretch>
+            <a:fillRect/>
+          </a:stretch>
+        </p:blipFill>
+        <p:spPr>
+          <a:xfrm>
+            <a:off x="8057479" y="6282366"/>
+            <a:ext cx="424615" cy="165826"/>
+          </a:xfrm>
+          <a:prstGeom prst="rect">
+            <a:avLst/>
+          </a:prstGeom>
+        </p:spPr>
+      </p:pic>
     </p:spTree>
   </p:cSld>
   <p:clrMapOvr>
@@ -7010,10 +7128,10 @@
               <a:buChar char="•"/>
             </a:pPr>
             <a:r>
-              <a:rPr lang="ru-RU" sz="1600" dirty="0" smtClean="0"/>
+              <a:rPr lang="ru-RU" sz="1600" smtClean="0"/>
               <a:t>быстрое устаревание</a:t>
             </a:r>
-            <a:endParaRPr lang="ru-RU" sz="1600" dirty="0"/>
+            <a:endParaRPr lang="ru-RU" sz="1600" dirty="0" smtClean="0"/>
           </a:p>
         </p:txBody>
       </p:sp>
@@ -7122,7 +7240,7 @@
               <a:rPr lang="en-US" sz="1600" dirty="0" smtClean="0"/>
               <a:t>Android</a:t>
             </a:r>
-            <a:endParaRPr lang="ru-RU" sz="1600" dirty="0"/>
+            <a:endParaRPr lang="ru-RU" sz="1600" dirty="0" smtClean="0"/>
           </a:p>
         </p:txBody>
       </p:sp>
@@ -7298,6 +7416,65 @@
           </a:p>
         </p:txBody>
       </p:sp>
+      <p:pic>
+        <p:nvPicPr>
+          <p:cNvPr id="20" name="Рисунок 19"/>
+          <p:cNvPicPr>
+            <a:picLocks noChangeAspect="1"/>
+          </p:cNvPicPr>
+          <p:nvPr/>
+        </p:nvPicPr>
+        <p:blipFill rotWithShape="1">
+          <a:blip r:embed="rId6" cstate="print">
+            <a:extLst>
+              <a:ext uri="{28A0092B-C50C-407E-A947-70E740481C1C}">
+                <a14:useLocalDpi xmlns:a14="http://schemas.microsoft.com/office/drawing/2010/main" val="0"/>
+              </a:ext>
+            </a:extLst>
+          </a:blip>
+          <a:srcRect l="20011" t="24974" r="13347" b="19968"/>
+          <a:stretch/>
+        </p:blipFill>
+        <p:spPr>
+          <a:xfrm>
+            <a:off x="8100392" y="6479720"/>
+            <a:ext cx="288032" cy="159914"/>
+          </a:xfrm>
+          <a:prstGeom prst="rect">
+            <a:avLst/>
+          </a:prstGeom>
+        </p:spPr>
+      </p:pic>
+      <p:pic>
+        <p:nvPicPr>
+          <p:cNvPr id="21" name="Рисунок 20"/>
+          <p:cNvPicPr>
+            <a:picLocks noChangeAspect="1"/>
+          </p:cNvPicPr>
+          <p:nvPr/>
+        </p:nvPicPr>
+        <p:blipFill>
+          <a:blip r:embed="rId7" cstate="print">
+            <a:extLst>
+              <a:ext uri="{28A0092B-C50C-407E-A947-70E740481C1C}">
+                <a14:useLocalDpi xmlns:a14="http://schemas.microsoft.com/office/drawing/2010/main" val="0"/>
+              </a:ext>
+            </a:extLst>
+          </a:blip>
+          <a:stretch>
+            <a:fillRect/>
+          </a:stretch>
+        </p:blipFill>
+        <p:spPr>
+          <a:xfrm>
+            <a:off x="8057479" y="6282366"/>
+            <a:ext cx="424615" cy="165826"/>
+          </a:xfrm>
+          <a:prstGeom prst="rect">
+            <a:avLst/>
+          </a:prstGeom>
+        </p:spPr>
+      </p:pic>
     </p:spTree>
   </p:cSld>
   <p:clrMapOvr>
@@ -10506,6 +10683,65 @@
           </a:p>
         </p:txBody>
       </p:sp>
+      <p:pic>
+        <p:nvPicPr>
+          <p:cNvPr id="13" name="Рисунок 12"/>
+          <p:cNvPicPr>
+            <a:picLocks noChangeAspect="1"/>
+          </p:cNvPicPr>
+          <p:nvPr/>
+        </p:nvPicPr>
+        <p:blipFill rotWithShape="1">
+          <a:blip r:embed="rId2" cstate="print">
+            <a:extLst>
+              <a:ext uri="{28A0092B-C50C-407E-A947-70E740481C1C}">
+                <a14:useLocalDpi xmlns:a14="http://schemas.microsoft.com/office/drawing/2010/main" val="0"/>
+              </a:ext>
+            </a:extLst>
+          </a:blip>
+          <a:srcRect l="20011" t="24974" r="13347" b="19968"/>
+          <a:stretch/>
+        </p:blipFill>
+        <p:spPr>
+          <a:xfrm rot="21382482">
+            <a:off x="8244061" y="6470495"/>
+            <a:ext cx="288032" cy="159914"/>
+          </a:xfrm>
+          <a:prstGeom prst="rect">
+            <a:avLst/>
+          </a:prstGeom>
+        </p:spPr>
+      </p:pic>
+      <p:pic>
+        <p:nvPicPr>
+          <p:cNvPr id="14" name="Рисунок 13"/>
+          <p:cNvPicPr>
+            <a:picLocks noChangeAspect="1"/>
+          </p:cNvPicPr>
+          <p:nvPr/>
+        </p:nvPicPr>
+        <p:blipFill>
+          <a:blip r:embed="rId3" cstate="print">
+            <a:extLst>
+              <a:ext uri="{28A0092B-C50C-407E-A947-70E740481C1C}">
+                <a14:useLocalDpi xmlns:a14="http://schemas.microsoft.com/office/drawing/2010/main" val="0"/>
+              </a:ext>
+            </a:extLst>
+          </a:blip>
+          <a:stretch>
+            <a:fillRect/>
+          </a:stretch>
+        </p:blipFill>
+        <p:spPr>
+          <a:xfrm>
+            <a:off x="8057479" y="6282366"/>
+            <a:ext cx="424615" cy="165826"/>
+          </a:xfrm>
+          <a:prstGeom prst="rect">
+            <a:avLst/>
+          </a:prstGeom>
+        </p:spPr>
+      </p:pic>
     </p:spTree>
   </p:cSld>
   <p:clrMapOvr>
@@ -13065,7 +13301,7 @@
           <p:nvPr>
             <p:extLst>
               <p:ext uri="{D42A27DB-BD31-4B8C-83A1-F6EECF244321}">
-                <p14:modId xmlns:p14="http://schemas.microsoft.com/office/powerpoint/2010/main" val="219559919"/>
+                <p14:modId xmlns:p14="http://schemas.microsoft.com/office/powerpoint/2010/main" val="3675564077"/>
               </p:ext>
             </p:extLst>
           </p:nvPr>
@@ -13190,16 +13426,10 @@
                         </a:spcAft>
                       </a:pPr>
                       <a:r>
-                        <a:rPr lang="en-US" sz="1200" dirty="0">
-                          <a:effectLst/>
-                        </a:rPr>
-                        <a:t>Microsoft Visual </a:t>
-                      </a:r>
-                      <a:r>
                         <a:rPr lang="en-US" sz="1200" dirty="0" smtClean="0">
                           <a:effectLst/>
                         </a:rPr>
-                        <a:t>Studio [2]</a:t>
+                        <a:t>NetBeans[2]</a:t>
                       </a:r>
                       <a:endParaRPr lang="ru-RU" sz="1100" dirty="0">
                         <a:effectLst/>
@@ -14116,10 +14346,16 @@
                         </a:spcAft>
                       </a:pPr>
                       <a:r>
-                        <a:rPr lang="ru-RU" sz="1200" dirty="0">
+                        <a:rPr lang="ru-RU" sz="1200" dirty="0" smtClean="0">
                           <a:effectLst/>
                         </a:rPr>
-                        <a:t>Интеграция </a:t>
+                        <a:t>Интеграция с </a:t>
+                      </a:r>
+                      <a:r>
+                        <a:rPr lang="en-US" sz="1200" dirty="0" smtClean="0">
+                          <a:effectLst/>
+                        </a:rPr>
+                        <a:t>VCS (</a:t>
                       </a:r>
                       <a:r>
                         <a:rPr lang="ru-RU" sz="1200" dirty="0" smtClean="0">
@@ -14132,6 +14368,12 @@
                           <a:effectLst/>
                         </a:rPr>
                         <a:t>Git</a:t>
+                      </a:r>
+                      <a:r>
+                        <a:rPr lang="en-US" sz="1200" dirty="0" smtClean="0">
+                          <a:effectLst/>
+                        </a:rPr>
+                        <a:t>)</a:t>
                       </a:r>
                       <a:endParaRPr lang="ru-RU" sz="1100" dirty="0">
                         <a:effectLst/>
@@ -14358,16 +14600,8 @@
               <a:t> </a:t>
             </a:r>
             <a:r>
-              <a:rPr lang="en-US" sz="1000" dirty="0" smtClean="0"/>
-              <a:t>https</a:t>
-            </a:r>
-            <a:r>
               <a:rPr lang="en-US" sz="1000" dirty="0"/>
-              <a:t>://</a:t>
-            </a:r>
-            <a:r>
-              <a:rPr lang="en-US" sz="1000" dirty="0" smtClean="0"/>
-              <a:t>www.visualstudio.com/vs/android/</a:t>
+              <a:t>https://netbeans.org/</a:t>
             </a:r>
             <a:endParaRPr lang="ru-RU" sz="1000" dirty="0"/>
           </a:p>
@@ -14557,6 +14791,65 @@
           </a:p>
         </p:txBody>
       </p:sp>
+      <p:pic>
+        <p:nvPicPr>
+          <p:cNvPr id="15" name="Рисунок 14"/>
+          <p:cNvPicPr>
+            <a:picLocks noChangeAspect="1"/>
+          </p:cNvPicPr>
+          <p:nvPr/>
+        </p:nvPicPr>
+        <p:blipFill rotWithShape="1">
+          <a:blip r:embed="rId2" cstate="print">
+            <a:extLst>
+              <a:ext uri="{28A0092B-C50C-407E-A947-70E740481C1C}">
+                <a14:useLocalDpi xmlns:a14="http://schemas.microsoft.com/office/drawing/2010/main" val="0"/>
+              </a:ext>
+            </a:extLst>
+          </a:blip>
+          <a:srcRect l="20011" t="24974" r="13347" b="19968"/>
+          <a:stretch/>
+        </p:blipFill>
+        <p:spPr>
+          <a:xfrm rot="385951">
+            <a:off x="8100392" y="6479720"/>
+            <a:ext cx="288032" cy="159914"/>
+          </a:xfrm>
+          <a:prstGeom prst="rect">
+            <a:avLst/>
+          </a:prstGeom>
+        </p:spPr>
+      </p:pic>
+      <p:pic>
+        <p:nvPicPr>
+          <p:cNvPr id="17" name="Рисунок 16"/>
+          <p:cNvPicPr>
+            <a:picLocks noChangeAspect="1"/>
+          </p:cNvPicPr>
+          <p:nvPr/>
+        </p:nvPicPr>
+        <p:blipFill>
+          <a:blip r:embed="rId3" cstate="print">
+            <a:extLst>
+              <a:ext uri="{28A0092B-C50C-407E-A947-70E740481C1C}">
+                <a14:useLocalDpi xmlns:a14="http://schemas.microsoft.com/office/drawing/2010/main" val="0"/>
+              </a:ext>
+            </a:extLst>
+          </a:blip>
+          <a:stretch>
+            <a:fillRect/>
+          </a:stretch>
+        </p:blipFill>
+        <p:spPr>
+          <a:xfrm>
+            <a:off x="8057479" y="6282366"/>
+            <a:ext cx="424615" cy="165826"/>
+          </a:xfrm>
+          <a:prstGeom prst="rect">
+            <a:avLst/>
+          </a:prstGeom>
+        </p:spPr>
+      </p:pic>
     </p:spTree>
   </p:cSld>
   <p:clrMapOvr>
@@ -17123,6 +17416,65 @@
           </a:fontRef>
         </p:style>
       </p:cxnSp>
+      <p:pic>
+        <p:nvPicPr>
+          <p:cNvPr id="45" name="Рисунок 44"/>
+          <p:cNvPicPr>
+            <a:picLocks noChangeAspect="1"/>
+          </p:cNvPicPr>
+          <p:nvPr/>
+        </p:nvPicPr>
+        <p:blipFill rotWithShape="1">
+          <a:blip r:embed="rId2" cstate="print">
+            <a:extLst>
+              <a:ext uri="{28A0092B-C50C-407E-A947-70E740481C1C}">
+                <a14:useLocalDpi xmlns:a14="http://schemas.microsoft.com/office/drawing/2010/main" val="0"/>
+              </a:ext>
+            </a:extLst>
+          </a:blip>
+          <a:srcRect l="20011" t="24974" r="13347" b="19968"/>
+          <a:stretch/>
+        </p:blipFill>
+        <p:spPr>
+          <a:xfrm>
+            <a:off x="8254230" y="6474957"/>
+            <a:ext cx="288032" cy="159914"/>
+          </a:xfrm>
+          <a:prstGeom prst="rect">
+            <a:avLst/>
+          </a:prstGeom>
+        </p:spPr>
+      </p:pic>
+      <p:pic>
+        <p:nvPicPr>
+          <p:cNvPr id="46" name="Рисунок 45"/>
+          <p:cNvPicPr>
+            <a:picLocks noChangeAspect="1"/>
+          </p:cNvPicPr>
+          <p:nvPr/>
+        </p:nvPicPr>
+        <p:blipFill>
+          <a:blip r:embed="rId3" cstate="print">
+            <a:extLst>
+              <a:ext uri="{28A0092B-C50C-407E-A947-70E740481C1C}">
+                <a14:useLocalDpi xmlns:a14="http://schemas.microsoft.com/office/drawing/2010/main" val="0"/>
+              </a:ext>
+            </a:extLst>
+          </a:blip>
+          <a:stretch>
+            <a:fillRect/>
+          </a:stretch>
+        </p:blipFill>
+        <p:spPr>
+          <a:xfrm>
+            <a:off x="8057479" y="6282366"/>
+            <a:ext cx="424615" cy="165826"/>
+          </a:xfrm>
+          <a:prstGeom prst="rect">
+            <a:avLst/>
+          </a:prstGeom>
+        </p:spPr>
+      </p:pic>
     </p:spTree>
     <p:extLst>
       <p:ext uri="{BB962C8B-B14F-4D97-AF65-F5344CB8AC3E}">
@@ -23266,6 +23618,65 @@
           </a:fontRef>
         </p:style>
       </p:cxnSp>
+      <p:pic>
+        <p:nvPicPr>
+          <p:cNvPr id="126" name="Рисунок 125"/>
+          <p:cNvPicPr>
+            <a:picLocks noChangeAspect="1"/>
+          </p:cNvPicPr>
+          <p:nvPr/>
+        </p:nvPicPr>
+        <p:blipFill rotWithShape="1">
+          <a:blip r:embed="rId2" cstate="print">
+            <a:extLst>
+              <a:ext uri="{28A0092B-C50C-407E-A947-70E740481C1C}">
+                <a14:useLocalDpi xmlns:a14="http://schemas.microsoft.com/office/drawing/2010/main" val="0"/>
+              </a:ext>
+            </a:extLst>
+          </a:blip>
+          <a:srcRect l="20011" t="24974" r="13347" b="19968"/>
+          <a:stretch/>
+        </p:blipFill>
+        <p:spPr>
+          <a:xfrm>
+            <a:off x="4847813" y="6005906"/>
+            <a:ext cx="266684" cy="102564"/>
+          </a:xfrm>
+          <a:prstGeom prst="rect">
+            <a:avLst/>
+          </a:prstGeom>
+        </p:spPr>
+      </p:pic>
+      <p:pic>
+        <p:nvPicPr>
+          <p:cNvPr id="137" name="Рисунок 136"/>
+          <p:cNvPicPr>
+            <a:picLocks noChangeAspect="1"/>
+          </p:cNvPicPr>
+          <p:nvPr/>
+        </p:nvPicPr>
+        <p:blipFill>
+          <a:blip r:embed="rId3" cstate="print">
+            <a:extLst>
+              <a:ext uri="{28A0092B-C50C-407E-A947-70E740481C1C}">
+                <a14:useLocalDpi xmlns:a14="http://schemas.microsoft.com/office/drawing/2010/main" val="0"/>
+              </a:ext>
+            </a:extLst>
+          </a:blip>
+          <a:stretch>
+            <a:fillRect/>
+          </a:stretch>
+        </p:blipFill>
+        <p:spPr>
+          <a:xfrm>
+            <a:off x="4821851" y="5858747"/>
+            <a:ext cx="277666" cy="108438"/>
+          </a:xfrm>
+          <a:prstGeom prst="rect">
+            <a:avLst/>
+          </a:prstGeom>
+        </p:spPr>
+      </p:pic>
     </p:spTree>
   </p:cSld>
   <p:clrMapOvr>
@@ -24407,6 +24818,65 @@
           </a:p>
         </p:txBody>
       </p:sp>
+      <p:pic>
+        <p:nvPicPr>
+          <p:cNvPr id="15" name="Рисунок 14"/>
+          <p:cNvPicPr>
+            <a:picLocks noChangeAspect="1"/>
+          </p:cNvPicPr>
+          <p:nvPr/>
+        </p:nvPicPr>
+        <p:blipFill rotWithShape="1">
+          <a:blip r:embed="rId5" cstate="print">
+            <a:extLst>
+              <a:ext uri="{28A0092B-C50C-407E-A947-70E740481C1C}">
+                <a14:useLocalDpi xmlns:a14="http://schemas.microsoft.com/office/drawing/2010/main" val="0"/>
+              </a:ext>
+            </a:extLst>
+          </a:blip>
+          <a:srcRect l="20011" t="24974" r="13347" b="19968"/>
+          <a:stretch/>
+        </p:blipFill>
+        <p:spPr>
+          <a:xfrm rot="21375850">
+            <a:off x="8033287" y="6481359"/>
+            <a:ext cx="288032" cy="159914"/>
+          </a:xfrm>
+          <a:prstGeom prst="rect">
+            <a:avLst/>
+          </a:prstGeom>
+        </p:spPr>
+      </p:pic>
+      <p:pic>
+        <p:nvPicPr>
+          <p:cNvPr id="16" name="Рисунок 15"/>
+          <p:cNvPicPr>
+            <a:picLocks noChangeAspect="1"/>
+          </p:cNvPicPr>
+          <p:nvPr/>
+        </p:nvPicPr>
+        <p:blipFill>
+          <a:blip r:embed="rId6" cstate="print">
+            <a:extLst>
+              <a:ext uri="{28A0092B-C50C-407E-A947-70E740481C1C}">
+                <a14:useLocalDpi xmlns:a14="http://schemas.microsoft.com/office/drawing/2010/main" val="0"/>
+              </a:ext>
+            </a:extLst>
+          </a:blip>
+          <a:stretch>
+            <a:fillRect/>
+          </a:stretch>
+        </p:blipFill>
+        <p:spPr>
+          <a:xfrm>
+            <a:off x="8057479" y="6282366"/>
+            <a:ext cx="424615" cy="165826"/>
+          </a:xfrm>
+          <a:prstGeom prst="rect">
+            <a:avLst/>
+          </a:prstGeom>
+        </p:spPr>
+      </p:pic>
     </p:spTree>
   </p:cSld>
   <p:clrMapOvr>
@@ -25633,6 +26103,65 @@
           </a:prstGeom>
         </p:spPr>
       </p:pic>
+      <p:pic>
+        <p:nvPicPr>
+          <p:cNvPr id="16" name="Рисунок 15"/>
+          <p:cNvPicPr>
+            <a:picLocks noChangeAspect="1"/>
+          </p:cNvPicPr>
+          <p:nvPr/>
+        </p:nvPicPr>
+        <p:blipFill rotWithShape="1">
+          <a:blip r:embed="rId4" cstate="print">
+            <a:extLst>
+              <a:ext uri="{28A0092B-C50C-407E-A947-70E740481C1C}">
+                <a14:useLocalDpi xmlns:a14="http://schemas.microsoft.com/office/drawing/2010/main" val="0"/>
+              </a:ext>
+            </a:extLst>
+          </a:blip>
+          <a:srcRect l="20011" t="24974" r="13347" b="19968"/>
+          <a:stretch/>
+        </p:blipFill>
+        <p:spPr>
+          <a:xfrm>
+            <a:off x="8100392" y="6479720"/>
+            <a:ext cx="288032" cy="159914"/>
+          </a:xfrm>
+          <a:prstGeom prst="rect">
+            <a:avLst/>
+          </a:prstGeom>
+        </p:spPr>
+      </p:pic>
+      <p:pic>
+        <p:nvPicPr>
+          <p:cNvPr id="17" name="Рисунок 16"/>
+          <p:cNvPicPr>
+            <a:picLocks noChangeAspect="1"/>
+          </p:cNvPicPr>
+          <p:nvPr/>
+        </p:nvPicPr>
+        <p:blipFill>
+          <a:blip r:embed="rId5" cstate="print">
+            <a:extLst>
+              <a:ext uri="{28A0092B-C50C-407E-A947-70E740481C1C}">
+                <a14:useLocalDpi xmlns:a14="http://schemas.microsoft.com/office/drawing/2010/main" val="0"/>
+              </a:ext>
+            </a:extLst>
+          </a:blip>
+          <a:stretch>
+            <a:fillRect/>
+          </a:stretch>
+        </p:blipFill>
+        <p:spPr>
+          <a:xfrm>
+            <a:off x="8057479" y="6282366"/>
+            <a:ext cx="424615" cy="165826"/>
+          </a:xfrm>
+          <a:prstGeom prst="rect">
+            <a:avLst/>
+          </a:prstGeom>
+        </p:spPr>
+      </p:pic>
     </p:spTree>
   </p:cSld>
   <p:clrMapOvr>
@@ -26807,6 +27336,65 @@
           <a:xfrm>
             <a:off x="683568" y="2778760"/>
             <a:ext cx="2423213" cy="3442882"/>
+          </a:xfrm>
+          <a:prstGeom prst="rect">
+            <a:avLst/>
+          </a:prstGeom>
+        </p:spPr>
+      </p:pic>
+      <p:pic>
+        <p:nvPicPr>
+          <p:cNvPr id="11" name="Рисунок 10"/>
+          <p:cNvPicPr>
+            <a:picLocks noChangeAspect="1"/>
+          </p:cNvPicPr>
+          <p:nvPr/>
+        </p:nvPicPr>
+        <p:blipFill rotWithShape="1">
+          <a:blip r:embed="rId3" cstate="print">
+            <a:extLst>
+              <a:ext uri="{28A0092B-C50C-407E-A947-70E740481C1C}">
+                <a14:useLocalDpi xmlns:a14="http://schemas.microsoft.com/office/drawing/2010/main" val="0"/>
+              </a:ext>
+            </a:extLst>
+          </a:blip>
+          <a:srcRect l="20011" t="24974" r="13347" b="19968"/>
+          <a:stretch/>
+        </p:blipFill>
+        <p:spPr>
+          <a:xfrm>
+            <a:off x="8100392" y="6479720"/>
+            <a:ext cx="288032" cy="159914"/>
+          </a:xfrm>
+          <a:prstGeom prst="rect">
+            <a:avLst/>
+          </a:prstGeom>
+        </p:spPr>
+      </p:pic>
+      <p:pic>
+        <p:nvPicPr>
+          <p:cNvPr id="13" name="Рисунок 12"/>
+          <p:cNvPicPr>
+            <a:picLocks noChangeAspect="1"/>
+          </p:cNvPicPr>
+          <p:nvPr/>
+        </p:nvPicPr>
+        <p:blipFill>
+          <a:blip r:embed="rId4" cstate="print">
+            <a:extLst>
+              <a:ext uri="{28A0092B-C50C-407E-A947-70E740481C1C}">
+                <a14:useLocalDpi xmlns:a14="http://schemas.microsoft.com/office/drawing/2010/main" val="0"/>
+              </a:ext>
+            </a:extLst>
+          </a:blip>
+          <a:stretch>
+            <a:fillRect/>
+          </a:stretch>
+        </p:blipFill>
+        <p:spPr>
+          <a:xfrm>
+            <a:off x="8057479" y="6282366"/>
+            <a:ext cx="424615" cy="165826"/>
           </a:xfrm>
           <a:prstGeom prst="rect">
             <a:avLst/>
